--- a/ppt/medium.pptx
+++ b/ppt/medium.pptx
@@ -6,8 +6,16 @@
   </p:sldMasterIdLst>
   <p:sldIdLst>
     <p:sldId id="256" r:id="rId2"/>
-    <p:sldId id="257" r:id="rId3"/>
-    <p:sldId id="258" r:id="rId4"/>
+    <p:sldId id="268" r:id="rId3"/>
+    <p:sldId id="257" r:id="rId4"/>
+    <p:sldId id="258" r:id="rId5"/>
+    <p:sldId id="261" r:id="rId6"/>
+    <p:sldId id="263" r:id="rId7"/>
+    <p:sldId id="267" r:id="rId8"/>
+    <p:sldId id="264" r:id="rId9"/>
+    <p:sldId id="265" r:id="rId10"/>
+    <p:sldId id="266" r:id="rId11"/>
+    <p:sldId id="269" r:id="rId12"/>
   </p:sldIdLst>
   <p:sldSz cx="12192000" cy="6858000"/>
   <p:notesSz cx="6858000" cy="9144000"/>
@@ -106,6 +114,11 @@
       </a:defRPr>
     </a:lvl9pPr>
   </p:defaultTextStyle>
+  <p:extLst>
+    <p:ext uri="{EFAFB233-063F-42B5-8137-9DF3F51BA10A}">
+      <p15:sldGuideLst xmlns:p15="http://schemas.microsoft.com/office/powerpoint/2012/main"/>
+    </p:ext>
+  </p:extLst>
 </p:presentation>
 </file>
 
@@ -237,7 +250,7 @@
           <a:lstStyle/>
           <a:p>
             <a:fld id="{F33E8F4C-35C8-6A48-B176-7EBD0B6C6C98}" type="datetimeFigureOut">
-              <a:t>7/9/20</a:t>
+              <a:t>7/14/20</a:t>
             </a:fld>
             <a:endParaRPr lang="en-US"/>
           </a:p>
@@ -403,7 +416,7 @@
           <a:lstStyle/>
           <a:p>
             <a:fld id="{F33E8F4C-35C8-6A48-B176-7EBD0B6C6C98}" type="datetimeFigureOut">
-              <a:t>7/9/20</a:t>
+              <a:t>7/14/20</a:t>
             </a:fld>
             <a:endParaRPr lang="en-US"/>
           </a:p>
@@ -579,7 +592,7 @@
           <a:lstStyle/>
           <a:p>
             <a:fld id="{F33E8F4C-35C8-6A48-B176-7EBD0B6C6C98}" type="datetimeFigureOut">
-              <a:t>7/9/20</a:t>
+              <a:t>7/14/20</a:t>
             </a:fld>
             <a:endParaRPr lang="en-US"/>
           </a:p>
@@ -745,7 +758,7 @@
           <a:lstStyle/>
           <a:p>
             <a:fld id="{F33E8F4C-35C8-6A48-B176-7EBD0B6C6C98}" type="datetimeFigureOut">
-              <a:t>7/9/20</a:t>
+              <a:t>7/14/20</a:t>
             </a:fld>
             <a:endParaRPr lang="en-US"/>
           </a:p>
@@ -988,7 +1001,7 @@
           <a:lstStyle/>
           <a:p>
             <a:fld id="{F33E8F4C-35C8-6A48-B176-7EBD0B6C6C98}" type="datetimeFigureOut">
-              <a:t>7/9/20</a:t>
+              <a:t>7/14/20</a:t>
             </a:fld>
             <a:endParaRPr lang="en-US"/>
           </a:p>
@@ -1215,7 +1228,7 @@
           <a:lstStyle/>
           <a:p>
             <a:fld id="{F33E8F4C-35C8-6A48-B176-7EBD0B6C6C98}" type="datetimeFigureOut">
-              <a:t>7/9/20</a:t>
+              <a:t>7/14/20</a:t>
             </a:fld>
             <a:endParaRPr lang="en-US"/>
           </a:p>
@@ -1577,7 +1590,7 @@
           <a:lstStyle/>
           <a:p>
             <a:fld id="{F33E8F4C-35C8-6A48-B176-7EBD0B6C6C98}" type="datetimeFigureOut">
-              <a:t>7/9/20</a:t>
+              <a:t>7/14/20</a:t>
             </a:fld>
             <a:endParaRPr lang="en-US"/>
           </a:p>
@@ -1692,7 +1705,7 @@
           <a:lstStyle/>
           <a:p>
             <a:fld id="{F33E8F4C-35C8-6A48-B176-7EBD0B6C6C98}" type="datetimeFigureOut">
-              <a:t>7/9/20</a:t>
+              <a:t>7/14/20</a:t>
             </a:fld>
             <a:endParaRPr lang="en-US"/>
           </a:p>
@@ -1785,7 +1798,7 @@
           <a:lstStyle/>
           <a:p>
             <a:fld id="{F33E8F4C-35C8-6A48-B176-7EBD0B6C6C98}" type="datetimeFigureOut">
-              <a:t>7/9/20</a:t>
+              <a:t>7/14/20</a:t>
             </a:fld>
             <a:endParaRPr lang="en-US"/>
           </a:p>
@@ -2058,7 +2071,7 @@
           <a:lstStyle/>
           <a:p>
             <a:fld id="{F33E8F4C-35C8-6A48-B176-7EBD0B6C6C98}" type="datetimeFigureOut">
-              <a:t>7/9/20</a:t>
+              <a:t>7/14/20</a:t>
             </a:fld>
             <a:endParaRPr lang="en-US"/>
           </a:p>
@@ -2308,7 +2321,7 @@
           <a:lstStyle/>
           <a:p>
             <a:fld id="{F33E8F4C-35C8-6A48-B176-7EBD0B6C6C98}" type="datetimeFigureOut">
-              <a:t>7/9/20</a:t>
+              <a:t>7/14/20</a:t>
             </a:fld>
             <a:endParaRPr lang="en-US"/>
           </a:p>
@@ -2517,7 +2530,7 @@
           </a:lstStyle>
           <a:p>
             <a:fld id="{F33E8F4C-35C8-6A48-B176-7EBD0B6C6C98}" type="datetimeFigureOut">
-              <a:t>7/9/20</a:t>
+              <a:t>7/14/20</a:t>
             </a:fld>
             <a:endParaRPr lang="en-US"/>
           </a:p>
@@ -2943,8 +2956,8 @@
         </p:blipFill>
         <p:spPr>
           <a:xfrm>
-            <a:off x="3928905" y="1445211"/>
-            <a:ext cx="2723103" cy="1980439"/>
+            <a:off x="3928905" y="1514945"/>
+            <a:ext cx="2723103" cy="1840971"/>
           </a:xfrm>
           <a:prstGeom prst="rect">
             <a:avLst/>
@@ -2995,7 +3008,7 @@
         </p:nvCxnSpPr>
         <p:spPr>
           <a:xfrm>
-            <a:off x="6209881" y="1900813"/>
+            <a:off x="6209881" y="1926213"/>
             <a:ext cx="1969476" cy="0"/>
           </a:xfrm>
           <a:prstGeom prst="straightConnector1">
@@ -3031,7 +3044,7 @@
         </p:nvSpPr>
         <p:spPr>
           <a:xfrm>
-            <a:off x="8179357" y="1716147"/>
+            <a:off x="8179357" y="1741547"/>
             <a:ext cx="1881797" cy="369332"/>
           </a:xfrm>
           <a:prstGeom prst="rect">
@@ -3140,7 +3153,7 @@
         </p:nvCxnSpPr>
         <p:spPr>
           <a:xfrm flipV="1">
-            <a:off x="5978769" y="1165609"/>
+            <a:off x="5978769" y="1127509"/>
             <a:ext cx="0" cy="462224"/>
           </a:xfrm>
           <a:prstGeom prst="straightConnector1">
@@ -3176,7 +3189,7 @@
         </p:nvSpPr>
         <p:spPr>
           <a:xfrm>
-            <a:off x="5059231" y="797540"/>
+            <a:off x="5059231" y="759440"/>
             <a:ext cx="1846980" cy="369332"/>
           </a:xfrm>
           <a:prstGeom prst="rect">
@@ -3211,6 +3224,814 @@
   <p:clrMapOvr>
     <a:masterClrMapping/>
   </p:clrMapOvr>
+  <p:timing>
+    <p:tnLst>
+      <p:par>
+        <p:cTn id="1" dur="indefinite" restart="never" nodeType="tmRoot"/>
+      </p:par>
+    </p:tnLst>
+  </p:timing>
+</p:sld>
+</file>
+
+<file path=ppt/slides/slide10.xml><?xml version="1.0" encoding="utf-8"?>
+<p:sld xmlns:a="http://schemas.openxmlformats.org/drawingml/2006/main" xmlns:r="http://schemas.openxmlformats.org/officeDocument/2006/relationships" xmlns:p="http://schemas.openxmlformats.org/presentationml/2006/main">
+  <p:cSld>
+    <p:spTree>
+      <p:nvGrpSpPr>
+        <p:cNvPr id="1" name=""/>
+        <p:cNvGrpSpPr/>
+        <p:nvPr/>
+      </p:nvGrpSpPr>
+      <p:grpSpPr>
+        <a:xfrm>
+          <a:off x="0" y="0"/>
+          <a:ext cx="0" cy="0"/>
+          <a:chOff x="0" y="0"/>
+          <a:chExt cx="0" cy="0"/>
+        </a:xfrm>
+      </p:grpSpPr>
+      <p:pic>
+        <p:nvPicPr>
+          <p:cNvPr id="2" name="Picture 1"/>
+          <p:cNvPicPr>
+            <a:picLocks noChangeAspect="1"/>
+          </p:cNvPicPr>
+          <p:nvPr/>
+        </p:nvPicPr>
+        <p:blipFill>
+          <a:blip r:embed="rId2">
+            <a:extLst>
+              <a:ext uri="{28A0092B-C50C-407E-A947-70E740481C1C}">
+                <a14:useLocalDpi xmlns:a14="http://schemas.microsoft.com/office/drawing/2010/main" val="0"/>
+              </a:ext>
+            </a:extLst>
+          </a:blip>
+          <a:stretch>
+            <a:fillRect/>
+          </a:stretch>
+        </p:blipFill>
+        <p:spPr>
+          <a:xfrm>
+            <a:off x="3924621" y="2552700"/>
+            <a:ext cx="3904228" cy="2721128"/>
+          </a:xfrm>
+          <a:prstGeom prst="rect">
+            <a:avLst/>
+          </a:prstGeom>
+        </p:spPr>
+      </p:pic>
+      <p:pic>
+        <p:nvPicPr>
+          <p:cNvPr id="5" name="Picture 4"/>
+          <p:cNvPicPr>
+            <a:picLocks noChangeAspect="1"/>
+          </p:cNvPicPr>
+          <p:nvPr/>
+        </p:nvPicPr>
+        <p:blipFill>
+          <a:blip r:embed="rId3">
+            <a:lum bright="70000" contrast="-70000"/>
+            <a:extLst>
+              <a:ext uri="{28A0092B-C50C-407E-A947-70E740481C1C}">
+                <a14:useLocalDpi xmlns:a14="http://schemas.microsoft.com/office/drawing/2010/main" val="0"/>
+              </a:ext>
+            </a:extLst>
+          </a:blip>
+          <a:stretch>
+            <a:fillRect/>
+          </a:stretch>
+        </p:blipFill>
+        <p:spPr>
+          <a:xfrm>
+            <a:off x="5613400" y="3815204"/>
+            <a:ext cx="999476" cy="693278"/>
+          </a:xfrm>
+          <a:prstGeom prst="rect">
+            <a:avLst/>
+          </a:prstGeom>
+        </p:spPr>
+      </p:pic>
+      <p:pic>
+        <p:nvPicPr>
+          <p:cNvPr id="6" name="Picture 5"/>
+          <p:cNvPicPr>
+            <a:picLocks noChangeAspect="1"/>
+          </p:cNvPicPr>
+          <p:nvPr/>
+        </p:nvPicPr>
+        <p:blipFill>
+          <a:blip r:embed="rId4">
+            <a:lum bright="70000" contrast="-70000"/>
+            <a:extLst>
+              <a:ext uri="{28A0092B-C50C-407E-A947-70E740481C1C}">
+                <a14:useLocalDpi xmlns:a14="http://schemas.microsoft.com/office/drawing/2010/main" val="0"/>
+              </a:ext>
+            </a:extLst>
+          </a:blip>
+          <a:stretch>
+            <a:fillRect/>
+          </a:stretch>
+        </p:blipFill>
+        <p:spPr>
+          <a:xfrm>
+            <a:off x="5613400" y="3183933"/>
+            <a:ext cx="1358511" cy="718155"/>
+          </a:xfrm>
+          <a:prstGeom prst="rect">
+            <a:avLst/>
+          </a:prstGeom>
+        </p:spPr>
+      </p:pic>
+      <p:pic>
+        <p:nvPicPr>
+          <p:cNvPr id="9" name="Picture 8"/>
+          <p:cNvPicPr>
+            <a:picLocks noChangeAspect="1"/>
+          </p:cNvPicPr>
+          <p:nvPr/>
+        </p:nvPicPr>
+        <p:blipFill>
+          <a:blip r:embed="rId5">
+            <a:lum bright="70000" contrast="-70000"/>
+            <a:extLst>
+              <a:ext uri="{28A0092B-C50C-407E-A947-70E740481C1C}">
+                <a14:useLocalDpi xmlns:a14="http://schemas.microsoft.com/office/drawing/2010/main" val="0"/>
+              </a:ext>
+            </a:extLst>
+          </a:blip>
+          <a:stretch>
+            <a:fillRect/>
+          </a:stretch>
+        </p:blipFill>
+        <p:spPr>
+          <a:xfrm>
+            <a:off x="4598451" y="3219766"/>
+            <a:ext cx="1386996" cy="1386996"/>
+          </a:xfrm>
+          <a:prstGeom prst="rect">
+            <a:avLst/>
+          </a:prstGeom>
+        </p:spPr>
+      </p:pic>
+      <p:sp>
+        <p:nvSpPr>
+          <p:cNvPr id="10" name="TextBox 9"/>
+          <p:cNvSpPr txBox="1"/>
+          <p:nvPr/>
+        </p:nvSpPr>
+        <p:spPr>
+          <a:xfrm>
+            <a:off x="6518507" y="5466725"/>
+            <a:ext cx="1554897" cy="923330"/>
+          </a:xfrm>
+          <a:prstGeom prst="rect">
+            <a:avLst/>
+          </a:prstGeom>
+          <a:noFill/>
+        </p:spPr>
+        <p:txBody>
+          <a:bodyPr wrap="square" rtlCol="0">
+            <a:spAutoFit/>
+          </a:bodyPr>
+          <a:lstStyle/>
+          <a:p>
+            <a:pPr algn="ctr"/>
+            <a:r>
+              <a:rPr lang="en-US" b="1">
+                <a:solidFill>
+                  <a:srgbClr val="8A8C8F"/>
+                </a:solidFill>
+              </a:rPr>
+              <a:t>upper bound </a:t>
+            </a:r>
+            <a:r>
+              <a:rPr lang="en-US">
+                <a:solidFill>
+                  <a:srgbClr val="8A8C8F"/>
+                </a:solidFill>
+              </a:rPr>
+              <a:t>of objective function</a:t>
+            </a:r>
+            <a:endParaRPr lang="en-US" b="1">
+              <a:solidFill>
+                <a:srgbClr val="8A8C8F"/>
+              </a:solidFill>
+            </a:endParaRPr>
+          </a:p>
+        </p:txBody>
+      </p:sp>
+      <p:sp>
+        <p:nvSpPr>
+          <p:cNvPr id="11" name="Left Brace 10"/>
+          <p:cNvSpPr/>
+          <p:nvPr/>
+        </p:nvSpPr>
+        <p:spPr>
+          <a:xfrm rot="16200000">
+            <a:off x="7202051" y="5017651"/>
+            <a:ext cx="187811" cy="648088"/>
+          </a:xfrm>
+          <a:prstGeom prst="leftBrace">
+            <a:avLst/>
+          </a:prstGeom>
+          <a:ln>
+            <a:solidFill>
+              <a:srgbClr val="8A8C8F"/>
+            </a:solidFill>
+          </a:ln>
+        </p:spPr>
+        <p:style>
+          <a:lnRef idx="1">
+            <a:schemeClr val="accent1"/>
+          </a:lnRef>
+          <a:fillRef idx="0">
+            <a:schemeClr val="accent1"/>
+          </a:fillRef>
+          <a:effectRef idx="0">
+            <a:schemeClr val="accent1"/>
+          </a:effectRef>
+          <a:fontRef idx="minor">
+            <a:schemeClr val="tx1"/>
+          </a:fontRef>
+        </p:style>
+        <p:txBody>
+          <a:bodyPr rtlCol="0" anchor="ctr"/>
+          <a:lstStyle/>
+          <a:p>
+            <a:pPr algn="ctr"/>
+            <a:endParaRPr lang="en-US"/>
+          </a:p>
+        </p:txBody>
+      </p:sp>
+      <p:sp>
+        <p:nvSpPr>
+          <p:cNvPr id="12" name="TextBox 11"/>
+          <p:cNvSpPr txBox="1"/>
+          <p:nvPr/>
+        </p:nvSpPr>
+        <p:spPr>
+          <a:xfrm>
+            <a:off x="3690640" y="5466725"/>
+            <a:ext cx="1554897" cy="646331"/>
+          </a:xfrm>
+          <a:prstGeom prst="rect">
+            <a:avLst/>
+          </a:prstGeom>
+          <a:noFill/>
+        </p:spPr>
+        <p:txBody>
+          <a:bodyPr wrap="square" rtlCol="0">
+            <a:spAutoFit/>
+          </a:bodyPr>
+          <a:lstStyle/>
+          <a:p>
+            <a:pPr algn="ctr"/>
+            <a:r>
+              <a:rPr lang="en-US">
+                <a:solidFill>
+                  <a:srgbClr val="8A8C8F"/>
+                </a:solidFill>
+              </a:rPr>
+              <a:t>objective function</a:t>
+            </a:r>
+            <a:endParaRPr lang="en-US" b="1">
+              <a:solidFill>
+                <a:srgbClr val="8A8C8F"/>
+              </a:solidFill>
+            </a:endParaRPr>
+          </a:p>
+        </p:txBody>
+      </p:sp>
+      <p:sp>
+        <p:nvSpPr>
+          <p:cNvPr id="13" name="Left Brace 12"/>
+          <p:cNvSpPr/>
+          <p:nvPr/>
+        </p:nvSpPr>
+        <p:spPr>
+          <a:xfrm rot="16200000">
+            <a:off x="4374184" y="5017651"/>
+            <a:ext cx="187811" cy="648088"/>
+          </a:xfrm>
+          <a:prstGeom prst="leftBrace">
+            <a:avLst/>
+          </a:prstGeom>
+          <a:ln>
+            <a:solidFill>
+              <a:srgbClr val="8A8C8F"/>
+            </a:solidFill>
+          </a:ln>
+        </p:spPr>
+        <p:style>
+          <a:lnRef idx="1">
+            <a:schemeClr val="accent1"/>
+          </a:lnRef>
+          <a:fillRef idx="0">
+            <a:schemeClr val="accent1"/>
+          </a:fillRef>
+          <a:effectRef idx="0">
+            <a:schemeClr val="accent1"/>
+          </a:effectRef>
+          <a:fontRef idx="minor">
+            <a:schemeClr val="tx1"/>
+          </a:fontRef>
+        </p:style>
+        <p:txBody>
+          <a:bodyPr rtlCol="0" anchor="ctr"/>
+          <a:lstStyle/>
+          <a:p>
+            <a:pPr algn="ctr"/>
+            <a:endParaRPr lang="en-US"/>
+          </a:p>
+        </p:txBody>
+      </p:sp>
+    </p:spTree>
+    <p:extLst>
+      <p:ext uri="{BB962C8B-B14F-4D97-AF65-F5344CB8AC3E}">
+        <p14:creationId xmlns:p14="http://schemas.microsoft.com/office/powerpoint/2010/main" val="1882822524"/>
+      </p:ext>
+    </p:extLst>
+  </p:cSld>
+  <p:clrMapOvr>
+    <a:masterClrMapping/>
+  </p:clrMapOvr>
+  <p:timing>
+    <p:tnLst>
+      <p:par>
+        <p:cTn id="1" dur="indefinite" restart="never" nodeType="tmRoot"/>
+      </p:par>
+    </p:tnLst>
+  </p:timing>
+</p:sld>
+</file>
+
+<file path=ppt/slides/slide11.xml><?xml version="1.0" encoding="utf-8"?>
+<p:sld xmlns:a="http://schemas.openxmlformats.org/drawingml/2006/main" xmlns:r="http://schemas.openxmlformats.org/officeDocument/2006/relationships" xmlns:p="http://schemas.openxmlformats.org/presentationml/2006/main">
+  <p:cSld>
+    <p:spTree>
+      <p:nvGrpSpPr>
+        <p:cNvPr id="1" name=""/>
+        <p:cNvGrpSpPr/>
+        <p:nvPr/>
+      </p:nvGrpSpPr>
+      <p:grpSpPr>
+        <a:xfrm>
+          <a:off x="0" y="0"/>
+          <a:ext cx="0" cy="0"/>
+          <a:chOff x="0" y="0"/>
+          <a:chExt cx="0" cy="0"/>
+        </a:xfrm>
+      </p:grpSpPr>
+      <p:pic>
+        <p:nvPicPr>
+          <p:cNvPr id="6" name="Picture 5"/>
+          <p:cNvPicPr>
+            <a:picLocks noChangeAspect="1"/>
+          </p:cNvPicPr>
+          <p:nvPr/>
+        </p:nvPicPr>
+        <p:blipFill>
+          <a:blip r:embed="rId2">
+            <a:extLst>
+              <a:ext uri="{28A0092B-C50C-407E-A947-70E740481C1C}">
+                <a14:useLocalDpi xmlns:a14="http://schemas.microsoft.com/office/drawing/2010/main" val="0"/>
+              </a:ext>
+            </a:extLst>
+          </a:blip>
+          <a:stretch>
+            <a:fillRect/>
+          </a:stretch>
+        </p:blipFill>
+        <p:spPr>
+          <a:xfrm>
+            <a:off x="8554352" y="4239970"/>
+            <a:ext cx="3116948" cy="757591"/>
+          </a:xfrm>
+          <a:prstGeom prst="rect">
+            <a:avLst/>
+          </a:prstGeom>
+        </p:spPr>
+      </p:pic>
+      <p:pic>
+        <p:nvPicPr>
+          <p:cNvPr id="9" name="Picture 8"/>
+          <p:cNvPicPr>
+            <a:picLocks noChangeAspect="1"/>
+          </p:cNvPicPr>
+          <p:nvPr/>
+        </p:nvPicPr>
+        <p:blipFill>
+          <a:blip r:embed="rId3">
+            <a:extLst>
+              <a:ext uri="{28A0092B-C50C-407E-A947-70E740481C1C}">
+                <a14:useLocalDpi xmlns:a14="http://schemas.microsoft.com/office/drawing/2010/main" val="0"/>
+              </a:ext>
+            </a:extLst>
+          </a:blip>
+          <a:stretch>
+            <a:fillRect/>
+          </a:stretch>
+        </p:blipFill>
+        <p:spPr>
+          <a:xfrm>
+            <a:off x="5137085" y="3486083"/>
+            <a:ext cx="3865702" cy="913902"/>
+          </a:xfrm>
+          <a:prstGeom prst="rect">
+            <a:avLst/>
+          </a:prstGeom>
+        </p:spPr>
+      </p:pic>
+      <p:pic>
+        <p:nvPicPr>
+          <p:cNvPr id="17" name="Picture 16"/>
+          <p:cNvPicPr>
+            <a:picLocks noChangeAspect="1"/>
+          </p:cNvPicPr>
+          <p:nvPr/>
+        </p:nvPicPr>
+        <p:blipFill>
+          <a:blip r:embed="rId4">
+            <a:extLst>
+              <a:ext uri="{28A0092B-C50C-407E-A947-70E740481C1C}">
+                <a14:useLocalDpi xmlns:a14="http://schemas.microsoft.com/office/drawing/2010/main" val="0"/>
+              </a:ext>
+            </a:extLst>
+          </a:blip>
+          <a:stretch>
+            <a:fillRect/>
+          </a:stretch>
+        </p:blipFill>
+        <p:spPr>
+          <a:xfrm>
+            <a:off x="5130012" y="4966730"/>
+            <a:ext cx="1218536" cy="777342"/>
+          </a:xfrm>
+          <a:prstGeom prst="rect">
+            <a:avLst/>
+          </a:prstGeom>
+        </p:spPr>
+      </p:pic>
+      <p:pic>
+        <p:nvPicPr>
+          <p:cNvPr id="20" name="Picture 19"/>
+          <p:cNvPicPr>
+            <a:picLocks noChangeAspect="1"/>
+          </p:cNvPicPr>
+          <p:nvPr/>
+        </p:nvPicPr>
+        <p:blipFill rotWithShape="1">
+          <a:blip r:embed="rId5">
+            <a:extLst>
+              <a:ext uri="{28A0092B-C50C-407E-A947-70E740481C1C}">
+                <a14:useLocalDpi xmlns:a14="http://schemas.microsoft.com/office/drawing/2010/main" val="0"/>
+              </a:ext>
+            </a:extLst>
+          </a:blip>
+          <a:srcRect r="50049"/>
+          <a:stretch/>
+        </p:blipFill>
+        <p:spPr>
+          <a:xfrm>
+            <a:off x="8526379" y="5026606"/>
+            <a:ext cx="1049421" cy="777342"/>
+          </a:xfrm>
+          <a:prstGeom prst="rect">
+            <a:avLst/>
+          </a:prstGeom>
+        </p:spPr>
+      </p:pic>
+      <p:pic>
+        <p:nvPicPr>
+          <p:cNvPr id="19" name="Picture 18"/>
+          <p:cNvPicPr>
+            <a:picLocks noChangeAspect="1"/>
+          </p:cNvPicPr>
+          <p:nvPr/>
+        </p:nvPicPr>
+        <p:blipFill rotWithShape="1">
+          <a:blip r:embed="rId6">
+            <a:extLst>
+              <a:ext uri="{28A0092B-C50C-407E-A947-70E740481C1C}">
+                <a14:useLocalDpi xmlns:a14="http://schemas.microsoft.com/office/drawing/2010/main" val="0"/>
+              </a:ext>
+            </a:extLst>
+          </a:blip>
+          <a:srcRect r="6513"/>
+          <a:stretch/>
+        </p:blipFill>
+        <p:spPr>
+          <a:xfrm>
+            <a:off x="191868" y="3539468"/>
+            <a:ext cx="4409362" cy="756333"/>
+          </a:xfrm>
+          <a:prstGeom prst="rect">
+            <a:avLst/>
+          </a:prstGeom>
+        </p:spPr>
+      </p:pic>
+      <p:pic>
+        <p:nvPicPr>
+          <p:cNvPr id="21" name="Picture 20"/>
+          <p:cNvPicPr>
+            <a:picLocks noChangeAspect="1"/>
+          </p:cNvPicPr>
+          <p:nvPr/>
+        </p:nvPicPr>
+        <p:blipFill rotWithShape="1">
+          <a:blip r:embed="rId7">
+            <a:extLst>
+              <a:ext uri="{28A0092B-C50C-407E-A947-70E740481C1C}">
+                <a14:useLocalDpi xmlns:a14="http://schemas.microsoft.com/office/drawing/2010/main" val="0"/>
+              </a:ext>
+            </a:extLst>
+          </a:blip>
+          <a:srcRect r="6295"/>
+          <a:stretch/>
+        </p:blipFill>
+        <p:spPr>
+          <a:xfrm>
+            <a:off x="191867" y="4266152"/>
+            <a:ext cx="4252325" cy="756333"/>
+          </a:xfrm>
+          <a:prstGeom prst="rect">
+            <a:avLst/>
+          </a:prstGeom>
+        </p:spPr>
+      </p:pic>
+      <p:pic>
+        <p:nvPicPr>
+          <p:cNvPr id="22" name="Picture 21"/>
+          <p:cNvPicPr>
+            <a:picLocks noChangeAspect="1"/>
+          </p:cNvPicPr>
+          <p:nvPr/>
+        </p:nvPicPr>
+        <p:blipFill rotWithShape="1">
+          <a:blip r:embed="rId8">
+            <a:extLst>
+              <a:ext uri="{28A0092B-C50C-407E-A947-70E740481C1C}">
+                <a14:useLocalDpi xmlns:a14="http://schemas.microsoft.com/office/drawing/2010/main" val="0"/>
+              </a:ext>
+            </a:extLst>
+          </a:blip>
+          <a:srcRect r="6031"/>
+          <a:stretch/>
+        </p:blipFill>
+        <p:spPr>
+          <a:xfrm>
+            <a:off x="258933" y="5158036"/>
+            <a:ext cx="3492846" cy="509758"/>
+          </a:xfrm>
+          <a:prstGeom prst="rect">
+            <a:avLst/>
+          </a:prstGeom>
+        </p:spPr>
+      </p:pic>
+      <p:pic>
+        <p:nvPicPr>
+          <p:cNvPr id="23" name="Picture 22"/>
+          <p:cNvPicPr>
+            <a:picLocks noChangeAspect="1"/>
+          </p:cNvPicPr>
+          <p:nvPr/>
+        </p:nvPicPr>
+        <p:blipFill>
+          <a:blip r:embed="rId9">
+            <a:extLst>
+              <a:ext uri="{28A0092B-C50C-407E-A947-70E740481C1C}">
+                <a14:useLocalDpi xmlns:a14="http://schemas.microsoft.com/office/drawing/2010/main" val="0"/>
+              </a:ext>
+            </a:extLst>
+          </a:blip>
+          <a:stretch>
+            <a:fillRect/>
+          </a:stretch>
+        </p:blipFill>
+        <p:spPr>
+          <a:xfrm>
+            <a:off x="4623942" y="3678827"/>
+            <a:ext cx="441194" cy="630277"/>
+          </a:xfrm>
+          <a:prstGeom prst="rect">
+            <a:avLst/>
+          </a:prstGeom>
+        </p:spPr>
+      </p:pic>
+      <p:pic>
+        <p:nvPicPr>
+          <p:cNvPr id="26" name="Picture 25"/>
+          <p:cNvPicPr>
+            <a:picLocks noChangeAspect="1"/>
+          </p:cNvPicPr>
+          <p:nvPr/>
+        </p:nvPicPr>
+        <p:blipFill>
+          <a:blip r:embed="rId9">
+            <a:extLst>
+              <a:ext uri="{28A0092B-C50C-407E-A947-70E740481C1C}">
+                <a14:useLocalDpi xmlns:a14="http://schemas.microsoft.com/office/drawing/2010/main" val="0"/>
+              </a:ext>
+            </a:extLst>
+          </a:blip>
+          <a:stretch>
+            <a:fillRect/>
+          </a:stretch>
+        </p:blipFill>
+        <p:spPr>
+          <a:xfrm>
+            <a:off x="4623942" y="4400151"/>
+            <a:ext cx="441194" cy="630277"/>
+          </a:xfrm>
+          <a:prstGeom prst="rect">
+            <a:avLst/>
+          </a:prstGeom>
+        </p:spPr>
+      </p:pic>
+      <p:pic>
+        <p:nvPicPr>
+          <p:cNvPr id="27" name="Picture 26"/>
+          <p:cNvPicPr>
+            <a:picLocks noChangeAspect="1"/>
+          </p:cNvPicPr>
+          <p:nvPr/>
+        </p:nvPicPr>
+        <p:blipFill>
+          <a:blip r:embed="rId9">
+            <a:extLst>
+              <a:ext uri="{28A0092B-C50C-407E-A947-70E740481C1C}">
+                <a14:useLocalDpi xmlns:a14="http://schemas.microsoft.com/office/drawing/2010/main" val="0"/>
+              </a:ext>
+            </a:extLst>
+          </a:blip>
+          <a:stretch>
+            <a:fillRect/>
+          </a:stretch>
+        </p:blipFill>
+        <p:spPr>
+          <a:xfrm>
+            <a:off x="4622012" y="5106844"/>
+            <a:ext cx="441194" cy="630277"/>
+          </a:xfrm>
+          <a:prstGeom prst="rect">
+            <a:avLst/>
+          </a:prstGeom>
+        </p:spPr>
+      </p:pic>
+      <p:pic>
+        <p:nvPicPr>
+          <p:cNvPr id="4" name="Picture 3"/>
+          <p:cNvPicPr>
+            <a:picLocks noChangeAspect="1"/>
+          </p:cNvPicPr>
+          <p:nvPr/>
+        </p:nvPicPr>
+        <p:blipFill>
+          <a:blip r:embed="rId10">
+            <a:extLst>
+              <a:ext uri="{28A0092B-C50C-407E-A947-70E740481C1C}">
+                <a14:useLocalDpi xmlns:a14="http://schemas.microsoft.com/office/drawing/2010/main" val="0"/>
+              </a:ext>
+            </a:extLst>
+          </a:blip>
+          <a:stretch>
+            <a:fillRect/>
+          </a:stretch>
+        </p:blipFill>
+        <p:spPr>
+          <a:xfrm>
+            <a:off x="258932" y="2062881"/>
+            <a:ext cx="6155710" cy="630277"/>
+          </a:xfrm>
+          <a:prstGeom prst="rect">
+            <a:avLst/>
+          </a:prstGeom>
+        </p:spPr>
+      </p:pic>
+      <p:pic>
+        <p:nvPicPr>
+          <p:cNvPr id="5" name="Picture 4"/>
+          <p:cNvPicPr>
+            <a:picLocks noChangeAspect="1"/>
+          </p:cNvPicPr>
+          <p:nvPr/>
+        </p:nvPicPr>
+        <p:blipFill>
+          <a:blip r:embed="rId11">
+            <a:extLst>
+              <a:ext uri="{28A0092B-C50C-407E-A947-70E740481C1C}">
+                <a14:useLocalDpi xmlns:a14="http://schemas.microsoft.com/office/drawing/2010/main" val="0"/>
+              </a:ext>
+            </a:extLst>
+          </a:blip>
+          <a:stretch>
+            <a:fillRect/>
+          </a:stretch>
+        </p:blipFill>
+        <p:spPr>
+          <a:xfrm>
+            <a:off x="258932" y="2876132"/>
+            <a:ext cx="1039958" cy="504222"/>
+          </a:xfrm>
+          <a:prstGeom prst="rect">
+            <a:avLst/>
+          </a:prstGeom>
+        </p:spPr>
+      </p:pic>
+      <p:sp>
+        <p:nvSpPr>
+          <p:cNvPr id="10" name="Rectangle 9"/>
+          <p:cNvSpPr/>
+          <p:nvPr/>
+        </p:nvSpPr>
+        <p:spPr>
+          <a:xfrm>
+            <a:off x="185298" y="3582776"/>
+            <a:ext cx="11676502" cy="2221171"/>
+          </a:xfrm>
+          <a:prstGeom prst="rect">
+            <a:avLst/>
+          </a:prstGeom>
+          <a:noFill/>
+          <a:ln>
+            <a:solidFill>
+              <a:schemeClr val="tx1"/>
+            </a:solidFill>
+          </a:ln>
+        </p:spPr>
+        <p:style>
+          <a:lnRef idx="2">
+            <a:schemeClr val="accent1">
+              <a:shade val="50000"/>
+            </a:schemeClr>
+          </a:lnRef>
+          <a:fillRef idx="1">
+            <a:schemeClr val="accent1"/>
+          </a:fillRef>
+          <a:effectRef idx="0">
+            <a:schemeClr val="accent1"/>
+          </a:effectRef>
+          <a:fontRef idx="minor">
+            <a:schemeClr val="lt1"/>
+          </a:fontRef>
+        </p:style>
+        <p:txBody>
+          <a:bodyPr rtlCol="0" anchor="ctr"/>
+          <a:lstStyle/>
+          <a:p>
+            <a:pPr algn="ctr"/>
+            <a:endParaRPr lang="en-US"/>
+          </a:p>
+        </p:txBody>
+      </p:sp>
+      <p:pic>
+        <p:nvPicPr>
+          <p:cNvPr id="13" name="Picture 12"/>
+          <p:cNvPicPr>
+            <a:picLocks noChangeAspect="1"/>
+          </p:cNvPicPr>
+          <p:nvPr/>
+        </p:nvPicPr>
+        <p:blipFill>
+          <a:blip r:embed="rId12">
+            <a:extLst>
+              <a:ext uri="{28A0092B-C50C-407E-A947-70E740481C1C}">
+                <a14:useLocalDpi xmlns:a14="http://schemas.microsoft.com/office/drawing/2010/main" val="0"/>
+              </a:ext>
+            </a:extLst>
+          </a:blip>
+          <a:stretch>
+            <a:fillRect/>
+          </a:stretch>
+        </p:blipFill>
+        <p:spPr>
+          <a:xfrm>
+            <a:off x="10604539" y="5003782"/>
+            <a:ext cx="1149092" cy="751743"/>
+          </a:xfrm>
+          <a:prstGeom prst="rect">
+            <a:avLst/>
+          </a:prstGeom>
+        </p:spPr>
+      </p:pic>
+    </p:spTree>
+    <p:extLst>
+      <p:ext uri="{BB962C8B-B14F-4D97-AF65-F5344CB8AC3E}">
+        <p14:creationId xmlns:p14="http://schemas.microsoft.com/office/powerpoint/2010/main" val="894908132"/>
+      </p:ext>
+    </p:extLst>
+  </p:cSld>
+  <p:clrMapOvr>
+    <a:masterClrMapping/>
+  </p:clrMapOvr>
+  <p:timing>
+    <p:tnLst>
+      <p:par>
+        <p:cTn id="1" dur="indefinite" restart="never" nodeType="tmRoot"/>
+      </p:par>
+    </p:tnLst>
+  </p:timing>
 </p:sld>
 </file>
 
@@ -3233,7 +4054,7 @@
       </p:grpSpPr>
       <p:pic>
         <p:nvPicPr>
-          <p:cNvPr id="2" name="Picture 1"/>
+          <p:cNvPr id="4" name="Picture 3"/>
           <p:cNvPicPr>
             <a:picLocks noChangeAspect="1"/>
           </p:cNvPicPr>
@@ -3253,205 +4074,184 @@
         </p:blipFill>
         <p:spPr>
           <a:xfrm>
-            <a:off x="8042309" y="2297391"/>
-            <a:ext cx="2174728" cy="1571336"/>
+            <a:off x="3928905" y="1527729"/>
+            <a:ext cx="2723103" cy="1815402"/>
           </a:xfrm>
           <a:prstGeom prst="rect">
             <a:avLst/>
           </a:prstGeom>
         </p:spPr>
       </p:pic>
-      <p:pic>
-        <p:nvPicPr>
-          <p:cNvPr id="3" name="Picture 2"/>
-          <p:cNvPicPr>
-            <a:picLocks noChangeAspect="1"/>
-          </p:cNvPicPr>
-          <p:nvPr/>
-        </p:nvPicPr>
-        <p:blipFill>
-          <a:blip r:embed="rId3">
-            <a:extLst>
-              <a:ext uri="{28A0092B-C50C-407E-A947-70E740481C1C}">
-                <a14:useLocalDpi xmlns:a14="http://schemas.microsoft.com/office/drawing/2010/main" val="0"/>
-              </a:ext>
-            </a:extLst>
-          </a:blip>
-          <a:stretch>
-            <a:fillRect/>
-          </a:stretch>
-        </p:blipFill>
-        <p:spPr>
-          <a:xfrm>
-            <a:off x="4550814" y="2159898"/>
-            <a:ext cx="2701332" cy="1846323"/>
-          </a:xfrm>
-          <a:prstGeom prst="rect">
-            <a:avLst/>
-          </a:prstGeom>
-        </p:spPr>
-      </p:pic>
-      <p:pic>
-        <p:nvPicPr>
-          <p:cNvPr id="4" name="Picture 3"/>
-          <p:cNvPicPr>
-            <a:picLocks noChangeAspect="1"/>
-          </p:cNvPicPr>
-          <p:nvPr/>
-        </p:nvPicPr>
-        <p:blipFill>
-          <a:blip r:embed="rId4">
-            <a:extLst>
-              <a:ext uri="{28A0092B-C50C-407E-A947-70E740481C1C}">
-                <a14:useLocalDpi xmlns:a14="http://schemas.microsoft.com/office/drawing/2010/main" val="0"/>
-              </a:ext>
-            </a:extLst>
-          </a:blip>
-          <a:stretch>
-            <a:fillRect/>
-          </a:stretch>
-        </p:blipFill>
-        <p:spPr>
-          <a:xfrm>
-            <a:off x="2069956" y="2191442"/>
-            <a:ext cx="1690695" cy="1229597"/>
-          </a:xfrm>
-          <a:prstGeom prst="rect">
-            <a:avLst/>
-          </a:prstGeom>
-        </p:spPr>
-      </p:pic>
-      <p:sp>
-        <p:nvSpPr>
-          <p:cNvPr id="5" name="Right Arrow 4"/>
-          <p:cNvSpPr/>
-          <p:nvPr/>
-        </p:nvSpPr>
-        <p:spPr>
-          <a:xfrm>
-            <a:off x="3884428" y="2964264"/>
-            <a:ext cx="542611" cy="371789"/>
-          </a:xfrm>
-          <a:prstGeom prst="rightArrow">
-            <a:avLst/>
-          </a:prstGeom>
-          <a:solidFill>
-            <a:schemeClr val="bg2"/>
-          </a:solidFill>
+      <p:cxnSp>
+        <p:nvCxnSpPr>
+          <p:cNvPr id="6" name="Straight Arrow Connector 5"/>
+          <p:cNvCxnSpPr/>
+          <p:nvPr/>
+        </p:nvCxnSpPr>
+        <p:spPr>
+          <a:xfrm>
+            <a:off x="7003701" y="2737851"/>
+            <a:ext cx="1175657" cy="0"/>
+          </a:xfrm>
+          <a:prstGeom prst="straightConnector1">
+            <a:avLst/>
+          </a:prstGeom>
           <a:ln>
             <a:solidFill>
-              <a:schemeClr val="tx1"/>
+              <a:srgbClr val="C00000"/>
             </a:solidFill>
+            <a:tailEnd type="triangle"/>
           </a:ln>
         </p:spPr>
         <p:style>
-          <a:lnRef idx="2">
-            <a:schemeClr val="accent1">
-              <a:shade val="50000"/>
-            </a:schemeClr>
+          <a:lnRef idx="1">
+            <a:schemeClr val="accent1"/>
           </a:lnRef>
-          <a:fillRef idx="1">
+          <a:fillRef idx="0">
             <a:schemeClr val="accent1"/>
           </a:fillRef>
           <a:effectRef idx="0">
             <a:schemeClr val="accent1"/>
           </a:effectRef>
           <a:fontRef idx="minor">
-            <a:schemeClr val="lt1"/>
+            <a:schemeClr val="tx1"/>
           </a:fontRef>
         </p:style>
-        <p:txBody>
-          <a:bodyPr rtlCol="0" anchor="ctr"/>
-          <a:lstStyle/>
-          <a:p>
-            <a:pPr algn="ctr"/>
-            <a:endParaRPr lang="en-US"/>
-          </a:p>
-        </p:txBody>
-      </p:sp>
-      <p:sp>
-        <p:nvSpPr>
-          <p:cNvPr id="6" name="Right Arrow 5"/>
-          <p:cNvSpPr/>
-          <p:nvPr/>
-        </p:nvSpPr>
-        <p:spPr>
-          <a:xfrm>
-            <a:off x="7375923" y="2964263"/>
-            <a:ext cx="542611" cy="371789"/>
-          </a:xfrm>
-          <a:prstGeom prst="rightArrow">
-            <a:avLst/>
-          </a:prstGeom>
-          <a:solidFill>
-            <a:schemeClr val="bg2"/>
-          </a:solidFill>
+      </p:cxnSp>
+      <p:cxnSp>
+        <p:nvCxnSpPr>
+          <p:cNvPr id="7" name="Straight Arrow Connector 6"/>
+          <p:cNvCxnSpPr/>
+          <p:nvPr/>
+        </p:nvCxnSpPr>
+        <p:spPr>
+          <a:xfrm>
+            <a:off x="6209881" y="2027813"/>
+            <a:ext cx="1969476" cy="0"/>
+          </a:xfrm>
+          <a:prstGeom prst="straightConnector1">
+            <a:avLst/>
+          </a:prstGeom>
           <a:ln>
             <a:solidFill>
-              <a:schemeClr val="tx1"/>
+              <a:srgbClr val="C00000"/>
             </a:solidFill>
+            <a:tailEnd type="triangle"/>
           </a:ln>
         </p:spPr>
         <p:style>
-          <a:lnRef idx="2">
-            <a:schemeClr val="accent1">
-              <a:shade val="50000"/>
-            </a:schemeClr>
+          <a:lnRef idx="1">
+            <a:schemeClr val="accent1"/>
           </a:lnRef>
-          <a:fillRef idx="1">
+          <a:fillRef idx="0">
             <a:schemeClr val="accent1"/>
           </a:fillRef>
           <a:effectRef idx="0">
             <a:schemeClr val="accent1"/>
           </a:effectRef>
           <a:fontRef idx="minor">
-            <a:schemeClr val="lt1"/>
+            <a:schemeClr val="tx1"/>
           </a:fontRef>
         </p:style>
-        <p:txBody>
-          <a:bodyPr rtlCol="0" anchor="ctr"/>
-          <a:lstStyle/>
-          <a:p>
-            <a:pPr algn="ctr"/>
-            <a:endParaRPr lang="en-US"/>
-          </a:p>
-        </p:txBody>
-      </p:sp>
-      <p:sp>
-        <p:nvSpPr>
-          <p:cNvPr id="11" name="Rectangle 10"/>
+      </p:cxnSp>
+      <p:sp>
+        <p:nvSpPr>
+          <p:cNvPr id="9" name="TextBox 8"/>
+          <p:cNvSpPr txBox="1"/>
+          <p:nvPr/>
+        </p:nvSpPr>
+        <p:spPr>
+          <a:xfrm>
+            <a:off x="8179357" y="1843147"/>
+            <a:ext cx="1881797" cy="369332"/>
+          </a:xfrm>
+          <a:prstGeom prst="rect">
+            <a:avLst/>
+          </a:prstGeom>
+          <a:noFill/>
+        </p:spPr>
+        <p:txBody>
+          <a:bodyPr wrap="none" rtlCol="0">
+            <a:spAutoFit/>
+          </a:bodyPr>
+          <a:lstStyle/>
+          <a:p>
+            <a:r>
+              <a:rPr lang="en-US">
+                <a:solidFill>
+                  <a:srgbClr val="C00000"/>
+                </a:solidFill>
+              </a:rPr>
+              <a:t>objective function</a:t>
+            </a:r>
+          </a:p>
+        </p:txBody>
+      </p:sp>
+      <p:sp>
+        <p:nvSpPr>
+          <p:cNvPr id="11" name="TextBox 10"/>
+          <p:cNvSpPr txBox="1"/>
+          <p:nvPr/>
+        </p:nvSpPr>
+        <p:spPr>
+          <a:xfrm>
+            <a:off x="8179356" y="2548485"/>
+            <a:ext cx="1213922" cy="369332"/>
+          </a:xfrm>
+          <a:prstGeom prst="rect">
+            <a:avLst/>
+          </a:prstGeom>
+          <a:noFill/>
+        </p:spPr>
+        <p:txBody>
+          <a:bodyPr wrap="none" rtlCol="0">
+            <a:spAutoFit/>
+          </a:bodyPr>
+          <a:lstStyle/>
+          <a:p>
+            <a:r>
+              <a:rPr lang="en-US">
+                <a:solidFill>
+                  <a:srgbClr val="C00000"/>
+                </a:solidFill>
+              </a:rPr>
+              <a:t>constraints</a:t>
+            </a:r>
+          </a:p>
+        </p:txBody>
+      </p:sp>
+      <p:sp>
+        <p:nvSpPr>
+          <p:cNvPr id="12" name="Right Brace 11"/>
           <p:cNvSpPr/>
           <p:nvPr/>
         </p:nvSpPr>
         <p:spPr>
           <a:xfrm>
-            <a:off x="3265189" y="1004590"/>
-            <a:ext cx="5272581" cy="849150"/>
-          </a:xfrm>
-          <a:prstGeom prst="rect">
-            <a:avLst/>
-          </a:prstGeom>
-          <a:noFill/>
+            <a:off x="6808721" y="2234697"/>
+            <a:ext cx="194980" cy="1000872"/>
+          </a:xfrm>
+          <a:prstGeom prst="rightBrace">
+            <a:avLst/>
+          </a:prstGeom>
           <a:ln>
             <a:solidFill>
-              <a:schemeClr val="tx1"/>
+              <a:srgbClr val="C00000"/>
             </a:solidFill>
           </a:ln>
         </p:spPr>
         <p:style>
-          <a:lnRef idx="2">
-            <a:schemeClr val="accent1">
-              <a:shade val="50000"/>
-            </a:schemeClr>
+          <a:lnRef idx="1">
+            <a:schemeClr val="accent1"/>
           </a:lnRef>
-          <a:fillRef idx="1">
+          <a:fillRef idx="0">
             <a:schemeClr val="accent1"/>
           </a:fillRef>
           <a:effectRef idx="0">
             <a:schemeClr val="accent1"/>
           </a:effectRef>
           <a:fontRef idx="minor">
-            <a:schemeClr val="lt1"/>
+            <a:schemeClr val="tx1"/>
           </a:fontRef>
         </p:style>
         <p:txBody>
@@ -3463,226 +4263,92 @@
           </a:p>
         </p:txBody>
       </p:sp>
-      <p:pic>
-        <p:nvPicPr>
-          <p:cNvPr id="12" name="Picture 11"/>
-          <p:cNvPicPr>
-            <a:picLocks noChangeAspect="1"/>
-          </p:cNvPicPr>
-          <p:nvPr/>
-        </p:nvPicPr>
-        <p:blipFill>
-          <a:blip r:embed="rId5">
-            <a:extLst>
-              <a:ext uri="{28A0092B-C50C-407E-A947-70E740481C1C}">
-                <a14:useLocalDpi xmlns:a14="http://schemas.microsoft.com/office/drawing/2010/main" val="0"/>
-              </a:ext>
-            </a:extLst>
-          </a:blip>
-          <a:stretch>
-            <a:fillRect/>
-          </a:stretch>
-        </p:blipFill>
-        <p:spPr>
-          <a:xfrm>
-            <a:off x="4573209" y="1094336"/>
-            <a:ext cx="927157" cy="661329"/>
-          </a:xfrm>
-          <a:prstGeom prst="rect">
-            <a:avLst/>
-          </a:prstGeom>
-        </p:spPr>
-      </p:pic>
-      <p:pic>
-        <p:nvPicPr>
-          <p:cNvPr id="13" name="Picture 12"/>
-          <p:cNvPicPr>
-            <a:picLocks noChangeAspect="1"/>
-          </p:cNvPicPr>
-          <p:nvPr/>
-        </p:nvPicPr>
-        <p:blipFill>
-          <a:blip r:embed="rId6">
-            <a:extLst>
-              <a:ext uri="{28A0092B-C50C-407E-A947-70E740481C1C}">
-                <a14:useLocalDpi xmlns:a14="http://schemas.microsoft.com/office/drawing/2010/main" val="0"/>
-              </a:ext>
-            </a:extLst>
-          </a:blip>
-          <a:stretch>
-            <a:fillRect/>
-          </a:stretch>
-        </p:blipFill>
-        <p:spPr>
-          <a:xfrm>
-            <a:off x="3422749" y="1131946"/>
-            <a:ext cx="823419" cy="609459"/>
-          </a:xfrm>
-          <a:prstGeom prst="rect">
-            <a:avLst/>
-          </a:prstGeom>
-        </p:spPr>
-      </p:pic>
-      <p:pic>
-        <p:nvPicPr>
-          <p:cNvPr id="14" name="Picture 13"/>
-          <p:cNvPicPr>
-            <a:picLocks noChangeAspect="1"/>
-          </p:cNvPicPr>
-          <p:nvPr/>
-        </p:nvPicPr>
-        <p:blipFill>
-          <a:blip r:embed="rId7">
-            <a:extLst>
-              <a:ext uri="{28A0092B-C50C-407E-A947-70E740481C1C}">
-                <a14:useLocalDpi xmlns:a14="http://schemas.microsoft.com/office/drawing/2010/main" val="0"/>
-              </a:ext>
-            </a:extLst>
-          </a:blip>
-          <a:stretch>
-            <a:fillRect/>
-          </a:stretch>
-        </p:blipFill>
-        <p:spPr>
-          <a:xfrm>
-            <a:off x="5827407" y="1124435"/>
-            <a:ext cx="1141116" cy="609460"/>
-          </a:xfrm>
-          <a:prstGeom prst="rect">
-            <a:avLst/>
-          </a:prstGeom>
-        </p:spPr>
-      </p:pic>
-      <p:pic>
-        <p:nvPicPr>
-          <p:cNvPr id="15" name="Picture 14"/>
-          <p:cNvPicPr>
-            <a:picLocks noChangeAspect="1"/>
-          </p:cNvPicPr>
-          <p:nvPr/>
-        </p:nvPicPr>
-        <p:blipFill>
-          <a:blip r:embed="rId8">
-            <a:extLst>
-              <a:ext uri="{28A0092B-C50C-407E-A947-70E740481C1C}">
-                <a14:useLocalDpi xmlns:a14="http://schemas.microsoft.com/office/drawing/2010/main" val="0"/>
-              </a:ext>
-            </a:extLst>
-          </a:blip>
-          <a:stretch>
-            <a:fillRect/>
-          </a:stretch>
-        </p:blipFill>
-        <p:spPr>
-          <a:xfrm>
-            <a:off x="7295565" y="1131946"/>
-            <a:ext cx="829902" cy="609460"/>
-          </a:xfrm>
-          <a:prstGeom prst="rect">
-            <a:avLst/>
-          </a:prstGeom>
-        </p:spPr>
-      </p:pic>
-      <p:pic>
-        <p:nvPicPr>
-          <p:cNvPr id="17" name="Picture 16"/>
-          <p:cNvPicPr>
-            <a:picLocks noChangeAspect="1"/>
-          </p:cNvPicPr>
-          <p:nvPr/>
-        </p:nvPicPr>
-        <p:blipFill>
-          <a:blip r:embed="rId6">
-            <a:extLst>
-              <a:ext uri="{28A0092B-C50C-407E-A947-70E740481C1C}">
-                <a14:useLocalDpi xmlns:a14="http://schemas.microsoft.com/office/drawing/2010/main" val="0"/>
-              </a:ext>
-            </a:extLst>
-          </a:blip>
-          <a:stretch>
-            <a:fillRect/>
-          </a:stretch>
-        </p:blipFill>
-        <p:spPr>
-          <a:xfrm>
-            <a:off x="8245576" y="5396659"/>
-            <a:ext cx="823419" cy="609459"/>
-          </a:xfrm>
-          <a:prstGeom prst="rect">
-            <a:avLst/>
-          </a:prstGeom>
-        </p:spPr>
-      </p:pic>
-      <p:pic>
-        <p:nvPicPr>
-          <p:cNvPr id="18" name="Picture 17"/>
-          <p:cNvPicPr>
-            <a:picLocks noChangeAspect="1"/>
-          </p:cNvPicPr>
-          <p:nvPr/>
-        </p:nvPicPr>
-        <p:blipFill>
-          <a:blip r:embed="rId7">
-            <a:extLst>
-              <a:ext uri="{28A0092B-C50C-407E-A947-70E740481C1C}">
-                <a14:useLocalDpi xmlns:a14="http://schemas.microsoft.com/office/drawing/2010/main" val="0"/>
-              </a:ext>
-            </a:extLst>
-          </a:blip>
-          <a:stretch>
-            <a:fillRect/>
-          </a:stretch>
-        </p:blipFill>
-        <p:spPr>
-          <a:xfrm>
-            <a:off x="5620474" y="5396659"/>
-            <a:ext cx="1141116" cy="609460"/>
-          </a:xfrm>
-          <a:prstGeom prst="rect">
-            <a:avLst/>
-          </a:prstGeom>
-        </p:spPr>
-      </p:pic>
-      <p:pic>
-        <p:nvPicPr>
-          <p:cNvPr id="19" name="Picture 18"/>
-          <p:cNvPicPr>
-            <a:picLocks noChangeAspect="1"/>
-          </p:cNvPicPr>
-          <p:nvPr/>
-        </p:nvPicPr>
-        <p:blipFill>
-          <a:blip r:embed="rId8">
-            <a:extLst>
-              <a:ext uri="{28A0092B-C50C-407E-A947-70E740481C1C}">
-                <a14:useLocalDpi xmlns:a14="http://schemas.microsoft.com/office/drawing/2010/main" val="0"/>
-              </a:ext>
-            </a:extLst>
-          </a:blip>
-          <a:stretch>
-            <a:fillRect/>
-          </a:stretch>
-        </p:blipFill>
-        <p:spPr>
-          <a:xfrm>
-            <a:off x="7088632" y="5404170"/>
-            <a:ext cx="829902" cy="609460"/>
-          </a:xfrm>
-          <a:prstGeom prst="rect">
-            <a:avLst/>
-          </a:prstGeom>
-        </p:spPr>
-      </p:pic>
+      <p:cxnSp>
+        <p:nvCxnSpPr>
+          <p:cNvPr id="14" name="Straight Arrow Connector 13"/>
+          <p:cNvCxnSpPr/>
+          <p:nvPr/>
+        </p:nvCxnSpPr>
+        <p:spPr>
+          <a:xfrm flipV="1">
+            <a:off x="5889869" y="1165609"/>
+            <a:ext cx="0" cy="462224"/>
+          </a:xfrm>
+          <a:prstGeom prst="straightConnector1">
+            <a:avLst/>
+          </a:prstGeom>
+          <a:ln>
+            <a:solidFill>
+              <a:srgbClr val="C00000"/>
+            </a:solidFill>
+            <a:tailEnd type="triangle"/>
+          </a:ln>
+        </p:spPr>
+        <p:style>
+          <a:lnRef idx="1">
+            <a:schemeClr val="accent1"/>
+          </a:lnRef>
+          <a:fillRef idx="0">
+            <a:schemeClr val="accent1"/>
+          </a:fillRef>
+          <a:effectRef idx="0">
+            <a:schemeClr val="accent1"/>
+          </a:effectRef>
+          <a:fontRef idx="minor">
+            <a:schemeClr val="tx1"/>
+          </a:fontRef>
+        </p:style>
+      </p:cxnSp>
+      <p:sp>
+        <p:nvSpPr>
+          <p:cNvPr id="15" name="TextBox 14"/>
+          <p:cNvSpPr txBox="1"/>
+          <p:nvPr/>
+        </p:nvSpPr>
+        <p:spPr>
+          <a:xfrm>
+            <a:off x="4970331" y="797540"/>
+            <a:ext cx="1846980" cy="369332"/>
+          </a:xfrm>
+          <a:prstGeom prst="rect">
+            <a:avLst/>
+          </a:prstGeom>
+          <a:noFill/>
+        </p:spPr>
+        <p:txBody>
+          <a:bodyPr wrap="none" rtlCol="0">
+            <a:spAutoFit/>
+          </a:bodyPr>
+          <a:lstStyle/>
+          <a:p>
+            <a:r>
+              <a:rPr lang="en-US">
+                <a:solidFill>
+                  <a:srgbClr val="C00000"/>
+                </a:solidFill>
+              </a:rPr>
+              <a:t>decision variables</a:t>
+            </a:r>
+          </a:p>
+        </p:txBody>
+      </p:sp>
     </p:spTree>
     <p:extLst>
       <p:ext uri="{BB962C8B-B14F-4D97-AF65-F5344CB8AC3E}">
-        <p14:creationId xmlns:p14="http://schemas.microsoft.com/office/powerpoint/2010/main" val="716031506"/>
+        <p14:creationId xmlns:p14="http://schemas.microsoft.com/office/powerpoint/2010/main" val="1986126148"/>
       </p:ext>
     </p:extLst>
   </p:cSld>
   <p:clrMapOvr>
     <a:masterClrMapping/>
   </p:clrMapOvr>
+  <p:timing>
+    <p:tnLst>
+      <p:par>
+        <p:cTn id="1" dur="indefinite" restart="never" nodeType="tmRoot"/>
+      </p:par>
+    </p:tnLst>
+  </p:timing>
 </p:sld>
 </file>
 
@@ -3725,8 +4391,8 @@
         </p:blipFill>
         <p:spPr>
           <a:xfrm>
-            <a:off x="2873133" y="338790"/>
-            <a:ext cx="5728258" cy="5403842"/>
+            <a:off x="6380657" y="2535771"/>
+            <a:ext cx="2174728" cy="1527196"/>
           </a:xfrm>
           <a:prstGeom prst="rect">
             <a:avLst/>
@@ -3735,7 +4401,7 @@
       </p:pic>
       <p:pic>
         <p:nvPicPr>
-          <p:cNvPr id="4" name="Picture 3"/>
+          <p:cNvPr id="3" name="Picture 2"/>
           <p:cNvPicPr>
             <a:picLocks noChangeAspect="1"/>
           </p:cNvPicPr>
@@ -3754,9 +4420,9 @@
           </a:stretch>
         </p:blipFill>
         <p:spPr>
-          <a:xfrm rot="3845175">
-            <a:off x="4284578" y="4136338"/>
-            <a:ext cx="973413" cy="272136"/>
+          <a:xfrm>
+            <a:off x="2889162" y="2416697"/>
+            <a:ext cx="2701332" cy="1765344"/>
           </a:xfrm>
           <a:prstGeom prst="rect">
             <a:avLst/>
@@ -3765,7 +4431,7 @@
       </p:pic>
       <p:pic>
         <p:nvPicPr>
-          <p:cNvPr id="5" name="Picture 4"/>
+          <p:cNvPr id="4" name="Picture 3"/>
           <p:cNvPicPr>
             <a:picLocks noChangeAspect="1"/>
           </p:cNvPicPr>
@@ -3784,18 +4450,160 @@
           </a:stretch>
         </p:blipFill>
         <p:spPr>
-          <a:xfrm rot="900000">
-            <a:off x="3323472" y="3362668"/>
-            <a:ext cx="927138" cy="259199"/>
+          <a:xfrm>
+            <a:off x="408304" y="2451048"/>
+            <a:ext cx="1690695" cy="1143005"/>
           </a:xfrm>
           <a:prstGeom prst="rect">
             <a:avLst/>
           </a:prstGeom>
         </p:spPr>
       </p:pic>
+      <p:sp>
+        <p:nvSpPr>
+          <p:cNvPr id="5" name="Right Arrow 4"/>
+          <p:cNvSpPr/>
+          <p:nvPr/>
+        </p:nvSpPr>
+        <p:spPr>
+          <a:xfrm>
+            <a:off x="2222776" y="3180574"/>
+            <a:ext cx="542611" cy="371789"/>
+          </a:xfrm>
+          <a:prstGeom prst="rightArrow">
+            <a:avLst/>
+          </a:prstGeom>
+          <a:solidFill>
+            <a:schemeClr val="bg2"/>
+          </a:solidFill>
+          <a:ln>
+            <a:solidFill>
+              <a:schemeClr val="tx1"/>
+            </a:solidFill>
+          </a:ln>
+        </p:spPr>
+        <p:style>
+          <a:lnRef idx="2">
+            <a:schemeClr val="accent1">
+              <a:shade val="50000"/>
+            </a:schemeClr>
+          </a:lnRef>
+          <a:fillRef idx="1">
+            <a:schemeClr val="accent1"/>
+          </a:fillRef>
+          <a:effectRef idx="0">
+            <a:schemeClr val="accent1"/>
+          </a:effectRef>
+          <a:fontRef idx="minor">
+            <a:schemeClr val="lt1"/>
+          </a:fontRef>
+        </p:style>
+        <p:txBody>
+          <a:bodyPr rtlCol="0" anchor="ctr"/>
+          <a:lstStyle/>
+          <a:p>
+            <a:pPr algn="ctr"/>
+            <a:endParaRPr lang="en-US"/>
+          </a:p>
+        </p:txBody>
+      </p:sp>
+      <p:sp>
+        <p:nvSpPr>
+          <p:cNvPr id="6" name="Right Arrow 5"/>
+          <p:cNvSpPr/>
+          <p:nvPr/>
+        </p:nvSpPr>
+        <p:spPr>
+          <a:xfrm>
+            <a:off x="5714271" y="3180573"/>
+            <a:ext cx="542611" cy="371789"/>
+          </a:xfrm>
+          <a:prstGeom prst="rightArrow">
+            <a:avLst/>
+          </a:prstGeom>
+          <a:solidFill>
+            <a:schemeClr val="bg2"/>
+          </a:solidFill>
+          <a:ln>
+            <a:solidFill>
+              <a:schemeClr val="tx1"/>
+            </a:solidFill>
+          </a:ln>
+        </p:spPr>
+        <p:style>
+          <a:lnRef idx="2">
+            <a:schemeClr val="accent1">
+              <a:shade val="50000"/>
+            </a:schemeClr>
+          </a:lnRef>
+          <a:fillRef idx="1">
+            <a:schemeClr val="accent1"/>
+          </a:fillRef>
+          <a:effectRef idx="0">
+            <a:schemeClr val="accent1"/>
+          </a:effectRef>
+          <a:fontRef idx="minor">
+            <a:schemeClr val="lt1"/>
+          </a:fontRef>
+        </p:style>
+        <p:txBody>
+          <a:bodyPr rtlCol="0" anchor="ctr"/>
+          <a:lstStyle/>
+          <a:p>
+            <a:pPr algn="ctr"/>
+            <a:endParaRPr lang="en-US"/>
+          </a:p>
+        </p:txBody>
+      </p:sp>
+      <p:sp>
+        <p:nvSpPr>
+          <p:cNvPr id="11" name="Rectangle 10"/>
+          <p:cNvSpPr/>
+          <p:nvPr/>
+        </p:nvSpPr>
+        <p:spPr>
+          <a:xfrm>
+            <a:off x="562137" y="861647"/>
+            <a:ext cx="5272581" cy="849150"/>
+          </a:xfrm>
+          <a:prstGeom prst="rect">
+            <a:avLst/>
+          </a:prstGeom>
+          <a:noFill/>
+          <a:ln>
+            <a:solidFill>
+              <a:schemeClr val="tx1"/>
+            </a:solidFill>
+          </a:ln>
+        </p:spPr>
+        <p:style>
+          <a:lnRef idx="2">
+            <a:schemeClr val="accent1">
+              <a:shade val="50000"/>
+            </a:schemeClr>
+          </a:lnRef>
+          <a:fillRef idx="1">
+            <a:schemeClr val="accent1"/>
+          </a:fillRef>
+          <a:effectRef idx="0">
+            <a:schemeClr val="accent1"/>
+          </a:effectRef>
+          <a:fontRef idx="minor">
+            <a:schemeClr val="lt1"/>
+          </a:fontRef>
+        </p:style>
+        <p:txBody>
+          <a:bodyPr rtlCol="0" anchor="ctr"/>
+          <a:lstStyle/>
+          <a:p>
+            <a:pPr algn="ctr"/>
+            <a:endParaRPr lang="en-US"/>
+          </a:p>
+        </p:txBody>
+      </p:sp>
       <p:pic>
         <p:nvPicPr>
-          <p:cNvPr id="6" name="Picture 5"/>
+          <p:cNvPr id="12" name="Picture 11"/>
           <p:cNvPicPr>
             <a:picLocks noChangeAspect="1"/>
           </p:cNvPicPr>
@@ -3814,9 +4622,9 @@
           </a:stretch>
         </p:blipFill>
         <p:spPr>
-          <a:xfrm rot="5400000">
-            <a:off x="3637266" y="3836968"/>
-            <a:ext cx="498461" cy="259200"/>
+          <a:xfrm>
+            <a:off x="1870157" y="951393"/>
+            <a:ext cx="927157" cy="661329"/>
           </a:xfrm>
           <a:prstGeom prst="rect">
             <a:avLst/>
@@ -3825,7 +4633,7 @@
       </p:pic>
       <p:pic>
         <p:nvPicPr>
-          <p:cNvPr id="7" name="Picture 6"/>
+          <p:cNvPr id="13" name="Picture 12"/>
           <p:cNvPicPr>
             <a:picLocks noChangeAspect="1"/>
           </p:cNvPicPr>
@@ -3845,8 +4653,8 @@
         </p:blipFill>
         <p:spPr>
           <a:xfrm>
-            <a:off x="4090377" y="4302550"/>
-            <a:ext cx="498461" cy="259200"/>
+            <a:off x="719697" y="989003"/>
+            <a:ext cx="823418" cy="609459"/>
           </a:xfrm>
           <a:prstGeom prst="rect">
             <a:avLst/>
@@ -3855,7 +4663,7 @@
       </p:pic>
       <p:pic>
         <p:nvPicPr>
-          <p:cNvPr id="8" name="Picture 7"/>
+          <p:cNvPr id="14" name="Picture 13"/>
           <p:cNvPicPr>
             <a:picLocks noChangeAspect="1"/>
           </p:cNvPicPr>
@@ -3875,8 +4683,8 @@
         </p:blipFill>
         <p:spPr>
           <a:xfrm>
-            <a:off x="3855881" y="570941"/>
-            <a:ext cx="241300" cy="330200"/>
+            <a:off x="3124355" y="981492"/>
+            <a:ext cx="1141116" cy="609460"/>
           </a:xfrm>
           <a:prstGeom prst="rect">
             <a:avLst/>
@@ -3885,7 +4693,7 @@
       </p:pic>
       <p:pic>
         <p:nvPicPr>
-          <p:cNvPr id="9" name="Picture 8"/>
+          <p:cNvPr id="15" name="Picture 14"/>
           <p:cNvPicPr>
             <a:picLocks noChangeAspect="1"/>
           </p:cNvPicPr>
@@ -3905,8 +4713,8 @@
         </p:blipFill>
         <p:spPr>
           <a:xfrm>
-            <a:off x="7446108" y="4137450"/>
-            <a:ext cx="241300" cy="330200"/>
+            <a:off x="4592513" y="989003"/>
+            <a:ext cx="829902" cy="609460"/>
           </a:xfrm>
           <a:prstGeom prst="rect">
             <a:avLst/>
@@ -3915,14 +4723,14 @@
       </p:pic>
       <p:pic>
         <p:nvPicPr>
-          <p:cNvPr id="10" name="Picture 9"/>
+          <p:cNvPr id="17" name="Picture 16"/>
           <p:cNvPicPr>
             <a:picLocks noChangeAspect="1"/>
           </p:cNvPicPr>
           <p:nvPr/>
         </p:nvPicPr>
         <p:blipFill>
-          <a:blip r:embed="rId9">
+          <a:blip r:embed="rId6">
             <a:extLst>
               <a:ext uri="{28A0092B-C50C-407E-A947-70E740481C1C}">
                 <a14:useLocalDpi xmlns:a14="http://schemas.microsoft.com/office/drawing/2010/main" val="0"/>
@@ -3934,9 +4742,9 @@
           </a:stretch>
         </p:blipFill>
         <p:spPr>
-          <a:xfrm rot="2700000">
-            <a:off x="5610369" y="5186645"/>
-            <a:ext cx="809766" cy="433131"/>
+          <a:xfrm>
+            <a:off x="8245576" y="5396659"/>
+            <a:ext cx="823418" cy="609459"/>
           </a:xfrm>
           <a:prstGeom prst="rect">
             <a:avLst/>
@@ -3945,14 +4753,14 @@
       </p:pic>
       <p:pic>
         <p:nvPicPr>
-          <p:cNvPr id="11" name="Picture 10"/>
+          <p:cNvPr id="18" name="Picture 17"/>
           <p:cNvPicPr>
             <a:picLocks noChangeAspect="1"/>
           </p:cNvPicPr>
           <p:nvPr/>
         </p:nvPicPr>
         <p:blipFill>
-          <a:blip r:embed="rId10">
+          <a:blip r:embed="rId7">
             <a:extLst>
               <a:ext uri="{28A0092B-C50C-407E-A947-70E740481C1C}">
                 <a14:useLocalDpi xmlns:a14="http://schemas.microsoft.com/office/drawing/2010/main" val="0"/>
@@ -3964,9 +4772,9 @@
           </a:stretch>
         </p:blipFill>
         <p:spPr>
-          <a:xfrm rot="2700000">
-            <a:off x="4682616" y="5326097"/>
-            <a:ext cx="837415" cy="257666"/>
+          <a:xfrm>
+            <a:off x="5620474" y="5396659"/>
+            <a:ext cx="1141116" cy="609460"/>
           </a:xfrm>
           <a:prstGeom prst="rect">
             <a:avLst/>
@@ -3975,14 +4783,14 @@
       </p:pic>
       <p:pic>
         <p:nvPicPr>
-          <p:cNvPr id="13" name="Picture 12"/>
+          <p:cNvPr id="19" name="Picture 18"/>
           <p:cNvPicPr>
             <a:picLocks noChangeAspect="1"/>
           </p:cNvPicPr>
           <p:nvPr/>
         </p:nvPicPr>
         <p:blipFill>
-          <a:blip r:embed="rId11">
+          <a:blip r:embed="rId8">
             <a:extLst>
               <a:ext uri="{28A0092B-C50C-407E-A947-70E740481C1C}">
                 <a14:useLocalDpi xmlns:a14="http://schemas.microsoft.com/office/drawing/2010/main" val="0"/>
@@ -3995,87 +4803,24 @@
         </p:blipFill>
         <p:spPr>
           <a:xfrm>
-            <a:off x="5291422" y="2433004"/>
-            <a:ext cx="0" cy="0"/>
+            <a:off x="7088632" y="5404170"/>
+            <a:ext cx="829902" cy="609460"/>
           </a:xfrm>
           <a:prstGeom prst="rect">
             <a:avLst/>
           </a:prstGeom>
         </p:spPr>
       </p:pic>
-      <p:pic>
-        <p:nvPicPr>
-          <p:cNvPr id="14" name="Picture 13"/>
-          <p:cNvPicPr>
-            <a:picLocks noChangeAspect="1"/>
-          </p:cNvPicPr>
-          <p:nvPr/>
-        </p:nvPicPr>
-        <p:blipFill>
-          <a:blip r:embed="rId12">
-            <a:extLst>
-              <a:ext uri="{28A0092B-C50C-407E-A947-70E740481C1C}">
-                <a14:useLocalDpi xmlns:a14="http://schemas.microsoft.com/office/drawing/2010/main" val="0"/>
-              </a:ext>
-            </a:extLst>
-          </a:blip>
-          <a:stretch>
-            <a:fillRect/>
-          </a:stretch>
-        </p:blipFill>
-        <p:spPr>
-          <a:xfrm>
-            <a:off x="5407273" y="2478004"/>
-            <a:ext cx="607979" cy="450000"/>
-          </a:xfrm>
-          <a:prstGeom prst="rect">
-            <a:avLst/>
-          </a:prstGeom>
-        </p:spPr>
-      </p:pic>
-      <p:sp>
-        <p:nvSpPr>
-          <p:cNvPr id="15" name="TextBox 14"/>
-          <p:cNvSpPr txBox="1"/>
-          <p:nvPr/>
-        </p:nvSpPr>
-        <p:spPr>
-          <a:xfrm>
-            <a:off x="5265468" y="297023"/>
-            <a:ext cx="2240870" cy="369332"/>
-          </a:xfrm>
-          <a:prstGeom prst="rect">
-            <a:avLst/>
-          </a:prstGeom>
-          <a:noFill/>
-        </p:spPr>
-        <p:txBody>
-          <a:bodyPr wrap="none" rtlCol="0">
-            <a:spAutoFit/>
-          </a:bodyPr>
-          <a:lstStyle/>
-          <a:p>
-            <a:r>
-              <a:rPr lang="en-US">
-                <a:solidFill>
-                  <a:srgbClr val="C00000"/>
-                </a:solidFill>
-              </a:rPr>
-              <a:t>① objective function</a:t>
-            </a:r>
-          </a:p>
-        </p:txBody>
-      </p:sp>
       <p:cxnSp>
         <p:nvCxnSpPr>
-          <p:cNvPr id="17" name="Straight Arrow Connector 16"/>
+          <p:cNvPr id="16" name="Straight Arrow Connector 15"/>
           <p:cNvCxnSpPr/>
           <p:nvPr/>
         </p:nvCxnSpPr>
         <p:spPr>
-          <a:xfrm flipV="1">
-            <a:off x="6385903" y="666578"/>
-            <a:ext cx="0" cy="447980"/>
+          <a:xfrm>
+            <a:off x="8868625" y="3447412"/>
+            <a:ext cx="1175657" cy="0"/>
           </a:xfrm>
           <a:prstGeom prst="straightConnector1">
             <a:avLst/>
@@ -4102,57 +4847,16 @@
           </a:fontRef>
         </p:style>
       </p:cxnSp>
-      <p:sp>
-        <p:nvSpPr>
-          <p:cNvPr id="18" name="TextBox 17"/>
-          <p:cNvSpPr txBox="1"/>
-          <p:nvPr/>
-        </p:nvSpPr>
-        <p:spPr>
-          <a:xfrm>
-            <a:off x="844263" y="3725766"/>
-            <a:ext cx="1918602" cy="369332"/>
-          </a:xfrm>
-          <a:prstGeom prst="rect">
-            <a:avLst/>
-          </a:prstGeom>
-          <a:noFill/>
-        </p:spPr>
-        <p:txBody>
-          <a:bodyPr wrap="none" rtlCol="0">
-            <a:spAutoFit/>
-          </a:bodyPr>
-          <a:lstStyle/>
-          <a:p>
-            <a:r>
-              <a:rPr lang="en-US">
-                <a:solidFill>
-                  <a:srgbClr val="C00000"/>
-                </a:solidFill>
-              </a:rPr>
-              <a:t>③</a:t>
-            </a:r>
-            <a:r>
-              <a:rPr lang="en-US">
-                <a:solidFill>
-                  <a:srgbClr val="C00000"/>
-                </a:solidFill>
-              </a:rPr>
-              <a:t> feasible region</a:t>
-            </a:r>
-          </a:p>
-        </p:txBody>
-      </p:sp>
       <p:cxnSp>
         <p:nvCxnSpPr>
-          <p:cNvPr id="19" name="Straight Arrow Connector 18"/>
+          <p:cNvPr id="20" name="Straight Arrow Connector 19"/>
           <p:cNvCxnSpPr/>
           <p:nvPr/>
         </p:nvCxnSpPr>
         <p:spPr>
-          <a:xfrm flipH="1">
-            <a:off x="2762865" y="3910432"/>
-            <a:ext cx="1334316" cy="0"/>
+          <a:xfrm>
+            <a:off x="8084257" y="2716890"/>
+            <a:ext cx="1969476" cy="0"/>
           </a:xfrm>
           <a:prstGeom prst="straightConnector1">
             <a:avLst/>
@@ -4187,8 +4891,8 @@
         </p:nvSpPr>
         <p:spPr>
           <a:xfrm>
-            <a:off x="5008816" y="6312756"/>
-            <a:ext cx="1643655" cy="369332"/>
+            <a:off x="10053733" y="2532224"/>
+            <a:ext cx="1881797" cy="369332"/>
           </a:xfrm>
           <a:prstGeom prst="rect">
             <a:avLst/>
@@ -4207,29 +4911,54 @@
                   <a:srgbClr val="C00000"/>
                 </a:solidFill>
               </a:rPr>
-              <a:t>②</a:t>
-            </a:r>
+              <a:t>objective function</a:t>
+            </a:r>
+          </a:p>
+        </p:txBody>
+      </p:sp>
+      <p:sp>
+        <p:nvSpPr>
+          <p:cNvPr id="22" name="TextBox 21"/>
+          <p:cNvSpPr txBox="1"/>
+          <p:nvPr/>
+        </p:nvSpPr>
+        <p:spPr>
+          <a:xfrm>
+            <a:off x="10044282" y="3262746"/>
+            <a:ext cx="1213922" cy="369332"/>
+          </a:xfrm>
+          <a:prstGeom prst="rect">
+            <a:avLst/>
+          </a:prstGeom>
+          <a:noFill/>
+        </p:spPr>
+        <p:txBody>
+          <a:bodyPr wrap="none" rtlCol="0">
+            <a:spAutoFit/>
+          </a:bodyPr>
+          <a:lstStyle/>
+          <a:p>
             <a:r>
               <a:rPr lang="en-US">
                 <a:solidFill>
                   <a:srgbClr val="C00000"/>
                 </a:solidFill>
               </a:rPr>
-              <a:t> level curves</a:t>
-            </a:r>
-          </a:p>
-        </p:txBody>
-      </p:sp>
-      <p:sp>
-        <p:nvSpPr>
-          <p:cNvPr id="22" name="Right Brace 21"/>
+              <a:t>constraints</a:t>
+            </a:r>
+          </a:p>
+        </p:txBody>
+      </p:sp>
+      <p:sp>
+        <p:nvSpPr>
+          <p:cNvPr id="23" name="Right Brace 22"/>
           <p:cNvSpPr/>
           <p:nvPr/>
         </p:nvSpPr>
         <p:spPr>
-          <a:xfrm rot="5400000">
-            <a:off x="5746971" y="5382487"/>
-            <a:ext cx="167346" cy="1110519"/>
+          <a:xfrm>
+            <a:off x="8643146" y="2868696"/>
+            <a:ext cx="225479" cy="1157432"/>
           </a:xfrm>
           <a:prstGeom prst="rightBrace">
             <a:avLst/>
@@ -4265,13 +4994,699 @@
       </p:sp>
       <p:cxnSp>
         <p:nvCxnSpPr>
+          <p:cNvPr id="24" name="Straight Arrow Connector 23"/>
+          <p:cNvCxnSpPr/>
+          <p:nvPr/>
+        </p:nvCxnSpPr>
+        <p:spPr>
+          <a:xfrm flipV="1">
+            <a:off x="7867734" y="2083287"/>
+            <a:ext cx="0" cy="462224"/>
+          </a:xfrm>
+          <a:prstGeom prst="straightConnector1">
+            <a:avLst/>
+          </a:prstGeom>
+          <a:ln>
+            <a:solidFill>
+              <a:srgbClr val="C00000"/>
+            </a:solidFill>
+            <a:tailEnd type="triangle"/>
+          </a:ln>
+        </p:spPr>
+        <p:style>
+          <a:lnRef idx="1">
+            <a:schemeClr val="accent1"/>
+          </a:lnRef>
+          <a:fillRef idx="0">
+            <a:schemeClr val="accent1"/>
+          </a:fillRef>
+          <a:effectRef idx="0">
+            <a:schemeClr val="accent1"/>
+          </a:effectRef>
+          <a:fontRef idx="minor">
+            <a:schemeClr val="tx1"/>
+          </a:fontRef>
+        </p:style>
+      </p:cxnSp>
+      <p:sp>
+        <p:nvSpPr>
+          <p:cNvPr id="25" name="TextBox 24"/>
+          <p:cNvSpPr txBox="1"/>
+          <p:nvPr/>
+        </p:nvSpPr>
+        <p:spPr>
+          <a:xfrm>
+            <a:off x="6933607" y="1715218"/>
+            <a:ext cx="1846980" cy="369332"/>
+          </a:xfrm>
+          <a:prstGeom prst="rect">
+            <a:avLst/>
+          </a:prstGeom>
+          <a:noFill/>
+        </p:spPr>
+        <p:txBody>
+          <a:bodyPr wrap="none" rtlCol="0">
+            <a:spAutoFit/>
+          </a:bodyPr>
+          <a:lstStyle/>
+          <a:p>
+            <a:r>
+              <a:rPr lang="en-US">
+                <a:solidFill>
+                  <a:srgbClr val="C00000"/>
+                </a:solidFill>
+              </a:rPr>
+              <a:t>decision variables</a:t>
+            </a:r>
+          </a:p>
+        </p:txBody>
+      </p:sp>
+      <p:cxnSp>
+        <p:nvCxnSpPr>
+          <p:cNvPr id="26" name="Straight Arrow Connector 25"/>
+          <p:cNvCxnSpPr/>
+          <p:nvPr/>
+        </p:nvCxnSpPr>
+        <p:spPr>
+          <a:xfrm flipV="1">
+            <a:off x="7449648" y="2083287"/>
+            <a:ext cx="0" cy="462224"/>
+          </a:xfrm>
+          <a:prstGeom prst="straightConnector1">
+            <a:avLst/>
+          </a:prstGeom>
+          <a:ln>
+            <a:solidFill>
+              <a:srgbClr val="C00000"/>
+            </a:solidFill>
+            <a:tailEnd type="triangle"/>
+          </a:ln>
+        </p:spPr>
+        <p:style>
+          <a:lnRef idx="1">
+            <a:schemeClr val="accent1"/>
+          </a:lnRef>
+          <a:fillRef idx="0">
+            <a:schemeClr val="accent1"/>
+          </a:fillRef>
+          <a:effectRef idx="0">
+            <a:schemeClr val="accent1"/>
+          </a:effectRef>
+          <a:fontRef idx="minor">
+            <a:schemeClr val="tx1"/>
+          </a:fontRef>
+        </p:style>
+      </p:cxnSp>
+    </p:spTree>
+    <p:extLst>
+      <p:ext uri="{BB962C8B-B14F-4D97-AF65-F5344CB8AC3E}">
+        <p14:creationId xmlns:p14="http://schemas.microsoft.com/office/powerpoint/2010/main" val="716031506"/>
+      </p:ext>
+    </p:extLst>
+  </p:cSld>
+  <p:clrMapOvr>
+    <a:masterClrMapping/>
+  </p:clrMapOvr>
+  <p:timing>
+    <p:tnLst>
+      <p:par>
+        <p:cTn id="1" dur="indefinite" restart="never" nodeType="tmRoot"/>
+      </p:par>
+    </p:tnLst>
+  </p:timing>
+</p:sld>
+</file>
+
+<file path=ppt/slides/slide4.xml><?xml version="1.0" encoding="utf-8"?>
+<p:sld xmlns:a="http://schemas.openxmlformats.org/drawingml/2006/main" xmlns:r="http://schemas.openxmlformats.org/officeDocument/2006/relationships" xmlns:p="http://schemas.openxmlformats.org/presentationml/2006/main">
+  <p:cSld>
+    <p:spTree>
+      <p:nvGrpSpPr>
+        <p:cNvPr id="1" name=""/>
+        <p:cNvGrpSpPr/>
+        <p:nvPr/>
+      </p:nvGrpSpPr>
+      <p:grpSpPr>
+        <a:xfrm>
+          <a:off x="0" y="0"/>
+          <a:ext cx="0" cy="0"/>
+          <a:chOff x="0" y="0"/>
+          <a:chExt cx="0" cy="0"/>
+        </a:xfrm>
+      </p:grpSpPr>
+      <p:pic>
+        <p:nvPicPr>
+          <p:cNvPr id="2" name="Picture 1"/>
+          <p:cNvPicPr>
+            <a:picLocks noChangeAspect="1"/>
+          </p:cNvPicPr>
+          <p:nvPr/>
+        </p:nvPicPr>
+        <p:blipFill>
+          <a:blip r:embed="rId2">
+            <a:extLst>
+              <a:ext uri="{28A0092B-C50C-407E-A947-70E740481C1C}">
+                <a14:useLocalDpi xmlns:a14="http://schemas.microsoft.com/office/drawing/2010/main" val="0"/>
+              </a:ext>
+            </a:extLst>
+          </a:blip>
+          <a:stretch>
+            <a:fillRect/>
+          </a:stretch>
+        </p:blipFill>
+        <p:spPr>
+          <a:xfrm>
+            <a:off x="2873133" y="338790"/>
+            <a:ext cx="5728257" cy="5403842"/>
+          </a:xfrm>
+          <a:prstGeom prst="rect">
+            <a:avLst/>
+          </a:prstGeom>
+        </p:spPr>
+      </p:pic>
+      <p:pic>
+        <p:nvPicPr>
+          <p:cNvPr id="4" name="Picture 3"/>
+          <p:cNvPicPr>
+            <a:picLocks noChangeAspect="1"/>
+          </p:cNvPicPr>
+          <p:nvPr/>
+        </p:nvPicPr>
+        <p:blipFill>
+          <a:blip r:embed="rId3">
+            <a:extLst>
+              <a:ext uri="{28A0092B-C50C-407E-A947-70E740481C1C}">
+                <a14:useLocalDpi xmlns:a14="http://schemas.microsoft.com/office/drawing/2010/main" val="0"/>
+              </a:ext>
+            </a:extLst>
+          </a:blip>
+          <a:stretch>
+            <a:fillRect/>
+          </a:stretch>
+        </p:blipFill>
+        <p:spPr>
+          <a:xfrm rot="3845175">
+            <a:off x="4284578" y="4136338"/>
+            <a:ext cx="973413" cy="272136"/>
+          </a:xfrm>
+          <a:prstGeom prst="rect">
+            <a:avLst/>
+          </a:prstGeom>
+        </p:spPr>
+      </p:pic>
+      <p:pic>
+        <p:nvPicPr>
+          <p:cNvPr id="5" name="Picture 4"/>
+          <p:cNvPicPr>
+            <a:picLocks noChangeAspect="1"/>
+          </p:cNvPicPr>
+          <p:nvPr/>
+        </p:nvPicPr>
+        <p:blipFill>
+          <a:blip r:embed="rId4">
+            <a:extLst>
+              <a:ext uri="{28A0092B-C50C-407E-A947-70E740481C1C}">
+                <a14:useLocalDpi xmlns:a14="http://schemas.microsoft.com/office/drawing/2010/main" val="0"/>
+              </a:ext>
+            </a:extLst>
+          </a:blip>
+          <a:stretch>
+            <a:fillRect/>
+          </a:stretch>
+        </p:blipFill>
+        <p:spPr>
+          <a:xfrm rot="900000">
+            <a:off x="3323472" y="3362668"/>
+            <a:ext cx="927138" cy="259199"/>
+          </a:xfrm>
+          <a:prstGeom prst="rect">
+            <a:avLst/>
+          </a:prstGeom>
+        </p:spPr>
+      </p:pic>
+      <p:pic>
+        <p:nvPicPr>
+          <p:cNvPr id="6" name="Picture 5"/>
+          <p:cNvPicPr>
+            <a:picLocks noChangeAspect="1"/>
+          </p:cNvPicPr>
+          <p:nvPr/>
+        </p:nvPicPr>
+        <p:blipFill>
+          <a:blip r:embed="rId5">
+            <a:extLst>
+              <a:ext uri="{28A0092B-C50C-407E-A947-70E740481C1C}">
+                <a14:useLocalDpi xmlns:a14="http://schemas.microsoft.com/office/drawing/2010/main" val="0"/>
+              </a:ext>
+            </a:extLst>
+          </a:blip>
+          <a:stretch>
+            <a:fillRect/>
+          </a:stretch>
+        </p:blipFill>
+        <p:spPr>
+          <a:xfrm rot="5400000">
+            <a:off x="3637266" y="3836968"/>
+            <a:ext cx="498461" cy="259200"/>
+          </a:xfrm>
+          <a:prstGeom prst="rect">
+            <a:avLst/>
+          </a:prstGeom>
+        </p:spPr>
+      </p:pic>
+      <p:pic>
+        <p:nvPicPr>
+          <p:cNvPr id="7" name="Picture 6"/>
+          <p:cNvPicPr>
+            <a:picLocks noChangeAspect="1"/>
+          </p:cNvPicPr>
+          <p:nvPr/>
+        </p:nvPicPr>
+        <p:blipFill>
+          <a:blip r:embed="rId6">
+            <a:extLst>
+              <a:ext uri="{28A0092B-C50C-407E-A947-70E740481C1C}">
+                <a14:useLocalDpi xmlns:a14="http://schemas.microsoft.com/office/drawing/2010/main" val="0"/>
+              </a:ext>
+            </a:extLst>
+          </a:blip>
+          <a:stretch>
+            <a:fillRect/>
+          </a:stretch>
+        </p:blipFill>
+        <p:spPr>
+          <a:xfrm>
+            <a:off x="4090377" y="4302550"/>
+            <a:ext cx="498461" cy="259200"/>
+          </a:xfrm>
+          <a:prstGeom prst="rect">
+            <a:avLst/>
+          </a:prstGeom>
+        </p:spPr>
+      </p:pic>
+      <p:pic>
+        <p:nvPicPr>
+          <p:cNvPr id="8" name="Picture 7"/>
+          <p:cNvPicPr>
+            <a:picLocks noChangeAspect="1"/>
+          </p:cNvPicPr>
+          <p:nvPr/>
+        </p:nvPicPr>
+        <p:blipFill>
+          <a:blip r:embed="rId7">
+            <a:extLst>
+              <a:ext uri="{28A0092B-C50C-407E-A947-70E740481C1C}">
+                <a14:useLocalDpi xmlns:a14="http://schemas.microsoft.com/office/drawing/2010/main" val="0"/>
+              </a:ext>
+            </a:extLst>
+          </a:blip>
+          <a:stretch>
+            <a:fillRect/>
+          </a:stretch>
+        </p:blipFill>
+        <p:spPr>
+          <a:xfrm>
+            <a:off x="3855881" y="570941"/>
+            <a:ext cx="241300" cy="330200"/>
+          </a:xfrm>
+          <a:prstGeom prst="rect">
+            <a:avLst/>
+          </a:prstGeom>
+        </p:spPr>
+      </p:pic>
+      <p:pic>
+        <p:nvPicPr>
+          <p:cNvPr id="9" name="Picture 8"/>
+          <p:cNvPicPr>
+            <a:picLocks noChangeAspect="1"/>
+          </p:cNvPicPr>
+          <p:nvPr/>
+        </p:nvPicPr>
+        <p:blipFill>
+          <a:blip r:embed="rId8">
+            <a:extLst>
+              <a:ext uri="{28A0092B-C50C-407E-A947-70E740481C1C}">
+                <a14:useLocalDpi xmlns:a14="http://schemas.microsoft.com/office/drawing/2010/main" val="0"/>
+              </a:ext>
+            </a:extLst>
+          </a:blip>
+          <a:stretch>
+            <a:fillRect/>
+          </a:stretch>
+        </p:blipFill>
+        <p:spPr>
+          <a:xfrm>
+            <a:off x="7446108" y="4137450"/>
+            <a:ext cx="241300" cy="330200"/>
+          </a:xfrm>
+          <a:prstGeom prst="rect">
+            <a:avLst/>
+          </a:prstGeom>
+        </p:spPr>
+      </p:pic>
+      <p:pic>
+        <p:nvPicPr>
+          <p:cNvPr id="10" name="Picture 9"/>
+          <p:cNvPicPr>
+            <a:picLocks noChangeAspect="1"/>
+          </p:cNvPicPr>
+          <p:nvPr/>
+        </p:nvPicPr>
+        <p:blipFill>
+          <a:blip r:embed="rId9">
+            <a:extLst>
+              <a:ext uri="{28A0092B-C50C-407E-A947-70E740481C1C}">
+                <a14:useLocalDpi xmlns:a14="http://schemas.microsoft.com/office/drawing/2010/main" val="0"/>
+              </a:ext>
+            </a:extLst>
+          </a:blip>
+          <a:stretch>
+            <a:fillRect/>
+          </a:stretch>
+        </p:blipFill>
+        <p:spPr>
+          <a:xfrm rot="2700000">
+            <a:off x="6054148" y="5330351"/>
+            <a:ext cx="809766" cy="249158"/>
+          </a:xfrm>
+          <a:prstGeom prst="rect">
+            <a:avLst/>
+          </a:prstGeom>
+        </p:spPr>
+      </p:pic>
+      <p:pic>
+        <p:nvPicPr>
+          <p:cNvPr id="11" name="Picture 10"/>
+          <p:cNvPicPr>
+            <a:picLocks noChangeAspect="1"/>
+          </p:cNvPicPr>
+          <p:nvPr/>
+        </p:nvPicPr>
+        <p:blipFill>
+          <a:blip r:embed="rId10">
+            <a:extLst>
+              <a:ext uri="{28A0092B-C50C-407E-A947-70E740481C1C}">
+                <a14:useLocalDpi xmlns:a14="http://schemas.microsoft.com/office/drawing/2010/main" val="0"/>
+              </a:ext>
+            </a:extLst>
+          </a:blip>
+          <a:stretch>
+            <a:fillRect/>
+          </a:stretch>
+        </p:blipFill>
+        <p:spPr>
+          <a:xfrm rot="2700000">
+            <a:off x="4735150" y="5325955"/>
+            <a:ext cx="837415" cy="257666"/>
+          </a:xfrm>
+          <a:prstGeom prst="rect">
+            <a:avLst/>
+          </a:prstGeom>
+        </p:spPr>
+      </p:pic>
+      <p:pic>
+        <p:nvPicPr>
+          <p:cNvPr id="13" name="Picture 12"/>
+          <p:cNvPicPr>
+            <a:picLocks noChangeAspect="1"/>
+          </p:cNvPicPr>
+          <p:nvPr/>
+        </p:nvPicPr>
+        <p:blipFill>
+          <a:blip r:embed="rId11">
+            <a:extLst>
+              <a:ext uri="{28A0092B-C50C-407E-A947-70E740481C1C}">
+                <a14:useLocalDpi xmlns:a14="http://schemas.microsoft.com/office/drawing/2010/main" val="0"/>
+              </a:ext>
+            </a:extLst>
+          </a:blip>
+          <a:stretch>
+            <a:fillRect/>
+          </a:stretch>
+        </p:blipFill>
+        <p:spPr>
+          <a:xfrm>
+            <a:off x="5291422" y="2433004"/>
+            <a:ext cx="0" cy="0"/>
+          </a:xfrm>
+          <a:prstGeom prst="rect">
+            <a:avLst/>
+          </a:prstGeom>
+        </p:spPr>
+      </p:pic>
+      <p:pic>
+        <p:nvPicPr>
+          <p:cNvPr id="14" name="Picture 13"/>
+          <p:cNvPicPr>
+            <a:picLocks noChangeAspect="1"/>
+          </p:cNvPicPr>
+          <p:nvPr/>
+        </p:nvPicPr>
+        <p:blipFill>
+          <a:blip r:embed="rId12">
+            <a:extLst>
+              <a:ext uri="{28A0092B-C50C-407E-A947-70E740481C1C}">
+                <a14:useLocalDpi xmlns:a14="http://schemas.microsoft.com/office/drawing/2010/main" val="0"/>
+              </a:ext>
+            </a:extLst>
+          </a:blip>
+          <a:stretch>
+            <a:fillRect/>
+          </a:stretch>
+        </p:blipFill>
+        <p:spPr>
+          <a:xfrm>
+            <a:off x="5407273" y="2478004"/>
+            <a:ext cx="607979" cy="450000"/>
+          </a:xfrm>
+          <a:prstGeom prst="rect">
+            <a:avLst/>
+          </a:prstGeom>
+        </p:spPr>
+      </p:pic>
+      <p:sp>
+        <p:nvSpPr>
+          <p:cNvPr id="15" name="TextBox 14"/>
+          <p:cNvSpPr txBox="1"/>
+          <p:nvPr/>
+        </p:nvSpPr>
+        <p:spPr>
+          <a:xfrm>
+            <a:off x="5271283" y="310346"/>
+            <a:ext cx="1957139" cy="369332"/>
+          </a:xfrm>
+          <a:prstGeom prst="rect">
+            <a:avLst/>
+          </a:prstGeom>
+          <a:noFill/>
+        </p:spPr>
+        <p:txBody>
+          <a:bodyPr wrap="none" rtlCol="0">
+            <a:spAutoFit/>
+          </a:bodyPr>
+          <a:lstStyle/>
+          <a:p>
+            <a:r>
+              <a:rPr lang="en-US">
+                <a:solidFill>
+                  <a:srgbClr val="C00000"/>
+                </a:solidFill>
+              </a:rPr>
+              <a:t>① objective value</a:t>
+            </a:r>
+          </a:p>
+        </p:txBody>
+      </p:sp>
+      <p:cxnSp>
+        <p:nvCxnSpPr>
+          <p:cNvPr id="17" name="Straight Arrow Connector 16"/>
+          <p:cNvCxnSpPr/>
+          <p:nvPr/>
+        </p:nvCxnSpPr>
+        <p:spPr>
+          <a:xfrm flipV="1">
+            <a:off x="6385903" y="666578"/>
+            <a:ext cx="0" cy="447980"/>
+          </a:xfrm>
+          <a:prstGeom prst="straightConnector1">
+            <a:avLst/>
+          </a:prstGeom>
+          <a:ln>
+            <a:solidFill>
+              <a:srgbClr val="C00000"/>
+            </a:solidFill>
+            <a:tailEnd type="triangle"/>
+          </a:ln>
+        </p:spPr>
+        <p:style>
+          <a:lnRef idx="1">
+            <a:schemeClr val="accent1"/>
+          </a:lnRef>
+          <a:fillRef idx="0">
+            <a:schemeClr val="accent1"/>
+          </a:fillRef>
+          <a:effectRef idx="0">
+            <a:schemeClr val="accent1"/>
+          </a:effectRef>
+          <a:fontRef idx="minor">
+            <a:schemeClr val="tx1"/>
+          </a:fontRef>
+        </p:style>
+      </p:cxnSp>
+      <p:sp>
+        <p:nvSpPr>
+          <p:cNvPr id="18" name="TextBox 17"/>
+          <p:cNvSpPr txBox="1"/>
+          <p:nvPr/>
+        </p:nvSpPr>
+        <p:spPr>
+          <a:xfrm>
+            <a:off x="844263" y="3725766"/>
+            <a:ext cx="1918602" cy="369332"/>
+          </a:xfrm>
+          <a:prstGeom prst="rect">
+            <a:avLst/>
+          </a:prstGeom>
+          <a:noFill/>
+        </p:spPr>
+        <p:txBody>
+          <a:bodyPr wrap="none" rtlCol="0">
+            <a:spAutoFit/>
+          </a:bodyPr>
+          <a:lstStyle/>
+          <a:p>
+            <a:r>
+              <a:rPr lang="en-US">
+                <a:solidFill>
+                  <a:srgbClr val="C00000"/>
+                </a:solidFill>
+              </a:rPr>
+              <a:t>③ feasible region</a:t>
+            </a:r>
+          </a:p>
+        </p:txBody>
+      </p:sp>
+      <p:cxnSp>
+        <p:nvCxnSpPr>
+          <p:cNvPr id="19" name="Straight Arrow Connector 18"/>
+          <p:cNvCxnSpPr/>
+          <p:nvPr/>
+        </p:nvCxnSpPr>
+        <p:spPr>
+          <a:xfrm flipH="1">
+            <a:off x="2762865" y="3910432"/>
+            <a:ext cx="1334316" cy="0"/>
+          </a:xfrm>
+          <a:prstGeom prst="straightConnector1">
+            <a:avLst/>
+          </a:prstGeom>
+          <a:ln>
+            <a:solidFill>
+              <a:srgbClr val="C00000"/>
+            </a:solidFill>
+            <a:tailEnd type="triangle"/>
+          </a:ln>
+        </p:spPr>
+        <p:style>
+          <a:lnRef idx="1">
+            <a:schemeClr val="accent1"/>
+          </a:lnRef>
+          <a:fillRef idx="0">
+            <a:schemeClr val="accent1"/>
+          </a:fillRef>
+          <a:effectRef idx="0">
+            <a:schemeClr val="accent1"/>
+          </a:effectRef>
+          <a:fontRef idx="minor">
+            <a:schemeClr val="tx1"/>
+          </a:fontRef>
+        </p:style>
+      </p:cxnSp>
+      <p:sp>
+        <p:nvSpPr>
+          <p:cNvPr id="21" name="TextBox 20"/>
+          <p:cNvSpPr txBox="1"/>
+          <p:nvPr/>
+        </p:nvSpPr>
+        <p:spPr>
+          <a:xfrm>
+            <a:off x="5243952" y="6270403"/>
+            <a:ext cx="1643655" cy="369332"/>
+          </a:xfrm>
+          <a:prstGeom prst="rect">
+            <a:avLst/>
+          </a:prstGeom>
+          <a:noFill/>
+        </p:spPr>
+        <p:txBody>
+          <a:bodyPr wrap="none" rtlCol="0">
+            <a:spAutoFit/>
+          </a:bodyPr>
+          <a:lstStyle/>
+          <a:p>
+            <a:r>
+              <a:rPr lang="en-US">
+                <a:solidFill>
+                  <a:srgbClr val="C00000"/>
+                </a:solidFill>
+              </a:rPr>
+              <a:t>② level curves</a:t>
+            </a:r>
+          </a:p>
+        </p:txBody>
+      </p:sp>
+      <p:sp>
+        <p:nvSpPr>
+          <p:cNvPr id="22" name="Right Brace 21"/>
+          <p:cNvSpPr/>
+          <p:nvPr/>
+        </p:nvSpPr>
+        <p:spPr>
+          <a:xfrm rot="5400000">
+            <a:off x="6011537" y="5173340"/>
+            <a:ext cx="107858" cy="1419811"/>
+          </a:xfrm>
+          <a:prstGeom prst="rightBrace">
+            <a:avLst/>
+          </a:prstGeom>
+          <a:ln>
+            <a:solidFill>
+              <a:srgbClr val="C00000"/>
+            </a:solidFill>
+          </a:ln>
+        </p:spPr>
+        <p:style>
+          <a:lnRef idx="1">
+            <a:schemeClr val="accent1"/>
+          </a:lnRef>
+          <a:fillRef idx="0">
+            <a:schemeClr val="accent1"/>
+          </a:fillRef>
+          <a:effectRef idx="0">
+            <a:schemeClr val="accent1"/>
+          </a:effectRef>
+          <a:fontRef idx="minor">
+            <a:schemeClr val="tx1"/>
+          </a:fontRef>
+        </p:style>
+        <p:txBody>
+          <a:bodyPr rtlCol="0" anchor="ctr"/>
+          <a:lstStyle/>
+          <a:p>
+            <a:pPr algn="ctr"/>
+            <a:endParaRPr lang="en-US"/>
+          </a:p>
+        </p:txBody>
+      </p:sp>
+      <p:cxnSp>
+        <p:nvCxnSpPr>
           <p:cNvPr id="23" name="Straight Arrow Connector 22"/>
           <p:cNvCxnSpPr/>
           <p:nvPr/>
         </p:nvCxnSpPr>
         <p:spPr>
           <a:xfrm>
-            <a:off x="5833654" y="5962154"/>
+            <a:off x="6065780" y="5920024"/>
             <a:ext cx="0" cy="350379"/>
           </a:xfrm>
           <a:prstGeom prst="straightConnector1">
@@ -4309,6 +5724,1701 @@
   <p:clrMapOvr>
     <a:masterClrMapping/>
   </p:clrMapOvr>
+  <p:timing>
+    <p:tnLst>
+      <p:par>
+        <p:cTn id="1" dur="indefinite" restart="never" nodeType="tmRoot"/>
+      </p:par>
+    </p:tnLst>
+  </p:timing>
+</p:sld>
+</file>
+
+<file path=ppt/slides/slide5.xml><?xml version="1.0" encoding="utf-8"?>
+<p:sld xmlns:a="http://schemas.openxmlformats.org/drawingml/2006/main" xmlns:r="http://schemas.openxmlformats.org/officeDocument/2006/relationships" xmlns:p="http://schemas.openxmlformats.org/presentationml/2006/main">
+  <p:cSld>
+    <p:spTree>
+      <p:nvGrpSpPr>
+        <p:cNvPr id="1" name=""/>
+        <p:cNvGrpSpPr/>
+        <p:nvPr/>
+      </p:nvGrpSpPr>
+      <p:grpSpPr>
+        <a:xfrm>
+          <a:off x="0" y="0"/>
+          <a:ext cx="0" cy="0"/>
+          <a:chOff x="0" y="0"/>
+          <a:chExt cx="0" cy="0"/>
+        </a:xfrm>
+      </p:grpSpPr>
+      <p:pic>
+        <p:nvPicPr>
+          <p:cNvPr id="2" name="Picture 1"/>
+          <p:cNvPicPr>
+            <a:picLocks noChangeAspect="1"/>
+          </p:cNvPicPr>
+          <p:nvPr/>
+        </p:nvPicPr>
+        <p:blipFill>
+          <a:blip r:embed="rId2">
+            <a:extLst>
+              <a:ext uri="{28A0092B-C50C-407E-A947-70E740481C1C}">
+                <a14:useLocalDpi xmlns:a14="http://schemas.microsoft.com/office/drawing/2010/main" val="0"/>
+              </a:ext>
+            </a:extLst>
+          </a:blip>
+          <a:stretch>
+            <a:fillRect/>
+          </a:stretch>
+        </p:blipFill>
+        <p:spPr>
+          <a:xfrm>
+            <a:off x="2873133" y="338790"/>
+            <a:ext cx="5728257" cy="5403841"/>
+          </a:xfrm>
+          <a:prstGeom prst="rect">
+            <a:avLst/>
+          </a:prstGeom>
+        </p:spPr>
+      </p:pic>
+      <p:pic>
+        <p:nvPicPr>
+          <p:cNvPr id="8" name="Picture 7"/>
+          <p:cNvPicPr>
+            <a:picLocks noChangeAspect="1"/>
+          </p:cNvPicPr>
+          <p:nvPr/>
+        </p:nvPicPr>
+        <p:blipFill>
+          <a:blip r:embed="rId3">
+            <a:extLst>
+              <a:ext uri="{28A0092B-C50C-407E-A947-70E740481C1C}">
+                <a14:useLocalDpi xmlns:a14="http://schemas.microsoft.com/office/drawing/2010/main" val="0"/>
+              </a:ext>
+            </a:extLst>
+          </a:blip>
+          <a:stretch>
+            <a:fillRect/>
+          </a:stretch>
+        </p:blipFill>
+        <p:spPr>
+          <a:xfrm>
+            <a:off x="3855881" y="570941"/>
+            <a:ext cx="241300" cy="330200"/>
+          </a:xfrm>
+          <a:prstGeom prst="rect">
+            <a:avLst/>
+          </a:prstGeom>
+        </p:spPr>
+      </p:pic>
+      <p:pic>
+        <p:nvPicPr>
+          <p:cNvPr id="9" name="Picture 8"/>
+          <p:cNvPicPr>
+            <a:picLocks noChangeAspect="1"/>
+          </p:cNvPicPr>
+          <p:nvPr/>
+        </p:nvPicPr>
+        <p:blipFill>
+          <a:blip r:embed="rId4">
+            <a:extLst>
+              <a:ext uri="{28A0092B-C50C-407E-A947-70E740481C1C}">
+                <a14:useLocalDpi xmlns:a14="http://schemas.microsoft.com/office/drawing/2010/main" val="0"/>
+              </a:ext>
+            </a:extLst>
+          </a:blip>
+          <a:stretch>
+            <a:fillRect/>
+          </a:stretch>
+        </p:blipFill>
+        <p:spPr>
+          <a:xfrm>
+            <a:off x="7446108" y="4137450"/>
+            <a:ext cx="241300" cy="330200"/>
+          </a:xfrm>
+          <a:prstGeom prst="rect">
+            <a:avLst/>
+          </a:prstGeom>
+        </p:spPr>
+      </p:pic>
+      <p:pic>
+        <p:nvPicPr>
+          <p:cNvPr id="11" name="Picture 10"/>
+          <p:cNvPicPr>
+            <a:picLocks noChangeAspect="1"/>
+          </p:cNvPicPr>
+          <p:nvPr/>
+        </p:nvPicPr>
+        <p:blipFill>
+          <a:blip r:embed="rId5">
+            <a:extLst>
+              <a:ext uri="{28A0092B-C50C-407E-A947-70E740481C1C}">
+                <a14:useLocalDpi xmlns:a14="http://schemas.microsoft.com/office/drawing/2010/main" val="0"/>
+              </a:ext>
+            </a:extLst>
+          </a:blip>
+          <a:stretch>
+            <a:fillRect/>
+          </a:stretch>
+        </p:blipFill>
+        <p:spPr>
+          <a:xfrm rot="2700000">
+            <a:off x="4735150" y="5325955"/>
+            <a:ext cx="837415" cy="257666"/>
+          </a:xfrm>
+          <a:prstGeom prst="rect">
+            <a:avLst/>
+          </a:prstGeom>
+        </p:spPr>
+      </p:pic>
+      <p:pic>
+        <p:nvPicPr>
+          <p:cNvPr id="13" name="Picture 12"/>
+          <p:cNvPicPr>
+            <a:picLocks noChangeAspect="1"/>
+          </p:cNvPicPr>
+          <p:nvPr/>
+        </p:nvPicPr>
+        <p:blipFill>
+          <a:blip r:embed="rId6">
+            <a:extLst>
+              <a:ext uri="{28A0092B-C50C-407E-A947-70E740481C1C}">
+                <a14:useLocalDpi xmlns:a14="http://schemas.microsoft.com/office/drawing/2010/main" val="0"/>
+              </a:ext>
+            </a:extLst>
+          </a:blip>
+          <a:stretch>
+            <a:fillRect/>
+          </a:stretch>
+        </p:blipFill>
+        <p:spPr>
+          <a:xfrm>
+            <a:off x="5291422" y="2433004"/>
+            <a:ext cx="0" cy="0"/>
+          </a:xfrm>
+          <a:prstGeom prst="rect">
+            <a:avLst/>
+          </a:prstGeom>
+        </p:spPr>
+      </p:pic>
+      <p:pic>
+        <p:nvPicPr>
+          <p:cNvPr id="14" name="Picture 13"/>
+          <p:cNvPicPr>
+            <a:picLocks noChangeAspect="1"/>
+          </p:cNvPicPr>
+          <p:nvPr/>
+        </p:nvPicPr>
+        <p:blipFill>
+          <a:blip r:embed="rId7">
+            <a:extLst>
+              <a:ext uri="{28A0092B-C50C-407E-A947-70E740481C1C}">
+                <a14:useLocalDpi xmlns:a14="http://schemas.microsoft.com/office/drawing/2010/main" val="0"/>
+              </a:ext>
+            </a:extLst>
+          </a:blip>
+          <a:stretch>
+            <a:fillRect/>
+          </a:stretch>
+        </p:blipFill>
+        <p:spPr>
+          <a:xfrm>
+            <a:off x="5407273" y="2478004"/>
+            <a:ext cx="607979" cy="450000"/>
+          </a:xfrm>
+          <a:prstGeom prst="rect">
+            <a:avLst/>
+          </a:prstGeom>
+        </p:spPr>
+      </p:pic>
+      <p:pic>
+        <p:nvPicPr>
+          <p:cNvPr id="20" name="Picture 19"/>
+          <p:cNvPicPr>
+            <a:picLocks noChangeAspect="1"/>
+          </p:cNvPicPr>
+          <p:nvPr/>
+        </p:nvPicPr>
+        <p:blipFill>
+          <a:blip r:embed="rId8">
+            <a:extLst>
+              <a:ext uri="{28A0092B-C50C-407E-A947-70E740481C1C}">
+                <a14:useLocalDpi xmlns:a14="http://schemas.microsoft.com/office/drawing/2010/main" val="0"/>
+              </a:ext>
+            </a:extLst>
+          </a:blip>
+          <a:stretch>
+            <a:fillRect/>
+          </a:stretch>
+        </p:blipFill>
+        <p:spPr>
+          <a:xfrm rot="2700000">
+            <a:off x="5698346" y="5230148"/>
+            <a:ext cx="842400" cy="449280"/>
+          </a:xfrm>
+          <a:prstGeom prst="rect">
+            <a:avLst/>
+          </a:prstGeom>
+        </p:spPr>
+      </p:pic>
+      <p:pic>
+        <p:nvPicPr>
+          <p:cNvPr id="24" name="Picture 23"/>
+          <p:cNvPicPr>
+            <a:picLocks noChangeAspect="1"/>
+          </p:cNvPicPr>
+          <p:nvPr/>
+        </p:nvPicPr>
+        <p:blipFill>
+          <a:blip r:embed="rId9">
+            <a:extLst>
+              <a:ext uri="{28A0092B-C50C-407E-A947-70E740481C1C}">
+                <a14:useLocalDpi xmlns:a14="http://schemas.microsoft.com/office/drawing/2010/main" val="0"/>
+              </a:ext>
+            </a:extLst>
+          </a:blip>
+          <a:stretch>
+            <a:fillRect/>
+          </a:stretch>
+        </p:blipFill>
+        <p:spPr>
+          <a:xfrm>
+            <a:off x="3779459" y="3495556"/>
+            <a:ext cx="152843" cy="446400"/>
+          </a:xfrm>
+          <a:prstGeom prst="rect">
+            <a:avLst/>
+          </a:prstGeom>
+        </p:spPr>
+      </p:pic>
+      <p:pic>
+        <p:nvPicPr>
+          <p:cNvPr id="25" name="Picture 24"/>
+          <p:cNvPicPr>
+            <a:picLocks noChangeAspect="1"/>
+          </p:cNvPicPr>
+          <p:nvPr/>
+        </p:nvPicPr>
+        <p:blipFill>
+          <a:blip r:embed="rId10">
+            <a:extLst>
+              <a:ext uri="{28A0092B-C50C-407E-A947-70E740481C1C}">
+                <a14:useLocalDpi xmlns:a14="http://schemas.microsoft.com/office/drawing/2010/main" val="0"/>
+              </a:ext>
+            </a:extLst>
+          </a:blip>
+          <a:stretch>
+            <a:fillRect/>
+          </a:stretch>
+        </p:blipFill>
+        <p:spPr>
+          <a:xfrm>
+            <a:off x="4297989" y="4348804"/>
+            <a:ext cx="152748" cy="446121"/>
+          </a:xfrm>
+          <a:prstGeom prst="rect">
+            <a:avLst/>
+          </a:prstGeom>
+        </p:spPr>
+      </p:pic>
+      <p:sp>
+        <p:nvSpPr>
+          <p:cNvPr id="26" name="TextBox 25"/>
+          <p:cNvSpPr txBox="1"/>
+          <p:nvPr/>
+        </p:nvSpPr>
+        <p:spPr>
+          <a:xfrm rot="2700000">
+            <a:off x="983679" y="2530780"/>
+            <a:ext cx="2617063" cy="307777"/>
+          </a:xfrm>
+          <a:prstGeom prst="rect">
+            <a:avLst/>
+          </a:prstGeom>
+          <a:noFill/>
+        </p:spPr>
+        <p:txBody>
+          <a:bodyPr wrap="none" rtlCol="0">
+            <a:spAutoFit/>
+          </a:bodyPr>
+          <a:lstStyle/>
+          <a:p>
+            <a:r>
+              <a:rPr lang="en-US" sz="1400">
+                <a:solidFill>
+                  <a:srgbClr val="287BB6"/>
+                </a:solidFill>
+              </a:rPr>
+              <a:t>Level curve </a:t>
+            </a:r>
+            <a:r>
+              <a:rPr lang="en-US" sz="1400" b="1">
+                <a:solidFill>
+                  <a:srgbClr val="287BB6"/>
+                </a:solidFill>
+              </a:rPr>
+              <a:t>enters</a:t>
+            </a:r>
+            <a:r>
+              <a:rPr lang="en-US" sz="1400">
+                <a:solidFill>
+                  <a:srgbClr val="287BB6"/>
+                </a:solidFill>
+              </a:rPr>
+              <a:t> feasible region</a:t>
+            </a:r>
+            <a:endParaRPr lang="en-US" sz="1400">
+              <a:solidFill>
+                <a:srgbClr val="287BB6"/>
+              </a:solidFill>
+            </a:endParaRPr>
+          </a:p>
+        </p:txBody>
+      </p:sp>
+      <p:sp>
+        <p:nvSpPr>
+          <p:cNvPr id="27" name="TextBox 26"/>
+          <p:cNvSpPr txBox="1"/>
+          <p:nvPr/>
+        </p:nvSpPr>
+        <p:spPr>
+          <a:xfrm rot="2700000">
+            <a:off x="1045105" y="1540128"/>
+            <a:ext cx="2494209" cy="307777"/>
+          </a:xfrm>
+          <a:prstGeom prst="rect">
+            <a:avLst/>
+          </a:prstGeom>
+          <a:noFill/>
+        </p:spPr>
+        <p:txBody>
+          <a:bodyPr wrap="none" rtlCol="0">
+            <a:spAutoFit/>
+          </a:bodyPr>
+          <a:lstStyle/>
+          <a:p>
+            <a:r>
+              <a:rPr lang="en-US" sz="1400">
+                <a:solidFill>
+                  <a:srgbClr val="D24347"/>
+                </a:solidFill>
+              </a:rPr>
+              <a:t>Level curve </a:t>
+            </a:r>
+            <a:r>
+              <a:rPr lang="en-US" sz="1400" b="1">
+                <a:solidFill>
+                  <a:srgbClr val="D24347"/>
+                </a:solidFill>
+              </a:rPr>
+              <a:t>exits</a:t>
+            </a:r>
+            <a:r>
+              <a:rPr lang="en-US" sz="1400">
+                <a:solidFill>
+                  <a:srgbClr val="D24347"/>
+                </a:solidFill>
+              </a:rPr>
+              <a:t> feasible region</a:t>
+            </a:r>
+            <a:endParaRPr lang="en-US" sz="1400">
+              <a:solidFill>
+                <a:srgbClr val="D24347"/>
+              </a:solidFill>
+            </a:endParaRPr>
+          </a:p>
+        </p:txBody>
+      </p:sp>
+    </p:spTree>
+    <p:extLst>
+      <p:ext uri="{BB962C8B-B14F-4D97-AF65-F5344CB8AC3E}">
+        <p14:creationId xmlns:p14="http://schemas.microsoft.com/office/powerpoint/2010/main" val="708390639"/>
+      </p:ext>
+    </p:extLst>
+  </p:cSld>
+  <p:clrMapOvr>
+    <a:masterClrMapping/>
+  </p:clrMapOvr>
+  <p:timing>
+    <p:tnLst>
+      <p:par>
+        <p:cTn id="1" dur="indefinite" restart="never" nodeType="tmRoot"/>
+      </p:par>
+    </p:tnLst>
+  </p:timing>
+</p:sld>
+</file>
+
+<file path=ppt/slides/slide6.xml><?xml version="1.0" encoding="utf-8"?>
+<p:sld xmlns:a="http://schemas.openxmlformats.org/drawingml/2006/main" xmlns:r="http://schemas.openxmlformats.org/officeDocument/2006/relationships" xmlns:p="http://schemas.openxmlformats.org/presentationml/2006/main">
+  <p:cSld>
+    <p:spTree>
+      <p:nvGrpSpPr>
+        <p:cNvPr id="1" name=""/>
+        <p:cNvGrpSpPr/>
+        <p:nvPr/>
+      </p:nvGrpSpPr>
+      <p:grpSpPr>
+        <a:xfrm>
+          <a:off x="0" y="0"/>
+          <a:ext cx="0" cy="0"/>
+          <a:chOff x="0" y="0"/>
+          <a:chExt cx="0" cy="0"/>
+        </a:xfrm>
+      </p:grpSpPr>
+      <p:pic>
+        <p:nvPicPr>
+          <p:cNvPr id="2" name="Picture 1"/>
+          <p:cNvPicPr>
+            <a:picLocks noChangeAspect="1"/>
+          </p:cNvPicPr>
+          <p:nvPr/>
+        </p:nvPicPr>
+        <p:blipFill>
+          <a:blip r:embed="rId2">
+            <a:extLst>
+              <a:ext uri="{28A0092B-C50C-407E-A947-70E740481C1C}">
+                <a14:useLocalDpi xmlns:a14="http://schemas.microsoft.com/office/drawing/2010/main" val="0"/>
+              </a:ext>
+            </a:extLst>
+          </a:blip>
+          <a:stretch>
+            <a:fillRect/>
+          </a:stretch>
+        </p:blipFill>
+        <p:spPr>
+          <a:xfrm>
+            <a:off x="3937000" y="1308100"/>
+            <a:ext cx="4318000" cy="4229100"/>
+          </a:xfrm>
+          <a:prstGeom prst="rect">
+            <a:avLst/>
+          </a:prstGeom>
+        </p:spPr>
+      </p:pic>
+      <p:sp>
+        <p:nvSpPr>
+          <p:cNvPr id="3" name="TextBox 2"/>
+          <p:cNvSpPr txBox="1"/>
+          <p:nvPr/>
+        </p:nvSpPr>
+        <p:spPr>
+          <a:xfrm>
+            <a:off x="4479774" y="1402702"/>
+            <a:ext cx="2477345" cy="369332"/>
+          </a:xfrm>
+          <a:prstGeom prst="rect">
+            <a:avLst/>
+          </a:prstGeom>
+          <a:noFill/>
+        </p:spPr>
+        <p:txBody>
+          <a:bodyPr wrap="none" rtlCol="0">
+            <a:spAutoFit/>
+          </a:bodyPr>
+          <a:lstStyle/>
+          <a:p>
+            <a:r>
+              <a:rPr lang="en-US">
+                <a:solidFill>
+                  <a:srgbClr val="4EAB4A"/>
+                </a:solidFill>
+              </a:rPr>
+              <a:t>theoretical upper bound</a:t>
+            </a:r>
+          </a:p>
+        </p:txBody>
+      </p:sp>
+      <p:sp>
+        <p:nvSpPr>
+          <p:cNvPr id="4" name="TextBox 3"/>
+          <p:cNvSpPr txBox="1"/>
+          <p:nvPr/>
+        </p:nvSpPr>
+        <p:spPr>
+          <a:xfrm rot="5400000">
+            <a:off x="6704043" y="3580671"/>
+            <a:ext cx="2305568" cy="369332"/>
+          </a:xfrm>
+          <a:prstGeom prst="rect">
+            <a:avLst/>
+          </a:prstGeom>
+          <a:noFill/>
+        </p:spPr>
+        <p:txBody>
+          <a:bodyPr wrap="none" rtlCol="0">
+            <a:spAutoFit/>
+          </a:bodyPr>
+          <a:lstStyle/>
+          <a:p>
+            <a:r>
+              <a:rPr lang="en-US">
+                <a:solidFill>
+                  <a:srgbClr val="8A8C8F"/>
+                </a:solidFill>
+              </a:rPr>
+              <a:t>stop optimization here</a:t>
+            </a:r>
+          </a:p>
+        </p:txBody>
+      </p:sp>
+    </p:spTree>
+    <p:extLst>
+      <p:ext uri="{BB962C8B-B14F-4D97-AF65-F5344CB8AC3E}">
+        <p14:creationId xmlns:p14="http://schemas.microsoft.com/office/powerpoint/2010/main" val="67012385"/>
+      </p:ext>
+    </p:extLst>
+  </p:cSld>
+  <p:clrMapOvr>
+    <a:masterClrMapping/>
+  </p:clrMapOvr>
+  <p:timing>
+    <p:tnLst>
+      <p:par>
+        <p:cTn id="1" dur="indefinite" restart="never" nodeType="tmRoot"/>
+      </p:par>
+    </p:tnLst>
+  </p:timing>
+</p:sld>
+</file>
+
+<file path=ppt/slides/slide7.xml><?xml version="1.0" encoding="utf-8"?>
+<p:sld xmlns:a="http://schemas.openxmlformats.org/drawingml/2006/main" xmlns:r="http://schemas.openxmlformats.org/officeDocument/2006/relationships" xmlns:p="http://schemas.openxmlformats.org/presentationml/2006/main">
+  <p:cSld>
+    <p:spTree>
+      <p:nvGrpSpPr>
+        <p:cNvPr id="1" name=""/>
+        <p:cNvGrpSpPr/>
+        <p:nvPr/>
+      </p:nvGrpSpPr>
+      <p:grpSpPr>
+        <a:xfrm>
+          <a:off x="0" y="0"/>
+          <a:ext cx="0" cy="0"/>
+          <a:chOff x="0" y="0"/>
+          <a:chExt cx="0" cy="0"/>
+        </a:xfrm>
+      </p:grpSpPr>
+      <p:pic>
+        <p:nvPicPr>
+          <p:cNvPr id="2" name="Picture 1"/>
+          <p:cNvPicPr>
+            <a:picLocks noChangeAspect="1"/>
+          </p:cNvPicPr>
+          <p:nvPr/>
+        </p:nvPicPr>
+        <p:blipFill>
+          <a:blip r:embed="rId2">
+            <a:extLst>
+              <a:ext uri="{28A0092B-C50C-407E-A947-70E740481C1C}">
+                <a14:useLocalDpi xmlns:a14="http://schemas.microsoft.com/office/drawing/2010/main" val="0"/>
+              </a:ext>
+            </a:extLst>
+          </a:blip>
+          <a:stretch>
+            <a:fillRect/>
+          </a:stretch>
+        </p:blipFill>
+        <p:spPr>
+          <a:xfrm>
+            <a:off x="3251200" y="900895"/>
+            <a:ext cx="5016500" cy="4814105"/>
+          </a:xfrm>
+          <a:prstGeom prst="rect">
+            <a:avLst/>
+          </a:prstGeom>
+        </p:spPr>
+      </p:pic>
+      <p:sp>
+        <p:nvSpPr>
+          <p:cNvPr id="3" name="Right Arrow 2"/>
+          <p:cNvSpPr/>
+          <p:nvPr/>
+        </p:nvSpPr>
+        <p:spPr>
+          <a:xfrm rot="5400000">
+            <a:off x="3536577" y="2394124"/>
+            <a:ext cx="1308100" cy="252000"/>
+          </a:xfrm>
+          <a:prstGeom prst="rightArrow">
+            <a:avLst/>
+          </a:prstGeom>
+          <a:gradFill flip="none" rotWithShape="1">
+            <a:gsLst>
+              <a:gs pos="0">
+                <a:srgbClr val="4EAB4A">
+                  <a:shade val="30000"/>
+                  <a:satMod val="115000"/>
+                </a:srgbClr>
+              </a:gs>
+              <a:gs pos="50000">
+                <a:srgbClr val="4EAB4A">
+                  <a:shade val="67500"/>
+                  <a:satMod val="115000"/>
+                </a:srgbClr>
+              </a:gs>
+              <a:gs pos="100000">
+                <a:srgbClr val="4EAB4A">
+                  <a:shade val="100000"/>
+                  <a:satMod val="115000"/>
+                </a:srgbClr>
+              </a:gs>
+            </a:gsLst>
+            <a:lin ang="10800000" scaled="1"/>
+            <a:tileRect/>
+          </a:gradFill>
+          <a:ln>
+            <a:noFill/>
+          </a:ln>
+        </p:spPr>
+        <p:style>
+          <a:lnRef idx="2">
+            <a:schemeClr val="accent1">
+              <a:shade val="50000"/>
+            </a:schemeClr>
+          </a:lnRef>
+          <a:fillRef idx="1">
+            <a:schemeClr val="accent1"/>
+          </a:fillRef>
+          <a:effectRef idx="0">
+            <a:schemeClr val="accent1"/>
+          </a:effectRef>
+          <a:fontRef idx="minor">
+            <a:schemeClr val="lt1"/>
+          </a:fontRef>
+        </p:style>
+        <p:txBody>
+          <a:bodyPr rtlCol="0" anchor="ctr"/>
+          <a:lstStyle/>
+          <a:p>
+            <a:pPr algn="ctr"/>
+            <a:endParaRPr lang="en-US"/>
+          </a:p>
+        </p:txBody>
+      </p:sp>
+      <p:sp>
+        <p:nvSpPr>
+          <p:cNvPr id="4" name="Right Arrow 3"/>
+          <p:cNvSpPr/>
+          <p:nvPr/>
+        </p:nvSpPr>
+        <p:spPr>
+          <a:xfrm rot="16200000">
+            <a:off x="6952403" y="3983290"/>
+            <a:ext cx="1782155" cy="252000"/>
+          </a:xfrm>
+          <a:prstGeom prst="rightArrow">
+            <a:avLst/>
+          </a:prstGeom>
+          <a:gradFill flip="none" rotWithShape="1">
+            <a:gsLst>
+              <a:gs pos="0">
+                <a:srgbClr val="287BB6">
+                  <a:shade val="30000"/>
+                  <a:satMod val="115000"/>
+                </a:srgbClr>
+              </a:gs>
+              <a:gs pos="50000">
+                <a:srgbClr val="287BB6">
+                  <a:shade val="67500"/>
+                  <a:satMod val="115000"/>
+                </a:srgbClr>
+              </a:gs>
+              <a:gs pos="100000">
+                <a:srgbClr val="287BB6">
+                  <a:shade val="100000"/>
+                  <a:satMod val="115000"/>
+                </a:srgbClr>
+              </a:gs>
+            </a:gsLst>
+            <a:lin ang="10800000" scaled="1"/>
+            <a:tileRect/>
+          </a:gradFill>
+          <a:ln>
+            <a:noFill/>
+          </a:ln>
+        </p:spPr>
+        <p:style>
+          <a:lnRef idx="2">
+            <a:schemeClr val="accent1">
+              <a:shade val="50000"/>
+            </a:schemeClr>
+          </a:lnRef>
+          <a:fillRef idx="1">
+            <a:schemeClr val="accent1"/>
+          </a:fillRef>
+          <a:effectRef idx="0">
+            <a:schemeClr val="accent1"/>
+          </a:effectRef>
+          <a:fontRef idx="minor">
+            <a:schemeClr val="lt1"/>
+          </a:fontRef>
+        </p:style>
+        <p:txBody>
+          <a:bodyPr rtlCol="0" anchor="ctr"/>
+          <a:lstStyle/>
+          <a:p>
+            <a:pPr algn="ctr"/>
+            <a:endParaRPr lang="en-US"/>
+          </a:p>
+        </p:txBody>
+      </p:sp>
+      <p:sp>
+        <p:nvSpPr>
+          <p:cNvPr id="5" name="TextBox 4"/>
+          <p:cNvSpPr txBox="1"/>
+          <p:nvPr/>
+        </p:nvSpPr>
+        <p:spPr>
+          <a:xfrm>
+            <a:off x="4316627" y="1854198"/>
+            <a:ext cx="2677298" cy="923330"/>
+          </a:xfrm>
+          <a:prstGeom prst="rect">
+            <a:avLst/>
+          </a:prstGeom>
+          <a:noFill/>
+        </p:spPr>
+        <p:txBody>
+          <a:bodyPr wrap="square" rtlCol="0">
+            <a:spAutoFit/>
+          </a:bodyPr>
+          <a:lstStyle/>
+          <a:p>
+            <a:r>
+              <a:rPr lang="en-US" b="1">
+                <a:solidFill>
+                  <a:srgbClr val="4EAB4A"/>
+                </a:solidFill>
+              </a:rPr>
+              <a:t>minimize</a:t>
+            </a:r>
+          </a:p>
+          <a:p>
+            <a:r>
+              <a:rPr lang="en-US">
+                <a:solidFill>
+                  <a:srgbClr val="4EAB4A"/>
+                </a:solidFill>
+              </a:rPr>
+              <a:t>upper bound</a:t>
+            </a:r>
+          </a:p>
+          <a:p>
+            <a:r>
+              <a:rPr lang="en-US">
+                <a:solidFill>
+                  <a:srgbClr val="4EAB4A"/>
+                </a:solidFill>
+              </a:rPr>
+              <a:t>of objective function</a:t>
+            </a:r>
+          </a:p>
+        </p:txBody>
+      </p:sp>
+      <p:sp>
+        <p:nvSpPr>
+          <p:cNvPr id="6" name="TextBox 5"/>
+          <p:cNvSpPr txBox="1"/>
+          <p:nvPr/>
+        </p:nvSpPr>
+        <p:spPr>
+          <a:xfrm>
+            <a:off x="4951998" y="4354037"/>
+            <a:ext cx="2677298" cy="646331"/>
+          </a:xfrm>
+          <a:prstGeom prst="rect">
+            <a:avLst/>
+          </a:prstGeom>
+          <a:noFill/>
+        </p:spPr>
+        <p:txBody>
+          <a:bodyPr wrap="square" rtlCol="0">
+            <a:spAutoFit/>
+          </a:bodyPr>
+          <a:lstStyle/>
+          <a:p>
+            <a:pPr algn="r"/>
+            <a:r>
+              <a:rPr lang="en-US" b="1">
+                <a:solidFill>
+                  <a:srgbClr val="287BB6"/>
+                </a:solidFill>
+              </a:rPr>
+              <a:t>maximize</a:t>
+            </a:r>
+            <a:r>
+              <a:rPr lang="en-US">
+                <a:solidFill>
+                  <a:srgbClr val="287BB6"/>
+                </a:solidFill>
+              </a:rPr>
+              <a:t/>
+            </a:r>
+            <a:br>
+              <a:rPr lang="en-US">
+                <a:solidFill>
+                  <a:srgbClr val="287BB6"/>
+                </a:solidFill>
+              </a:rPr>
+            </a:br>
+            <a:r>
+              <a:rPr lang="en-US">
+                <a:solidFill>
+                  <a:srgbClr val="287BB6"/>
+                </a:solidFill>
+              </a:rPr>
+              <a:t>objective function</a:t>
+            </a:r>
+          </a:p>
+        </p:txBody>
+      </p:sp>
+    </p:spTree>
+    <p:extLst>
+      <p:ext uri="{BB962C8B-B14F-4D97-AF65-F5344CB8AC3E}">
+        <p14:creationId xmlns:p14="http://schemas.microsoft.com/office/powerpoint/2010/main" val="1224312873"/>
+      </p:ext>
+    </p:extLst>
+  </p:cSld>
+  <p:clrMapOvr>
+    <a:masterClrMapping/>
+  </p:clrMapOvr>
+  <p:timing>
+    <p:tnLst>
+      <p:par>
+        <p:cTn id="1" dur="indefinite" restart="never" nodeType="tmRoot"/>
+      </p:par>
+    </p:tnLst>
+  </p:timing>
+</p:sld>
+</file>
+
+<file path=ppt/slides/slide8.xml><?xml version="1.0" encoding="utf-8"?>
+<p:sld xmlns:a="http://schemas.openxmlformats.org/drawingml/2006/main" xmlns:r="http://schemas.openxmlformats.org/officeDocument/2006/relationships" xmlns:p="http://schemas.openxmlformats.org/presentationml/2006/main">
+  <p:cSld>
+    <p:spTree>
+      <p:nvGrpSpPr>
+        <p:cNvPr id="1" name=""/>
+        <p:cNvGrpSpPr/>
+        <p:nvPr/>
+      </p:nvGrpSpPr>
+      <p:grpSpPr>
+        <a:xfrm>
+          <a:off x="0" y="0"/>
+          <a:ext cx="0" cy="0"/>
+          <a:chOff x="0" y="0"/>
+          <a:chExt cx="0" cy="0"/>
+        </a:xfrm>
+      </p:grpSpPr>
+      <p:pic>
+        <p:nvPicPr>
+          <p:cNvPr id="4" name="Picture 3"/>
+          <p:cNvPicPr>
+            <a:picLocks noChangeAspect="1"/>
+          </p:cNvPicPr>
+          <p:nvPr/>
+        </p:nvPicPr>
+        <p:blipFill>
+          <a:blip r:embed="rId2">
+            <a:extLst>
+              <a:ext uri="{28A0092B-C50C-407E-A947-70E740481C1C}">
+                <a14:useLocalDpi xmlns:a14="http://schemas.microsoft.com/office/drawing/2010/main" val="0"/>
+              </a:ext>
+            </a:extLst>
+          </a:blip>
+          <a:stretch>
+            <a:fillRect/>
+          </a:stretch>
+        </p:blipFill>
+        <p:spPr>
+          <a:xfrm>
+            <a:off x="1875473" y="3144775"/>
+            <a:ext cx="8484243" cy="2179110"/>
+          </a:xfrm>
+          <a:prstGeom prst="rect">
+            <a:avLst/>
+          </a:prstGeom>
+        </p:spPr>
+      </p:pic>
+      <p:pic>
+        <p:nvPicPr>
+          <p:cNvPr id="2" name="Picture 1"/>
+          <p:cNvPicPr>
+            <a:picLocks noChangeAspect="1"/>
+          </p:cNvPicPr>
+          <p:nvPr/>
+        </p:nvPicPr>
+        <p:blipFill>
+          <a:blip r:embed="rId3">
+            <a:extLst>
+              <a:ext uri="{28A0092B-C50C-407E-A947-70E740481C1C}">
+                <a14:useLocalDpi xmlns:a14="http://schemas.microsoft.com/office/drawing/2010/main" val="0"/>
+              </a:ext>
+            </a:extLst>
+          </a:blip>
+          <a:stretch>
+            <a:fillRect/>
+          </a:stretch>
+        </p:blipFill>
+        <p:spPr>
+          <a:xfrm>
+            <a:off x="4640683" y="872615"/>
+            <a:ext cx="972767" cy="720000"/>
+          </a:xfrm>
+          <a:prstGeom prst="rect">
+            <a:avLst/>
+          </a:prstGeom>
+        </p:spPr>
+      </p:pic>
+      <p:pic>
+        <p:nvPicPr>
+          <p:cNvPr id="3" name="Picture 2"/>
+          <p:cNvPicPr>
+            <a:picLocks noChangeAspect="1"/>
+          </p:cNvPicPr>
+          <p:nvPr/>
+        </p:nvPicPr>
+        <p:blipFill>
+          <a:blip r:embed="rId4">
+            <a:extLst>
+              <a:ext uri="{28A0092B-C50C-407E-A947-70E740481C1C}">
+                <a14:useLocalDpi xmlns:a14="http://schemas.microsoft.com/office/drawing/2010/main" val="0"/>
+              </a:ext>
+            </a:extLst>
+          </a:blip>
+          <a:stretch>
+            <a:fillRect/>
+          </a:stretch>
+        </p:blipFill>
+        <p:spPr>
+          <a:xfrm>
+            <a:off x="2788732" y="872616"/>
+            <a:ext cx="1348086" cy="720000"/>
+          </a:xfrm>
+          <a:prstGeom prst="rect">
+            <a:avLst/>
+          </a:prstGeom>
+        </p:spPr>
+      </p:pic>
+      <p:graphicFrame>
+        <p:nvGraphicFramePr>
+          <p:cNvPr id="10" name="Table 9"/>
+          <p:cNvGraphicFramePr>
+            <a:graphicFrameLocks noGrp="1"/>
+          </p:cNvGraphicFramePr>
+          <p:nvPr>
+            <p:extLst>
+              <p:ext uri="{D42A27DB-BD31-4B8C-83A1-F6EECF244321}">
+                <p14:modId xmlns:p14="http://schemas.microsoft.com/office/powerpoint/2010/main" val="965638431"/>
+              </p:ext>
+            </p:extLst>
+          </p:nvPr>
+        </p:nvGraphicFramePr>
+        <p:xfrm>
+          <a:off x="1875472" y="2844713"/>
+          <a:ext cx="8484244" cy="2456492"/>
+        </p:xfrm>
+        <a:graphic>
+          <a:graphicData uri="http://schemas.openxmlformats.org/drawingml/2006/table">
+            <a:tbl>
+              <a:tblPr firstRow="1" bandRow="1">
+                <a:tableStyleId>{5940675A-B579-460E-94D1-54222C63F5DA}</a:tableStyleId>
+              </a:tblPr>
+              <a:tblGrid>
+                <a:gridCol w="4965167"/>
+                <a:gridCol w="3519077"/>
+              </a:tblGrid>
+              <a:tr h="258243">
+                <a:tc>
+                  <a:txBody>
+                    <a:bodyPr/>
+                    <a:lstStyle/>
+                    <a:p>
+                      <a:pPr algn="ctr"/>
+                      <a:r>
+                        <a:rPr lang="en-US" b="1"/>
+                        <a:t>Upper bound of objective</a:t>
+                      </a:r>
+                      <a:r>
+                        <a:rPr lang="en-US" b="1" baseline="0"/>
+                        <a:t> coefficients</a:t>
+                      </a:r>
+                      <a:endParaRPr lang="en-US" b="1"/>
+                    </a:p>
+                  </a:txBody>
+                  <a:tcPr>
+                    <a:solidFill>
+                      <a:schemeClr val="bg2"/>
+                    </a:solidFill>
+                  </a:tcPr>
+                </a:tc>
+                <a:tc>
+                  <a:txBody>
+                    <a:bodyPr/>
+                    <a:lstStyle/>
+                    <a:p>
+                      <a:pPr algn="ctr"/>
+                      <a:r>
+                        <a:rPr lang="en-US" b="1"/>
+                        <a:t>Upper bound of</a:t>
+                      </a:r>
+                      <a:r>
+                        <a:rPr lang="en-US" b="1" baseline="0"/>
+                        <a:t> objective function</a:t>
+                      </a:r>
+                      <a:endParaRPr lang="en-US" b="1"/>
+                    </a:p>
+                  </a:txBody>
+                  <a:tcPr>
+                    <a:solidFill>
+                      <a:schemeClr val="bg2"/>
+                    </a:solidFill>
+                  </a:tcPr>
+                </a:tc>
+              </a:tr>
+              <a:tr h="1234205">
+                <a:tc>
+                  <a:txBody>
+                    <a:bodyPr/>
+                    <a:lstStyle/>
+                    <a:p>
+                      <a:endParaRPr lang="en-US"/>
+                    </a:p>
+                  </a:txBody>
+                  <a:tcPr/>
+                </a:tc>
+                <a:tc>
+                  <a:txBody>
+                    <a:bodyPr/>
+                    <a:lstStyle/>
+                    <a:p>
+                      <a:endParaRPr lang="en-US"/>
+                    </a:p>
+                  </a:txBody>
+                  <a:tcPr/>
+                </a:tc>
+              </a:tr>
+              <a:tr h="856527">
+                <a:tc>
+                  <a:txBody>
+                    <a:bodyPr/>
+                    <a:lstStyle/>
+                    <a:p>
+                      <a:endParaRPr lang="en-US"/>
+                    </a:p>
+                  </a:txBody>
+                  <a:tcPr/>
+                </a:tc>
+                <a:tc>
+                  <a:txBody>
+                    <a:bodyPr/>
+                    <a:lstStyle/>
+                    <a:p>
+                      <a:endParaRPr lang="en-US"/>
+                    </a:p>
+                  </a:txBody>
+                  <a:tcPr/>
+                </a:tc>
+              </a:tr>
+            </a:tbl>
+          </a:graphicData>
+        </a:graphic>
+      </p:graphicFrame>
+      <p:pic>
+        <p:nvPicPr>
+          <p:cNvPr id="11" name="Picture 10"/>
+          <p:cNvPicPr>
+            <a:picLocks noChangeAspect="1"/>
+          </p:cNvPicPr>
+          <p:nvPr/>
+        </p:nvPicPr>
+        <p:blipFill>
+          <a:blip r:embed="rId5">
+            <a:extLst>
+              <a:ext uri="{28A0092B-C50C-407E-A947-70E740481C1C}">
+                <a14:useLocalDpi xmlns:a14="http://schemas.microsoft.com/office/drawing/2010/main" val="0"/>
+              </a:ext>
+            </a:extLst>
+          </a:blip>
+          <a:stretch>
+            <a:fillRect/>
+          </a:stretch>
+        </p:blipFill>
+        <p:spPr>
+          <a:xfrm>
+            <a:off x="2788732" y="1737490"/>
+            <a:ext cx="1742553" cy="720000"/>
+          </a:xfrm>
+          <a:prstGeom prst="rect">
+            <a:avLst/>
+          </a:prstGeom>
+          <a:ln>
+            <a:solidFill>
+              <a:schemeClr val="tx1"/>
+            </a:solidFill>
+          </a:ln>
+        </p:spPr>
+      </p:pic>
+      <p:sp>
+        <p:nvSpPr>
+          <p:cNvPr id="12" name="TextBox 11"/>
+          <p:cNvSpPr txBox="1"/>
+          <p:nvPr/>
+        </p:nvSpPr>
+        <p:spPr>
+          <a:xfrm>
+            <a:off x="1968070" y="1084544"/>
+            <a:ext cx="972273" cy="369332"/>
+          </a:xfrm>
+          <a:prstGeom prst="rect">
+            <a:avLst/>
+          </a:prstGeom>
+          <a:noFill/>
+        </p:spPr>
+        <p:txBody>
+          <a:bodyPr wrap="square" rtlCol="0">
+            <a:spAutoFit/>
+          </a:bodyPr>
+          <a:lstStyle/>
+          <a:p>
+            <a:r>
+              <a:rPr lang="en-US" b="1"/>
+              <a:t>Given:</a:t>
+            </a:r>
+          </a:p>
+        </p:txBody>
+      </p:sp>
+      <p:sp>
+        <p:nvSpPr>
+          <p:cNvPr id="13" name="TextBox 12"/>
+          <p:cNvSpPr txBox="1"/>
+          <p:nvPr/>
+        </p:nvSpPr>
+        <p:spPr>
+          <a:xfrm>
+            <a:off x="2" y="3326136"/>
+            <a:ext cx="1615040" cy="923330"/>
+          </a:xfrm>
+          <a:prstGeom prst="rect">
+            <a:avLst/>
+          </a:prstGeom>
+          <a:noFill/>
+        </p:spPr>
+        <p:txBody>
+          <a:bodyPr wrap="square" rtlCol="0">
+            <a:spAutoFit/>
+          </a:bodyPr>
+          <a:lstStyle/>
+          <a:p>
+            <a:pPr algn="ctr"/>
+            <a:r>
+              <a:rPr lang="en-US">
+                <a:solidFill>
+                  <a:srgbClr val="8A8C8F"/>
+                </a:solidFill>
+              </a:rPr>
+              <a:t>combination of </a:t>
+            </a:r>
+            <a:r>
+              <a:rPr lang="en-US" b="1">
+                <a:solidFill>
+                  <a:srgbClr val="8A8C8F"/>
+                </a:solidFill>
+              </a:rPr>
+              <a:t>rows of A </a:t>
+            </a:r>
+            <a:r>
+              <a:rPr lang="en-US">
+                <a:solidFill>
+                  <a:srgbClr val="8A8C8F"/>
+                </a:solidFill>
+              </a:rPr>
+              <a:t>(columns of Aᵀ)</a:t>
+            </a:r>
+            <a:endParaRPr lang="en-US" b="1">
+              <a:solidFill>
+                <a:srgbClr val="8A8C8F"/>
+              </a:solidFill>
+            </a:endParaRPr>
+          </a:p>
+        </p:txBody>
+      </p:sp>
+      <p:sp>
+        <p:nvSpPr>
+          <p:cNvPr id="15" name="TextBox 14"/>
+          <p:cNvSpPr txBox="1"/>
+          <p:nvPr/>
+        </p:nvSpPr>
+        <p:spPr>
+          <a:xfrm>
+            <a:off x="10620146" y="3326136"/>
+            <a:ext cx="1606579" cy="923330"/>
+          </a:xfrm>
+          <a:prstGeom prst="rect">
+            <a:avLst/>
+          </a:prstGeom>
+          <a:noFill/>
+        </p:spPr>
+        <p:txBody>
+          <a:bodyPr wrap="square" rtlCol="0">
+            <a:spAutoFit/>
+          </a:bodyPr>
+          <a:lstStyle/>
+          <a:p>
+            <a:pPr algn="ctr"/>
+            <a:r>
+              <a:rPr lang="en-US">
+                <a:solidFill>
+                  <a:srgbClr val="8A8C8F"/>
+                </a:solidFill>
+              </a:rPr>
+              <a:t>combination of</a:t>
+            </a:r>
+          </a:p>
+          <a:p>
+            <a:pPr algn="ctr"/>
+            <a:r>
+              <a:rPr lang="en-US" b="1">
+                <a:solidFill>
+                  <a:srgbClr val="8A8C8F"/>
+                </a:solidFill>
+              </a:rPr>
+              <a:t>constraint equations</a:t>
+            </a:r>
+          </a:p>
+        </p:txBody>
+      </p:sp>
+      <p:sp>
+        <p:nvSpPr>
+          <p:cNvPr id="16" name="Left Brace 15"/>
+          <p:cNvSpPr/>
+          <p:nvPr/>
+        </p:nvSpPr>
+        <p:spPr>
+          <a:xfrm>
+            <a:off x="1580317" y="3188797"/>
+            <a:ext cx="196770" cy="1198008"/>
+          </a:xfrm>
+          <a:prstGeom prst="leftBrace">
+            <a:avLst/>
+          </a:prstGeom>
+          <a:ln>
+            <a:solidFill>
+              <a:srgbClr val="8A8C8F"/>
+            </a:solidFill>
+          </a:ln>
+        </p:spPr>
+        <p:style>
+          <a:lnRef idx="1">
+            <a:schemeClr val="accent1"/>
+          </a:lnRef>
+          <a:fillRef idx="0">
+            <a:schemeClr val="accent1"/>
+          </a:fillRef>
+          <a:effectRef idx="0">
+            <a:schemeClr val="accent1"/>
+          </a:effectRef>
+          <a:fontRef idx="minor">
+            <a:schemeClr val="tx1"/>
+          </a:fontRef>
+        </p:style>
+        <p:txBody>
+          <a:bodyPr rtlCol="0" anchor="ctr"/>
+          <a:lstStyle/>
+          <a:p>
+            <a:pPr algn="ctr"/>
+            <a:endParaRPr lang="en-US"/>
+          </a:p>
+        </p:txBody>
+      </p:sp>
+      <p:sp>
+        <p:nvSpPr>
+          <p:cNvPr id="17" name="Left Brace 16"/>
+          <p:cNvSpPr/>
+          <p:nvPr/>
+        </p:nvSpPr>
+        <p:spPr>
+          <a:xfrm flipH="1">
+            <a:off x="10458101" y="3188797"/>
+            <a:ext cx="196770" cy="1198008"/>
+          </a:xfrm>
+          <a:prstGeom prst="leftBrace">
+            <a:avLst/>
+          </a:prstGeom>
+          <a:ln>
+            <a:solidFill>
+              <a:srgbClr val="8A8C8F"/>
+            </a:solidFill>
+          </a:ln>
+        </p:spPr>
+        <p:style>
+          <a:lnRef idx="1">
+            <a:schemeClr val="accent1"/>
+          </a:lnRef>
+          <a:fillRef idx="0">
+            <a:schemeClr val="accent1"/>
+          </a:fillRef>
+          <a:effectRef idx="0">
+            <a:schemeClr val="accent1"/>
+          </a:effectRef>
+          <a:fontRef idx="minor">
+            <a:schemeClr val="tx1"/>
+          </a:fontRef>
+        </p:style>
+        <p:txBody>
+          <a:bodyPr rtlCol="0" anchor="ctr"/>
+          <a:lstStyle/>
+          <a:p>
+            <a:pPr algn="ctr"/>
+            <a:endParaRPr lang="en-US"/>
+          </a:p>
+        </p:txBody>
+      </p:sp>
+      <p:pic>
+        <p:nvPicPr>
+          <p:cNvPr id="18" name="Picture 17"/>
+          <p:cNvPicPr>
+            <a:picLocks noChangeAspect="1"/>
+          </p:cNvPicPr>
+          <p:nvPr/>
+        </p:nvPicPr>
+        <p:blipFill>
+          <a:blip r:embed="rId6">
+            <a:extLst>
+              <a:ext uri="{28A0092B-C50C-407E-A947-70E740481C1C}">
+                <a14:useLocalDpi xmlns:a14="http://schemas.microsoft.com/office/drawing/2010/main" val="0"/>
+              </a:ext>
+            </a:extLst>
+          </a:blip>
+          <a:stretch>
+            <a:fillRect/>
+          </a:stretch>
+        </p:blipFill>
+        <p:spPr>
+          <a:xfrm>
+            <a:off x="3260912" y="3941974"/>
+            <a:ext cx="201863" cy="396109"/>
+          </a:xfrm>
+          <a:prstGeom prst="rect">
+            <a:avLst/>
+          </a:prstGeom>
+        </p:spPr>
+      </p:pic>
+      <p:pic>
+        <p:nvPicPr>
+          <p:cNvPr id="19" name="Picture 18"/>
+          <p:cNvPicPr>
+            <a:picLocks noChangeAspect="1"/>
+          </p:cNvPicPr>
+          <p:nvPr/>
+        </p:nvPicPr>
+        <p:blipFill>
+          <a:blip r:embed="rId7">
+            <a:extLst>
+              <a:ext uri="{28A0092B-C50C-407E-A947-70E740481C1C}">
+                <a14:useLocalDpi xmlns:a14="http://schemas.microsoft.com/office/drawing/2010/main" val="0"/>
+              </a:ext>
+            </a:extLst>
+          </a:blip>
+          <a:stretch>
+            <a:fillRect/>
+          </a:stretch>
+        </p:blipFill>
+        <p:spPr>
+          <a:xfrm>
+            <a:off x="2252343" y="3953402"/>
+            <a:ext cx="403725" cy="384681"/>
+          </a:xfrm>
+          <a:prstGeom prst="rect">
+            <a:avLst/>
+          </a:prstGeom>
+        </p:spPr>
+      </p:pic>
+      <p:pic>
+        <p:nvPicPr>
+          <p:cNvPr id="21" name="Picture 20"/>
+          <p:cNvPicPr>
+            <a:picLocks noChangeAspect="1"/>
+          </p:cNvPicPr>
+          <p:nvPr/>
+        </p:nvPicPr>
+        <p:blipFill>
+          <a:blip r:embed="rId8">
+            <a:extLst>
+              <a:ext uri="{28A0092B-C50C-407E-A947-70E740481C1C}">
+                <a14:useLocalDpi xmlns:a14="http://schemas.microsoft.com/office/drawing/2010/main" val="0"/>
+              </a:ext>
+            </a:extLst>
+          </a:blip>
+          <a:stretch>
+            <a:fillRect/>
+          </a:stretch>
+        </p:blipFill>
+        <p:spPr>
+          <a:xfrm>
+            <a:off x="5832876" y="5277586"/>
+            <a:ext cx="202044" cy="420253"/>
+          </a:xfrm>
+          <a:prstGeom prst="rect">
+            <a:avLst/>
+          </a:prstGeom>
+        </p:spPr>
+      </p:pic>
+      <p:sp>
+        <p:nvSpPr>
+          <p:cNvPr id="22" name="Right Arrow 21"/>
+          <p:cNvSpPr/>
+          <p:nvPr/>
+        </p:nvSpPr>
+        <p:spPr>
+          <a:xfrm>
+            <a:off x="6513509" y="4268634"/>
+            <a:ext cx="494528" cy="338843"/>
+          </a:xfrm>
+          <a:prstGeom prst="rightArrow">
+            <a:avLst/>
+          </a:prstGeom>
+          <a:solidFill>
+            <a:schemeClr val="bg2"/>
+          </a:solidFill>
+          <a:ln w="28575">
+            <a:solidFill>
+              <a:schemeClr val="tx1"/>
+            </a:solidFill>
+          </a:ln>
+        </p:spPr>
+        <p:style>
+          <a:lnRef idx="2">
+            <a:schemeClr val="accent1">
+              <a:shade val="50000"/>
+            </a:schemeClr>
+          </a:lnRef>
+          <a:fillRef idx="1">
+            <a:schemeClr val="accent1"/>
+          </a:fillRef>
+          <a:effectRef idx="0">
+            <a:schemeClr val="accent1"/>
+          </a:effectRef>
+          <a:fontRef idx="minor">
+            <a:schemeClr val="lt1"/>
+          </a:fontRef>
+        </p:style>
+        <p:txBody>
+          <a:bodyPr rtlCol="0" anchor="ctr"/>
+          <a:lstStyle/>
+          <a:p>
+            <a:pPr algn="ctr"/>
+            <a:endParaRPr lang="en-US"/>
+          </a:p>
+        </p:txBody>
+      </p:sp>
+      <p:pic>
+        <p:nvPicPr>
+          <p:cNvPr id="23" name="Picture 22"/>
+          <p:cNvPicPr>
+            <a:picLocks noChangeAspect="1"/>
+          </p:cNvPicPr>
+          <p:nvPr/>
+        </p:nvPicPr>
+        <p:blipFill>
+          <a:blip r:embed="rId9">
+            <a:extLst>
+              <a:ext uri="{28A0092B-C50C-407E-A947-70E740481C1C}">
+                <a14:useLocalDpi xmlns:a14="http://schemas.microsoft.com/office/drawing/2010/main" val="0"/>
+              </a:ext>
+            </a:extLst>
+          </a:blip>
+          <a:stretch>
+            <a:fillRect/>
+          </a:stretch>
+        </p:blipFill>
+        <p:spPr>
+          <a:xfrm>
+            <a:off x="4594569" y="1744912"/>
+            <a:ext cx="532497" cy="469851"/>
+          </a:xfrm>
+          <a:prstGeom prst="rect">
+            <a:avLst/>
+          </a:prstGeom>
+        </p:spPr>
+      </p:pic>
+    </p:spTree>
+    <p:extLst>
+      <p:ext uri="{BB962C8B-B14F-4D97-AF65-F5344CB8AC3E}">
+        <p14:creationId xmlns:p14="http://schemas.microsoft.com/office/powerpoint/2010/main" val="938710542"/>
+      </p:ext>
+    </p:extLst>
+  </p:cSld>
+  <p:clrMapOvr>
+    <a:masterClrMapping/>
+  </p:clrMapOvr>
+  <p:timing>
+    <p:tnLst>
+      <p:par>
+        <p:cTn id="1" dur="indefinite" restart="never" nodeType="tmRoot"/>
+      </p:par>
+    </p:tnLst>
+  </p:timing>
+</p:sld>
+</file>
+
+<file path=ppt/slides/slide9.xml><?xml version="1.0" encoding="utf-8"?>
+<p:sld xmlns:a="http://schemas.openxmlformats.org/drawingml/2006/main" xmlns:r="http://schemas.openxmlformats.org/officeDocument/2006/relationships" xmlns:p="http://schemas.openxmlformats.org/presentationml/2006/main">
+  <p:cSld>
+    <p:spTree>
+      <p:nvGrpSpPr>
+        <p:cNvPr id="1" name=""/>
+        <p:cNvGrpSpPr/>
+        <p:nvPr/>
+      </p:nvGrpSpPr>
+      <p:grpSpPr>
+        <a:xfrm>
+          <a:off x="0" y="0"/>
+          <a:ext cx="0" cy="0"/>
+          <a:chOff x="0" y="0"/>
+          <a:chExt cx="0" cy="0"/>
+        </a:xfrm>
+      </p:grpSpPr>
+      <p:pic>
+        <p:nvPicPr>
+          <p:cNvPr id="2" name="Picture 1"/>
+          <p:cNvPicPr>
+            <a:picLocks noChangeAspect="1"/>
+          </p:cNvPicPr>
+          <p:nvPr/>
+        </p:nvPicPr>
+        <p:blipFill>
+          <a:blip r:embed="rId2">
+            <a:extLst>
+              <a:ext uri="{28A0092B-C50C-407E-A947-70E740481C1C}">
+                <a14:useLocalDpi xmlns:a14="http://schemas.microsoft.com/office/drawing/2010/main" val="0"/>
+              </a:ext>
+            </a:extLst>
+          </a:blip>
+          <a:stretch>
+            <a:fillRect/>
+          </a:stretch>
+        </p:blipFill>
+        <p:spPr>
+          <a:xfrm>
+            <a:off x="3924620" y="1153142"/>
+            <a:ext cx="5109797" cy="4680000"/>
+          </a:xfrm>
+          <a:prstGeom prst="rect">
+            <a:avLst/>
+          </a:prstGeom>
+        </p:spPr>
+      </p:pic>
+      <p:pic>
+        <p:nvPicPr>
+          <p:cNvPr id="3" name="Picture 2"/>
+          <p:cNvPicPr>
+            <a:picLocks noChangeAspect="1"/>
+          </p:cNvPicPr>
+          <p:nvPr/>
+        </p:nvPicPr>
+        <p:blipFill>
+          <a:blip r:embed="rId3">
+            <a:lum bright="70000" contrast="-70000"/>
+            <a:extLst>
+              <a:ext uri="{28A0092B-C50C-407E-A947-70E740481C1C}">
+                <a14:useLocalDpi xmlns:a14="http://schemas.microsoft.com/office/drawing/2010/main" val="0"/>
+              </a:ext>
+            </a:extLst>
+          </a:blip>
+          <a:stretch>
+            <a:fillRect/>
+          </a:stretch>
+        </p:blipFill>
+        <p:spPr>
+          <a:xfrm>
+            <a:off x="4826642" y="1938170"/>
+            <a:ext cx="1017608" cy="1017608"/>
+          </a:xfrm>
+          <a:prstGeom prst="rect">
+            <a:avLst/>
+          </a:prstGeom>
+        </p:spPr>
+      </p:pic>
+      <p:pic>
+        <p:nvPicPr>
+          <p:cNvPr id="4" name="Picture 3"/>
+          <p:cNvPicPr>
+            <a:picLocks noChangeAspect="1"/>
+          </p:cNvPicPr>
+          <p:nvPr/>
+        </p:nvPicPr>
+        <p:blipFill>
+          <a:blip r:embed="rId3">
+            <a:lum bright="70000" contrast="-70000"/>
+            <a:extLst>
+              <a:ext uri="{28A0092B-C50C-407E-A947-70E740481C1C}">
+                <a14:useLocalDpi xmlns:a14="http://schemas.microsoft.com/office/drawing/2010/main" val="0"/>
+              </a:ext>
+            </a:extLst>
+          </a:blip>
+          <a:stretch>
+            <a:fillRect/>
+          </a:stretch>
+        </p:blipFill>
+        <p:spPr>
+          <a:xfrm>
+            <a:off x="4826642" y="3766139"/>
+            <a:ext cx="1017608" cy="1017608"/>
+          </a:xfrm>
+          <a:prstGeom prst="rect">
+            <a:avLst/>
+          </a:prstGeom>
+        </p:spPr>
+      </p:pic>
+      <p:pic>
+        <p:nvPicPr>
+          <p:cNvPr id="7" name="Picture 6"/>
+          <p:cNvPicPr>
+            <a:picLocks noChangeAspect="1"/>
+          </p:cNvPicPr>
+          <p:nvPr/>
+        </p:nvPicPr>
+        <p:blipFill>
+          <a:blip r:embed="rId4">
+            <a:lum bright="70000" contrast="-70000"/>
+            <a:extLst>
+              <a:ext uri="{28A0092B-C50C-407E-A947-70E740481C1C}">
+                <a14:useLocalDpi xmlns:a14="http://schemas.microsoft.com/office/drawing/2010/main" val="0"/>
+              </a:ext>
+            </a:extLst>
+          </a:blip>
+          <a:stretch>
+            <a:fillRect/>
+          </a:stretch>
+        </p:blipFill>
+        <p:spPr>
+          <a:xfrm>
+            <a:off x="5707559" y="3910482"/>
+            <a:ext cx="1038713" cy="728922"/>
+          </a:xfrm>
+          <a:prstGeom prst="rect">
+            <a:avLst/>
+          </a:prstGeom>
+        </p:spPr>
+      </p:pic>
+    </p:spTree>
+    <p:extLst>
+      <p:ext uri="{BB962C8B-B14F-4D97-AF65-F5344CB8AC3E}">
+        <p14:creationId xmlns:p14="http://schemas.microsoft.com/office/powerpoint/2010/main" val="144814940"/>
+      </p:ext>
+    </p:extLst>
+  </p:cSld>
+  <p:clrMapOvr>
+    <a:masterClrMapping/>
+  </p:clrMapOvr>
+  <p:timing>
+    <p:tnLst>
+      <p:par>
+        <p:cTn id="1" dur="indefinite" restart="never" nodeType="tmRoot"/>
+      </p:par>
+    </p:tnLst>
+  </p:timing>
 </p:sld>
 </file>
 

--- a/ppt/medium.pptx
+++ b/ppt/medium.pptx
@@ -16,6 +16,7 @@
     <p:sldId id="265" r:id="rId10"/>
     <p:sldId id="266" r:id="rId11"/>
     <p:sldId id="269" r:id="rId12"/>
+    <p:sldId id="270" r:id="rId13"/>
   </p:sldIdLst>
   <p:sldSz cx="12192000" cy="6858000"/>
   <p:notesSz cx="6858000" cy="9144000"/>
@@ -3153,7 +3154,7 @@
         </p:nvCxnSpPr>
         <p:spPr>
           <a:xfrm flipV="1">
-            <a:off x="5978769" y="1127509"/>
+            <a:off x="6004169" y="1127509"/>
             <a:ext cx="0" cy="462224"/>
           </a:xfrm>
           <a:prstGeom prst="straightConnector1">
@@ -3189,7 +3190,7 @@
         </p:nvSpPr>
         <p:spPr>
           <a:xfrm>
-            <a:off x="5059231" y="759440"/>
+            <a:off x="5084631" y="759440"/>
             <a:ext cx="1846980" cy="369332"/>
           </a:xfrm>
           <a:prstGeom prst="rect">
@@ -3583,6 +3584,116 @@
           <a:chExt cx="0" cy="0"/>
         </a:xfrm>
       </p:grpSpPr>
+      <p:graphicFrame>
+        <p:nvGraphicFramePr>
+          <p:cNvPr id="14" name="Table 13"/>
+          <p:cNvGraphicFramePr>
+            <a:graphicFrameLocks noGrp="1"/>
+          </p:cNvGraphicFramePr>
+          <p:nvPr>
+            <p:extLst>
+              <p:ext uri="{D42A27DB-BD31-4B8C-83A1-F6EECF244321}">
+                <p14:modId xmlns:p14="http://schemas.microsoft.com/office/powerpoint/2010/main" val="111013852"/>
+              </p:ext>
+            </p:extLst>
+          </p:nvPr>
+        </p:nvGraphicFramePr>
+        <p:xfrm>
+          <a:off x="191867" y="3619557"/>
+          <a:ext cx="11796933" cy="2184390"/>
+        </p:xfrm>
+        <a:graphic>
+          <a:graphicData uri="http://schemas.openxmlformats.org/drawingml/2006/table">
+            <a:tbl>
+              <a:tblPr firstRow="1" bandRow="1">
+                <a:tableStyleId>{5940675A-B579-460E-94D1-54222C63F5DA}</a:tableStyleId>
+              </a:tblPr>
+              <a:tblGrid>
+                <a:gridCol w="4779837"/>
+                <a:gridCol w="7017096"/>
+              </a:tblGrid>
+              <a:tr h="721450">
+                <a:tc>
+                  <a:txBody>
+                    <a:bodyPr/>
+                    <a:lstStyle/>
+                    <a:p>
+                      <a:endParaRPr lang="en-US"/>
+                    </a:p>
+                  </a:txBody>
+                  <a:tcPr>
+                    <a:solidFill>
+                      <a:schemeClr val="bg2"/>
+                    </a:solidFill>
+                  </a:tcPr>
+                </a:tc>
+                <a:tc>
+                  <a:txBody>
+                    <a:bodyPr/>
+                    <a:lstStyle/>
+                    <a:p>
+                      <a:endParaRPr lang="en-US"/>
+                    </a:p>
+                  </a:txBody>
+                  <a:tcPr/>
+                </a:tc>
+              </a:tr>
+              <a:tr h="731470">
+                <a:tc>
+                  <a:txBody>
+                    <a:bodyPr/>
+                    <a:lstStyle/>
+                    <a:p>
+                      <a:endParaRPr lang="en-US"/>
+                    </a:p>
+                  </a:txBody>
+                  <a:tcPr>
+                    <a:solidFill>
+                      <a:schemeClr val="bg2"/>
+                    </a:solidFill>
+                  </a:tcPr>
+                </a:tc>
+                <a:tc>
+                  <a:txBody>
+                    <a:bodyPr/>
+                    <a:lstStyle/>
+                    <a:p>
+                      <a:endParaRPr lang="en-US"/>
+                    </a:p>
+                  </a:txBody>
+                  <a:tcPr/>
+                </a:tc>
+              </a:tr>
+              <a:tr h="731470">
+                <a:tc>
+                  <a:txBody>
+                    <a:bodyPr/>
+                    <a:lstStyle/>
+                    <a:p>
+                      <a:endParaRPr lang="en-US"/>
+                    </a:p>
+                  </a:txBody>
+                  <a:tcPr>
+                    <a:solidFill>
+                      <a:schemeClr val="bg2"/>
+                    </a:solidFill>
+                  </a:tcPr>
+                </a:tc>
+                <a:tc>
+                  <a:txBody>
+                    <a:bodyPr/>
+                    <a:lstStyle/>
+                    <a:p>
+                      <a:endParaRPr lang="en-US"/>
+                    </a:p>
+                  </a:txBody>
+                  <a:tcPr/>
+                </a:tc>
+              </a:tr>
+            </a:tbl>
+          </a:graphicData>
+        </a:graphic>
+      </p:graphicFrame>
       <p:pic>
         <p:nvPicPr>
           <p:cNvPr id="6" name="Picture 5"/>
@@ -3689,13 +3800,13 @@
               </a:ext>
             </a:extLst>
           </a:blip>
-          <a:srcRect r="50049"/>
+          <a:srcRect l="-1" r="35300"/>
           <a:stretch/>
         </p:blipFill>
         <p:spPr>
           <a:xfrm>
             <a:off x="8526379" y="5026606"/>
-            <a:ext cx="1049421" cy="777342"/>
+            <a:ext cx="1359301" cy="777342"/>
           </a:xfrm>
           <a:prstGeom prst="rect">
             <a:avLst/>
@@ -3791,7 +3902,7 @@
       </p:pic>
       <p:pic>
         <p:nvPicPr>
-          <p:cNvPr id="23" name="Picture 22"/>
+          <p:cNvPr id="4" name="Picture 3"/>
           <p:cNvPicPr>
             <a:picLocks noChangeAspect="1"/>
           </p:cNvPicPr>
@@ -3811,8 +3922,8 @@
         </p:blipFill>
         <p:spPr>
           <a:xfrm>
-            <a:off x="4623942" y="3678827"/>
-            <a:ext cx="441194" cy="630277"/>
+            <a:off x="258932" y="2062881"/>
+            <a:ext cx="6155710" cy="630277"/>
           </a:xfrm>
           <a:prstGeom prst="rect">
             <a:avLst/>
@@ -3821,67 +3932,7 @@
       </p:pic>
       <p:pic>
         <p:nvPicPr>
-          <p:cNvPr id="26" name="Picture 25"/>
-          <p:cNvPicPr>
-            <a:picLocks noChangeAspect="1"/>
-          </p:cNvPicPr>
-          <p:nvPr/>
-        </p:nvPicPr>
-        <p:blipFill>
-          <a:blip r:embed="rId9">
-            <a:extLst>
-              <a:ext uri="{28A0092B-C50C-407E-A947-70E740481C1C}">
-                <a14:useLocalDpi xmlns:a14="http://schemas.microsoft.com/office/drawing/2010/main" val="0"/>
-              </a:ext>
-            </a:extLst>
-          </a:blip>
-          <a:stretch>
-            <a:fillRect/>
-          </a:stretch>
-        </p:blipFill>
-        <p:spPr>
-          <a:xfrm>
-            <a:off x="4623942" y="4400151"/>
-            <a:ext cx="441194" cy="630277"/>
-          </a:xfrm>
-          <a:prstGeom prst="rect">
-            <a:avLst/>
-          </a:prstGeom>
-        </p:spPr>
-      </p:pic>
-      <p:pic>
-        <p:nvPicPr>
-          <p:cNvPr id="27" name="Picture 26"/>
-          <p:cNvPicPr>
-            <a:picLocks noChangeAspect="1"/>
-          </p:cNvPicPr>
-          <p:nvPr/>
-        </p:nvPicPr>
-        <p:blipFill>
-          <a:blip r:embed="rId9">
-            <a:extLst>
-              <a:ext uri="{28A0092B-C50C-407E-A947-70E740481C1C}">
-                <a14:useLocalDpi xmlns:a14="http://schemas.microsoft.com/office/drawing/2010/main" val="0"/>
-              </a:ext>
-            </a:extLst>
-          </a:blip>
-          <a:stretch>
-            <a:fillRect/>
-          </a:stretch>
-        </p:blipFill>
-        <p:spPr>
-          <a:xfrm>
-            <a:off x="4622012" y="5106844"/>
-            <a:ext cx="441194" cy="630277"/>
-          </a:xfrm>
-          <a:prstGeom prst="rect">
-            <a:avLst/>
-          </a:prstGeom>
-        </p:spPr>
-      </p:pic>
-      <p:pic>
-        <p:nvPicPr>
-          <p:cNvPr id="4" name="Picture 3"/>
+          <p:cNvPr id="5" name="Picture 4"/>
           <p:cNvPicPr>
             <a:picLocks noChangeAspect="1"/>
           </p:cNvPicPr>
@@ -3901,8 +3952,8 @@
         </p:blipFill>
         <p:spPr>
           <a:xfrm>
-            <a:off x="258932" y="2062881"/>
-            <a:ext cx="6155710" cy="630277"/>
+            <a:off x="258932" y="2876132"/>
+            <a:ext cx="1039958" cy="504222"/>
           </a:xfrm>
           <a:prstGeom prst="rect">
             <a:avLst/>
@@ -3911,13 +3962,13 @@
       </p:pic>
       <p:pic>
         <p:nvPicPr>
-          <p:cNvPr id="5" name="Picture 4"/>
+          <p:cNvPr id="13" name="Picture 12"/>
           <p:cNvPicPr>
             <a:picLocks noChangeAspect="1"/>
           </p:cNvPicPr>
           <p:nvPr/>
         </p:nvPicPr>
-        <p:blipFill>
+        <p:blipFill rotWithShape="1">
           <a:blip r:embed="rId11">
             <a:extLst>
               <a:ext uri="{28A0092B-C50C-407E-A947-70E740481C1C}">
@@ -3925,90 +3976,13 @@
               </a:ext>
             </a:extLst>
           </a:blip>
-          <a:stretch>
-            <a:fillRect/>
-          </a:stretch>
+          <a:srcRect l="36469"/>
+          <a:stretch/>
         </p:blipFill>
         <p:spPr>
           <a:xfrm>
-            <a:off x="258932" y="2876132"/>
-            <a:ext cx="1039958" cy="504222"/>
-          </a:xfrm>
-          <a:prstGeom prst="rect">
-            <a:avLst/>
-          </a:prstGeom>
-        </p:spPr>
-      </p:pic>
-      <p:sp>
-        <p:nvSpPr>
-          <p:cNvPr id="10" name="Rectangle 9"/>
-          <p:cNvSpPr/>
-          <p:nvPr/>
-        </p:nvSpPr>
-        <p:spPr>
-          <a:xfrm>
-            <a:off x="185298" y="3582776"/>
-            <a:ext cx="11676502" cy="2221171"/>
-          </a:xfrm>
-          <a:prstGeom prst="rect">
-            <a:avLst/>
-          </a:prstGeom>
-          <a:noFill/>
-          <a:ln>
-            <a:solidFill>
-              <a:schemeClr val="tx1"/>
-            </a:solidFill>
-          </a:ln>
-        </p:spPr>
-        <p:style>
-          <a:lnRef idx="2">
-            <a:schemeClr val="accent1">
-              <a:shade val="50000"/>
-            </a:schemeClr>
-          </a:lnRef>
-          <a:fillRef idx="1">
-            <a:schemeClr val="accent1"/>
-          </a:fillRef>
-          <a:effectRef idx="0">
-            <a:schemeClr val="accent1"/>
-          </a:effectRef>
-          <a:fontRef idx="minor">
-            <a:schemeClr val="lt1"/>
-          </a:fontRef>
-        </p:style>
-        <p:txBody>
-          <a:bodyPr rtlCol="0" anchor="ctr"/>
-          <a:lstStyle/>
-          <a:p>
-            <a:pPr algn="ctr"/>
-            <a:endParaRPr lang="en-US"/>
-          </a:p>
-        </p:txBody>
-      </p:sp>
-      <p:pic>
-        <p:nvPicPr>
-          <p:cNvPr id="13" name="Picture 12"/>
-          <p:cNvPicPr>
-            <a:picLocks noChangeAspect="1"/>
-          </p:cNvPicPr>
-          <p:nvPr/>
-        </p:nvPicPr>
-        <p:blipFill>
-          <a:blip r:embed="rId12">
-            <a:extLst>
-              <a:ext uri="{28A0092B-C50C-407E-A947-70E740481C1C}">
-                <a14:useLocalDpi xmlns:a14="http://schemas.microsoft.com/office/drawing/2010/main" val="0"/>
-              </a:ext>
-            </a:extLst>
-          </a:blip>
-          <a:stretch>
-            <a:fillRect/>
-          </a:stretch>
-        </p:blipFill>
-        <p:spPr>
-          <a:xfrm>
-            <a:off x="10604539" y="5003782"/>
-            <a:ext cx="1149092" cy="751743"/>
+            <a:off x="11023599" y="5003782"/>
+            <a:ext cx="730031" cy="751743"/>
           </a:xfrm>
           <a:prstGeom prst="rect">
             <a:avLst/>
@@ -4019,6 +3993,43 @@
     <p:extLst>
       <p:ext uri="{BB962C8B-B14F-4D97-AF65-F5344CB8AC3E}">
         <p14:creationId xmlns:p14="http://schemas.microsoft.com/office/powerpoint/2010/main" val="894908132"/>
+      </p:ext>
+    </p:extLst>
+  </p:cSld>
+  <p:clrMapOvr>
+    <a:masterClrMapping/>
+  </p:clrMapOvr>
+  <p:timing>
+    <p:tnLst>
+      <p:par>
+        <p:cTn id="1" dur="indefinite" restart="never" nodeType="tmRoot"/>
+      </p:par>
+    </p:tnLst>
+  </p:timing>
+</p:sld>
+</file>
+
+<file path=ppt/slides/slide12.xml><?xml version="1.0" encoding="utf-8"?>
+<p:sld xmlns:a="http://schemas.openxmlformats.org/drawingml/2006/main" xmlns:r="http://schemas.openxmlformats.org/officeDocument/2006/relationships" xmlns:p="http://schemas.openxmlformats.org/presentationml/2006/main">
+  <p:cSld>
+    <p:spTree>
+      <p:nvGrpSpPr>
+        <p:cNvPr id="1" name=""/>
+        <p:cNvGrpSpPr/>
+        <p:nvPr/>
+      </p:nvGrpSpPr>
+      <p:grpSpPr>
+        <a:xfrm>
+          <a:off x="0" y="0"/>
+          <a:ext cx="0" cy="0"/>
+          <a:chOff x="0" y="0"/>
+          <a:chExt cx="0" cy="0"/>
+        </a:xfrm>
+      </p:grpSpPr>
+    </p:spTree>
+    <p:extLst>
+      <p:ext uri="{BB962C8B-B14F-4D97-AF65-F5344CB8AC3E}">
+        <p14:creationId xmlns:p14="http://schemas.microsoft.com/office/powerpoint/2010/main" val="1817667012"/>
       </p:ext>
     </p:extLst>
   </p:cSld>
@@ -4421,8 +4432,8 @@
         </p:blipFill>
         <p:spPr>
           <a:xfrm>
-            <a:off x="2889162" y="2416697"/>
-            <a:ext cx="2701332" cy="1765344"/>
+            <a:off x="2881796" y="2379824"/>
+            <a:ext cx="2736456" cy="1788298"/>
           </a:xfrm>
           <a:prstGeom prst="rect">
             <a:avLst/>
@@ -4451,7 +4462,7 @@
         </p:blipFill>
         <p:spPr>
           <a:xfrm>
-            <a:off x="408304" y="2451048"/>
+            <a:off x="408304" y="2440888"/>
             <a:ext cx="1690695" cy="1143005"/>
           </a:xfrm>
           <a:prstGeom prst="rect">
@@ -4467,7 +4478,7 @@
         </p:nvSpPr>
         <p:spPr>
           <a:xfrm>
-            <a:off x="2222776" y="3180574"/>
+            <a:off x="2284119" y="2527880"/>
             <a:ext cx="542611" cy="371789"/>
           </a:xfrm>
           <a:prstGeom prst="rightArrow">
@@ -4515,7 +4526,7 @@
         </p:nvSpPr>
         <p:spPr>
           <a:xfrm>
-            <a:off x="5714271" y="3180573"/>
+            <a:off x="5714631" y="2527880"/>
             <a:ext cx="542611" cy="371789"/>
           </a:xfrm>
           <a:prstGeom prst="rightArrow">
@@ -4713,98 +4724,8 @@
         </p:blipFill>
         <p:spPr>
           <a:xfrm>
-            <a:off x="4592513" y="989003"/>
-            <a:ext cx="829902" cy="609460"/>
-          </a:xfrm>
-          <a:prstGeom prst="rect">
-            <a:avLst/>
-          </a:prstGeom>
-        </p:spPr>
-      </p:pic>
-      <p:pic>
-        <p:nvPicPr>
-          <p:cNvPr id="17" name="Picture 16"/>
-          <p:cNvPicPr>
-            <a:picLocks noChangeAspect="1"/>
-          </p:cNvPicPr>
-          <p:nvPr/>
-        </p:nvPicPr>
-        <p:blipFill>
-          <a:blip r:embed="rId6">
-            <a:extLst>
-              <a:ext uri="{28A0092B-C50C-407E-A947-70E740481C1C}">
-                <a14:useLocalDpi xmlns:a14="http://schemas.microsoft.com/office/drawing/2010/main" val="0"/>
-              </a:ext>
-            </a:extLst>
-          </a:blip>
-          <a:stretch>
-            <a:fillRect/>
-          </a:stretch>
-        </p:blipFill>
-        <p:spPr>
-          <a:xfrm>
-            <a:off x="8245576" y="5396659"/>
-            <a:ext cx="823418" cy="609459"/>
-          </a:xfrm>
-          <a:prstGeom prst="rect">
-            <a:avLst/>
-          </a:prstGeom>
-        </p:spPr>
-      </p:pic>
-      <p:pic>
-        <p:nvPicPr>
-          <p:cNvPr id="18" name="Picture 17"/>
-          <p:cNvPicPr>
-            <a:picLocks noChangeAspect="1"/>
-          </p:cNvPicPr>
-          <p:nvPr/>
-        </p:nvPicPr>
-        <p:blipFill>
-          <a:blip r:embed="rId7">
-            <a:extLst>
-              <a:ext uri="{28A0092B-C50C-407E-A947-70E740481C1C}">
-                <a14:useLocalDpi xmlns:a14="http://schemas.microsoft.com/office/drawing/2010/main" val="0"/>
-              </a:ext>
-            </a:extLst>
-          </a:blip>
-          <a:stretch>
-            <a:fillRect/>
-          </a:stretch>
-        </p:blipFill>
-        <p:spPr>
-          <a:xfrm>
-            <a:off x="5620474" y="5396659"/>
-            <a:ext cx="1141116" cy="609460"/>
-          </a:xfrm>
-          <a:prstGeom prst="rect">
-            <a:avLst/>
-          </a:prstGeom>
-        </p:spPr>
-      </p:pic>
-      <p:pic>
-        <p:nvPicPr>
-          <p:cNvPr id="19" name="Picture 18"/>
-          <p:cNvPicPr>
-            <a:picLocks noChangeAspect="1"/>
-          </p:cNvPicPr>
-          <p:nvPr/>
-        </p:nvPicPr>
-        <p:blipFill>
-          <a:blip r:embed="rId8">
-            <a:extLst>
-              <a:ext uri="{28A0092B-C50C-407E-A947-70E740481C1C}">
-                <a14:useLocalDpi xmlns:a14="http://schemas.microsoft.com/office/drawing/2010/main" val="0"/>
-              </a:ext>
-            </a:extLst>
-          </a:blip>
-          <a:stretch>
-            <a:fillRect/>
-          </a:stretch>
-        </p:blipFill>
-        <p:spPr>
-          <a:xfrm>
-            <a:off x="7088632" y="5404170"/>
-            <a:ext cx="829902" cy="609460"/>
+            <a:off x="4592513" y="990189"/>
+            <a:ext cx="829902" cy="607087"/>
           </a:xfrm>
           <a:prstGeom prst="rect">
             <a:avLst/>
@@ -6632,7 +6553,7 @@
         </p:blipFill>
         <p:spPr>
           <a:xfrm>
-            <a:off x="1875473" y="3144775"/>
+            <a:off x="1855153" y="3144775"/>
             <a:ext cx="8484243" cy="2179110"/>
           </a:xfrm>
           <a:prstGeom prst="rect">
@@ -6662,7 +6583,7 @@
         </p:blipFill>
         <p:spPr>
           <a:xfrm>
-            <a:off x="4640683" y="872615"/>
+            <a:off x="4620363" y="872615"/>
             <a:ext cx="972767" cy="720000"/>
           </a:xfrm>
           <a:prstGeom prst="rect">
@@ -6692,7 +6613,7 @@
         </p:blipFill>
         <p:spPr>
           <a:xfrm>
-            <a:off x="2788732" y="872616"/>
+            <a:off x="2768412" y="872616"/>
             <a:ext cx="1348086" cy="720000"/>
           </a:xfrm>
           <a:prstGeom prst="rect">
@@ -6709,13 +6630,13 @@
           <p:nvPr>
             <p:extLst>
               <p:ext uri="{D42A27DB-BD31-4B8C-83A1-F6EECF244321}">
-                <p14:modId xmlns:p14="http://schemas.microsoft.com/office/powerpoint/2010/main" val="965638431"/>
+                <p14:modId xmlns:p14="http://schemas.microsoft.com/office/powerpoint/2010/main" val="669419209"/>
               </p:ext>
             </p:extLst>
           </p:nvPr>
         </p:nvGraphicFramePr>
         <p:xfrm>
-          <a:off x="1875472" y="2844713"/>
+          <a:off x="1855152" y="2844713"/>
           <a:ext cx="8484244" cy="2456492"/>
         </p:xfrm>
         <a:graphic>
@@ -6846,7 +6767,7 @@
         </p:blipFill>
         <p:spPr>
           <a:xfrm>
-            <a:off x="2788732" y="1737490"/>
+            <a:off x="2768412" y="1737490"/>
             <a:ext cx="1742553" cy="720000"/>
           </a:xfrm>
           <a:prstGeom prst="rect">
@@ -6867,7 +6788,7 @@
         </p:nvSpPr>
         <p:spPr>
           <a:xfrm>
-            <a:off x="1968070" y="1084544"/>
+            <a:off x="1947750" y="1084544"/>
             <a:ext cx="972273" cy="369332"/>
           </a:xfrm>
           <a:prstGeom prst="rect">
@@ -6896,8 +6817,8 @@
         </p:nvSpPr>
         <p:spPr>
           <a:xfrm>
-            <a:off x="2" y="3326136"/>
-            <a:ext cx="1615040" cy="923330"/>
+            <a:off x="12139" y="3186475"/>
+            <a:ext cx="1615040" cy="1200329"/>
           </a:xfrm>
           <a:prstGeom prst="rect">
             <a:avLst/>
@@ -6917,7 +6838,7 @@
                   <a:srgbClr val="8A8C8F"/>
                 </a:solidFill>
               </a:rPr>
-              <a:t>combination of </a:t>
+              <a:t>weighted combination of </a:t>
             </a:r>
             <a:r>
               <a:rPr lang="en-US" b="1">
@@ -6951,8 +6872,8 @@
         </p:nvSpPr>
         <p:spPr>
           <a:xfrm>
-            <a:off x="10620146" y="3326136"/>
-            <a:ext cx="1606579" cy="923330"/>
+            <a:off x="10536166" y="3182710"/>
+            <a:ext cx="1676656" cy="1200329"/>
           </a:xfrm>
           <a:prstGeom prst="rect">
             <a:avLst/>
@@ -6972,11 +6893,8 @@
                   <a:srgbClr val="8A8C8F"/>
                 </a:solidFill>
               </a:rPr>
-              <a:t>combination of</a:t>
-            </a:r>
-          </a:p>
-          <a:p>
-            <a:pPr algn="ctr"/>
+              <a:t>weighted combination of </a:t>
+            </a:r>
             <a:r>
               <a:rPr lang="en-US" b="1">
                 <a:solidFill>
@@ -6996,7 +6914,7 @@
         </p:nvSpPr>
         <p:spPr>
           <a:xfrm>
-            <a:off x="1580317" y="3188797"/>
+            <a:off x="1559997" y="3188797"/>
             <a:ext cx="196770" cy="1198008"/>
           </a:xfrm>
           <a:prstGeom prst="leftBrace">
@@ -7039,7 +6957,7 @@
         </p:nvSpPr>
         <p:spPr>
           <a:xfrm flipH="1">
-            <a:off x="10458101" y="3188797"/>
+            <a:off x="10437781" y="3188797"/>
             <a:ext cx="196770" cy="1198008"/>
           </a:xfrm>
           <a:prstGeom prst="leftBrace">
@@ -7096,7 +7014,7 @@
         </p:blipFill>
         <p:spPr>
           <a:xfrm>
-            <a:off x="3260912" y="3941974"/>
+            <a:off x="3240592" y="3941974"/>
             <a:ext cx="201863" cy="396109"/>
           </a:xfrm>
           <a:prstGeom prst="rect">
@@ -7126,7 +7044,7 @@
         </p:blipFill>
         <p:spPr>
           <a:xfrm>
-            <a:off x="2252343" y="3953402"/>
+            <a:off x="2232023" y="3953402"/>
             <a:ext cx="403725" cy="384681"/>
           </a:xfrm>
           <a:prstGeom prst="rect">
@@ -7156,7 +7074,7 @@
         </p:blipFill>
         <p:spPr>
           <a:xfrm>
-            <a:off x="5832876" y="5277586"/>
+            <a:off x="5812556" y="5277586"/>
             <a:ext cx="202044" cy="420253"/>
           </a:xfrm>
           <a:prstGeom prst="rect">
@@ -7172,7 +7090,7 @@
         </p:nvSpPr>
         <p:spPr>
           <a:xfrm>
-            <a:off x="6513509" y="4268634"/>
+            <a:off x="6493189" y="4268634"/>
             <a:ext cx="494528" cy="338843"/>
           </a:xfrm>
           <a:prstGeom prst="rightArrow">
@@ -7234,7 +7152,7 @@
         </p:blipFill>
         <p:spPr>
           <a:xfrm>
-            <a:off x="4594569" y="1744912"/>
+            <a:off x="4574249" y="1744912"/>
             <a:ext cx="532497" cy="469851"/>
           </a:xfrm>
           <a:prstGeom prst="rect">

--- a/ppt/medium.pptx
+++ b/ppt/medium.pptx
@@ -15,8 +15,11 @@
     <p:sldId id="264" r:id="rId9"/>
     <p:sldId id="265" r:id="rId10"/>
     <p:sldId id="266" r:id="rId11"/>
-    <p:sldId id="269" r:id="rId12"/>
-    <p:sldId id="270" r:id="rId13"/>
+    <p:sldId id="271" r:id="rId12"/>
+    <p:sldId id="269" r:id="rId13"/>
+    <p:sldId id="270" r:id="rId14"/>
+    <p:sldId id="274" r:id="rId15"/>
+    <p:sldId id="276" r:id="rId16"/>
   </p:sldIdLst>
   <p:sldSz cx="12192000" cy="6858000"/>
   <p:notesSz cx="6858000" cy="9144000"/>
@@ -3584,6 +3587,140 @@
           <a:chExt cx="0" cy="0"/>
         </a:xfrm>
       </p:grpSpPr>
+      <p:pic>
+        <p:nvPicPr>
+          <p:cNvPr id="3" name="Picture 2"/>
+          <p:cNvPicPr>
+            <a:picLocks noChangeAspect="1"/>
+          </p:cNvPicPr>
+          <p:nvPr/>
+        </p:nvPicPr>
+        <p:blipFill>
+          <a:blip r:embed="rId2">
+            <a:extLst>
+              <a:ext uri="{28A0092B-C50C-407E-A947-70E740481C1C}">
+                <a14:useLocalDpi xmlns:a14="http://schemas.microsoft.com/office/drawing/2010/main" val="0"/>
+              </a:ext>
+            </a:extLst>
+          </a:blip>
+          <a:stretch>
+            <a:fillRect/>
+          </a:stretch>
+        </p:blipFill>
+        <p:spPr>
+          <a:xfrm>
+            <a:off x="2783840" y="2536201"/>
+            <a:ext cx="5374640" cy="1355079"/>
+          </a:xfrm>
+          <a:prstGeom prst="rect">
+            <a:avLst/>
+          </a:prstGeom>
+        </p:spPr>
+      </p:pic>
+      <p:sp>
+        <p:nvSpPr>
+          <p:cNvPr id="4" name="Left Brace 3"/>
+          <p:cNvSpPr/>
+          <p:nvPr/>
+        </p:nvSpPr>
+        <p:spPr>
+          <a:xfrm>
+            <a:off x="2722880" y="3119120"/>
+            <a:ext cx="121920" cy="782320"/>
+          </a:xfrm>
+          <a:prstGeom prst="leftBrace">
+            <a:avLst/>
+          </a:prstGeom>
+        </p:spPr>
+        <p:style>
+          <a:lnRef idx="1">
+            <a:schemeClr val="dk1"/>
+          </a:lnRef>
+          <a:fillRef idx="0">
+            <a:schemeClr val="dk1"/>
+          </a:fillRef>
+          <a:effectRef idx="0">
+            <a:schemeClr val="dk1"/>
+          </a:effectRef>
+          <a:fontRef idx="minor">
+            <a:schemeClr val="tx1"/>
+          </a:fontRef>
+        </p:style>
+        <p:txBody>
+          <a:bodyPr rtlCol="0" anchor="ctr"/>
+          <a:lstStyle/>
+          <a:p>
+            <a:pPr algn="ctr"/>
+            <a:endParaRPr lang="en-US"/>
+          </a:p>
+        </p:txBody>
+      </p:sp>
+      <p:pic>
+        <p:nvPicPr>
+          <p:cNvPr id="5" name="Picture 4"/>
+          <p:cNvPicPr>
+            <a:picLocks noChangeAspect="1"/>
+          </p:cNvPicPr>
+          <p:nvPr/>
+        </p:nvPicPr>
+        <p:blipFill rotWithShape="1">
+          <a:blip r:embed="rId3">
+            <a:extLst>
+              <a:ext uri="{28A0092B-C50C-407E-A947-70E740481C1C}">
+                <a14:useLocalDpi xmlns:a14="http://schemas.microsoft.com/office/drawing/2010/main" val="0"/>
+              </a:ext>
+            </a:extLst>
+          </a:blip>
+          <a:srcRect l="2418" t="46469" r="91193" b="28051"/>
+          <a:stretch/>
+        </p:blipFill>
+        <p:spPr>
+          <a:xfrm>
+            <a:off x="2357120" y="3315727"/>
+            <a:ext cx="375920" cy="355600"/>
+          </a:xfrm>
+          <a:prstGeom prst="rect">
+            <a:avLst/>
+          </a:prstGeom>
+        </p:spPr>
+      </p:pic>
+    </p:spTree>
+    <p:extLst>
+      <p:ext uri="{BB962C8B-B14F-4D97-AF65-F5344CB8AC3E}">
+        <p14:creationId xmlns:p14="http://schemas.microsoft.com/office/powerpoint/2010/main" val="404288780"/>
+      </p:ext>
+    </p:extLst>
+  </p:cSld>
+  <p:clrMapOvr>
+    <a:masterClrMapping/>
+  </p:clrMapOvr>
+  <p:timing>
+    <p:tnLst>
+      <p:par>
+        <p:cTn id="1" dur="indefinite" restart="never" nodeType="tmRoot"/>
+      </p:par>
+    </p:tnLst>
+  </p:timing>
+</p:sld>
+</file>
+
+<file path=ppt/slides/slide12.xml><?xml version="1.0" encoding="utf-8"?>
+<p:sld xmlns:a="http://schemas.openxmlformats.org/drawingml/2006/main" xmlns:r="http://schemas.openxmlformats.org/officeDocument/2006/relationships" xmlns:p="http://schemas.openxmlformats.org/presentationml/2006/main">
+  <p:cSld>
+    <p:spTree>
+      <p:nvGrpSpPr>
+        <p:cNvPr id="1" name=""/>
+        <p:cNvGrpSpPr/>
+        <p:nvPr/>
+      </p:nvGrpSpPr>
+      <p:grpSpPr>
+        <a:xfrm>
+          <a:off x="0" y="0"/>
+          <a:ext cx="0" cy="0"/>
+          <a:chOff x="0" y="0"/>
+          <a:chExt cx="0" cy="0"/>
+        </a:xfrm>
+      </p:grpSpPr>
       <p:graphicFrame>
         <p:nvGraphicFramePr>
           <p:cNvPr id="14" name="Table 13"/>
@@ -4009,7 +4146,7 @@
 </p:sld>
 </file>
 
-<file path=ppt/slides/slide12.xml><?xml version="1.0" encoding="utf-8"?>
+<file path=ppt/slides/slide13.xml><?xml version="1.0" encoding="utf-8"?>
 <p:sld xmlns:a="http://schemas.openxmlformats.org/drawingml/2006/main" xmlns:r="http://schemas.openxmlformats.org/officeDocument/2006/relationships" xmlns:p="http://schemas.openxmlformats.org/presentationml/2006/main">
   <p:cSld>
     <p:spTree>
@@ -4026,10 +4163,2928 @@
           <a:chExt cx="0" cy="0"/>
         </a:xfrm>
       </p:grpSpPr>
+      <p:pic>
+        <p:nvPicPr>
+          <p:cNvPr id="22" name="Picture 21"/>
+          <p:cNvPicPr>
+            <a:picLocks noChangeAspect="1"/>
+          </p:cNvPicPr>
+          <p:nvPr/>
+        </p:nvPicPr>
+        <p:blipFill>
+          <a:blip r:embed="rId2">
+            <a:extLst>
+              <a:ext uri="{28A0092B-C50C-407E-A947-70E740481C1C}">
+                <a14:useLocalDpi xmlns:a14="http://schemas.microsoft.com/office/drawing/2010/main" val="0"/>
+              </a:ext>
+            </a:extLst>
+          </a:blip>
+          <a:stretch>
+            <a:fillRect/>
+          </a:stretch>
+        </p:blipFill>
+        <p:spPr>
+          <a:xfrm>
+            <a:off x="802294" y="1219200"/>
+            <a:ext cx="4363646" cy="4116513"/>
+          </a:xfrm>
+          <a:prstGeom prst="rect">
+            <a:avLst/>
+          </a:prstGeom>
+        </p:spPr>
+      </p:pic>
+      <p:pic>
+        <p:nvPicPr>
+          <p:cNvPr id="4" name="Picture 3"/>
+          <p:cNvPicPr>
+            <a:picLocks noChangeAspect="1"/>
+          </p:cNvPicPr>
+          <p:nvPr/>
+        </p:nvPicPr>
+        <p:blipFill>
+          <a:blip r:embed="rId3">
+            <a:extLst>
+              <a:ext uri="{28A0092B-C50C-407E-A947-70E740481C1C}">
+                <a14:useLocalDpi xmlns:a14="http://schemas.microsoft.com/office/drawing/2010/main" val="0"/>
+              </a:ext>
+            </a:extLst>
+          </a:blip>
+          <a:stretch>
+            <a:fillRect/>
+          </a:stretch>
+        </p:blipFill>
+        <p:spPr>
+          <a:xfrm>
+            <a:off x="6330411" y="1241233"/>
+            <a:ext cx="4305365" cy="4114800"/>
+          </a:xfrm>
+          <a:prstGeom prst="rect">
+            <a:avLst/>
+          </a:prstGeom>
+        </p:spPr>
+      </p:pic>
+      <p:pic>
+        <p:nvPicPr>
+          <p:cNvPr id="5" name="Picture 4"/>
+          <p:cNvPicPr>
+            <a:picLocks noChangeAspect="1"/>
+          </p:cNvPicPr>
+          <p:nvPr/>
+        </p:nvPicPr>
+        <p:blipFill>
+          <a:blip r:embed="rId4">
+            <a:extLst>
+              <a:ext uri="{28A0092B-C50C-407E-A947-70E740481C1C}">
+                <a14:useLocalDpi xmlns:a14="http://schemas.microsoft.com/office/drawing/2010/main" val="0"/>
+              </a:ext>
+            </a:extLst>
+          </a:blip>
+          <a:stretch>
+            <a:fillRect/>
+          </a:stretch>
+        </p:blipFill>
+        <p:spPr>
+          <a:xfrm>
+            <a:off x="2705984" y="2834868"/>
+            <a:ext cx="495306" cy="365760"/>
+          </a:xfrm>
+          <a:prstGeom prst="rect">
+            <a:avLst/>
+          </a:prstGeom>
+        </p:spPr>
+      </p:pic>
+      <p:pic>
+        <p:nvPicPr>
+          <p:cNvPr id="6" name="Picture 5"/>
+          <p:cNvPicPr>
+            <a:picLocks noChangeAspect="1"/>
+          </p:cNvPicPr>
+          <p:nvPr/>
+        </p:nvPicPr>
+        <p:blipFill>
+          <a:blip r:embed="rId5">
+            <a:extLst>
+              <a:ext uri="{28A0092B-C50C-407E-A947-70E740481C1C}">
+                <a14:useLocalDpi xmlns:a14="http://schemas.microsoft.com/office/drawing/2010/main" val="0"/>
+              </a:ext>
+            </a:extLst>
+          </a:blip>
+          <a:stretch>
+            <a:fillRect/>
+          </a:stretch>
+        </p:blipFill>
+        <p:spPr>
+          <a:xfrm>
+            <a:off x="9289742" y="2858623"/>
+            <a:ext cx="495306" cy="362325"/>
+          </a:xfrm>
+          <a:prstGeom prst="rect">
+            <a:avLst/>
+          </a:prstGeom>
+        </p:spPr>
+      </p:pic>
+      <p:pic>
+        <p:nvPicPr>
+          <p:cNvPr id="7" name="Picture 6"/>
+          <p:cNvPicPr>
+            <a:picLocks noChangeAspect="1"/>
+          </p:cNvPicPr>
+          <p:nvPr/>
+        </p:nvPicPr>
+        <p:blipFill>
+          <a:blip r:embed="rId6">
+            <a:extLst>
+              <a:ext uri="{28A0092B-C50C-407E-A947-70E740481C1C}">
+                <a14:useLocalDpi xmlns:a14="http://schemas.microsoft.com/office/drawing/2010/main" val="0"/>
+              </a:ext>
+            </a:extLst>
+          </a:blip>
+          <a:stretch>
+            <a:fillRect/>
+          </a:stretch>
+        </p:blipFill>
+        <p:spPr>
+          <a:xfrm>
+            <a:off x="1560594" y="1323627"/>
+            <a:ext cx="204372" cy="279667"/>
+          </a:xfrm>
+          <a:prstGeom prst="rect">
+            <a:avLst/>
+          </a:prstGeom>
+        </p:spPr>
+      </p:pic>
+      <p:pic>
+        <p:nvPicPr>
+          <p:cNvPr id="8" name="Picture 7"/>
+          <p:cNvPicPr>
+            <a:picLocks noChangeAspect="1"/>
+          </p:cNvPicPr>
+          <p:nvPr/>
+        </p:nvPicPr>
+        <p:blipFill>
+          <a:blip r:embed="rId7">
+            <a:extLst>
+              <a:ext uri="{28A0092B-C50C-407E-A947-70E740481C1C}">
+                <a14:useLocalDpi xmlns:a14="http://schemas.microsoft.com/office/drawing/2010/main" val="0"/>
+              </a:ext>
+            </a:extLst>
+          </a:blip>
+          <a:stretch>
+            <a:fillRect/>
+          </a:stretch>
+        </p:blipFill>
+        <p:spPr>
+          <a:xfrm>
+            <a:off x="4343312" y="4106883"/>
+            <a:ext cx="204372" cy="279667"/>
+          </a:xfrm>
+          <a:prstGeom prst="rect">
+            <a:avLst/>
+          </a:prstGeom>
+        </p:spPr>
+      </p:pic>
+      <p:pic>
+        <p:nvPicPr>
+          <p:cNvPr id="9" name="Picture 8"/>
+          <p:cNvPicPr>
+            <a:picLocks noChangeAspect="1"/>
+          </p:cNvPicPr>
+          <p:nvPr/>
+        </p:nvPicPr>
+        <p:blipFill>
+          <a:blip r:embed="rId8">
+            <a:extLst>
+              <a:ext uri="{28A0092B-C50C-407E-A947-70E740481C1C}">
+                <a14:useLocalDpi xmlns:a14="http://schemas.microsoft.com/office/drawing/2010/main" val="0"/>
+              </a:ext>
+            </a:extLst>
+          </a:blip>
+          <a:stretch>
+            <a:fillRect/>
+          </a:stretch>
+        </p:blipFill>
+        <p:spPr>
+          <a:xfrm>
+            <a:off x="7088220" y="1323627"/>
+            <a:ext cx="224101" cy="280800"/>
+          </a:xfrm>
+          <a:prstGeom prst="rect">
+            <a:avLst/>
+          </a:prstGeom>
+        </p:spPr>
+      </p:pic>
+      <p:pic>
+        <p:nvPicPr>
+          <p:cNvPr id="10" name="Picture 9"/>
+          <p:cNvPicPr>
+            <a:picLocks noChangeAspect="1"/>
+          </p:cNvPicPr>
+          <p:nvPr/>
+        </p:nvPicPr>
+        <p:blipFill>
+          <a:blip r:embed="rId9">
+            <a:extLst>
+              <a:ext uri="{28A0092B-C50C-407E-A947-70E740481C1C}">
+                <a14:useLocalDpi xmlns:a14="http://schemas.microsoft.com/office/drawing/2010/main" val="0"/>
+              </a:ext>
+            </a:extLst>
+          </a:blip>
+          <a:stretch>
+            <a:fillRect/>
+          </a:stretch>
+        </p:blipFill>
+        <p:spPr>
+          <a:xfrm>
+            <a:off x="9875807" y="4106883"/>
+            <a:ext cx="224101" cy="280800"/>
+          </a:xfrm>
+          <a:prstGeom prst="rect">
+            <a:avLst/>
+          </a:prstGeom>
+        </p:spPr>
+      </p:pic>
+      <p:pic>
+        <p:nvPicPr>
+          <p:cNvPr id="11" name="Picture 10"/>
+          <p:cNvPicPr>
+            <a:picLocks noChangeAspect="1"/>
+          </p:cNvPicPr>
+          <p:nvPr/>
+        </p:nvPicPr>
+        <p:blipFill>
+          <a:blip r:embed="rId10">
+            <a:extLst>
+              <a:ext uri="{28A0092B-C50C-407E-A947-70E740481C1C}">
+                <a14:useLocalDpi xmlns:a14="http://schemas.microsoft.com/office/drawing/2010/main" val="0"/>
+              </a:ext>
+            </a:extLst>
+          </a:blip>
+          <a:stretch>
+            <a:fillRect/>
+          </a:stretch>
+        </p:blipFill>
+        <p:spPr>
+          <a:xfrm>
+            <a:off x="816179" y="5367307"/>
+            <a:ext cx="1473214" cy="995976"/>
+          </a:xfrm>
+          <a:prstGeom prst="rect">
+            <a:avLst/>
+          </a:prstGeom>
+        </p:spPr>
+      </p:pic>
+      <p:pic>
+        <p:nvPicPr>
+          <p:cNvPr id="12" name="Picture 11"/>
+          <p:cNvPicPr>
+            <a:picLocks noChangeAspect="1"/>
+          </p:cNvPicPr>
+          <p:nvPr/>
+        </p:nvPicPr>
+        <p:blipFill>
+          <a:blip r:embed="rId11">
+            <a:extLst>
+              <a:ext uri="{28A0092B-C50C-407E-A947-70E740481C1C}">
+                <a14:useLocalDpi xmlns:a14="http://schemas.microsoft.com/office/drawing/2010/main" val="0"/>
+              </a:ext>
+            </a:extLst>
+          </a:blip>
+          <a:stretch>
+            <a:fillRect/>
+          </a:stretch>
+        </p:blipFill>
+        <p:spPr>
+          <a:xfrm>
+            <a:off x="6361575" y="5367307"/>
+            <a:ext cx="1473214" cy="982143"/>
+          </a:xfrm>
+          <a:prstGeom prst="rect">
+            <a:avLst/>
+          </a:prstGeom>
+        </p:spPr>
+      </p:pic>
+      <p:sp>
+        <p:nvSpPr>
+          <p:cNvPr id="13" name="TextBox 12"/>
+          <p:cNvSpPr txBox="1"/>
+          <p:nvPr/>
+        </p:nvSpPr>
+        <p:spPr>
+          <a:xfrm>
+            <a:off x="2048159" y="5078214"/>
+            <a:ext cx="1319336" cy="369332"/>
+          </a:xfrm>
+          <a:prstGeom prst="rect">
+            <a:avLst/>
+          </a:prstGeom>
+          <a:noFill/>
+        </p:spPr>
+        <p:txBody>
+          <a:bodyPr wrap="none" rtlCol="0">
+            <a:spAutoFit/>
+          </a:bodyPr>
+          <a:lstStyle/>
+          <a:p>
+            <a:pPr algn="ctr"/>
+            <a:r>
+              <a:rPr lang="en-US" b="1"/>
+              <a:t>Primal form</a:t>
+            </a:r>
+          </a:p>
+        </p:txBody>
+      </p:sp>
+      <p:sp>
+        <p:nvSpPr>
+          <p:cNvPr id="14" name="TextBox 13"/>
+          <p:cNvSpPr txBox="1"/>
+          <p:nvPr/>
+        </p:nvSpPr>
+        <p:spPr>
+          <a:xfrm>
+            <a:off x="7818539" y="5078214"/>
+            <a:ext cx="1139799" cy="369332"/>
+          </a:xfrm>
+          <a:prstGeom prst="rect">
+            <a:avLst/>
+          </a:prstGeom>
+          <a:noFill/>
+        </p:spPr>
+        <p:txBody>
+          <a:bodyPr wrap="none" rtlCol="0">
+            <a:spAutoFit/>
+          </a:bodyPr>
+          <a:lstStyle/>
+          <a:p>
+            <a:pPr algn="ctr"/>
+            <a:r>
+              <a:rPr lang="en-US" b="1"/>
+              <a:t>Dual form</a:t>
+            </a:r>
+          </a:p>
+        </p:txBody>
+      </p:sp>
+      <p:pic>
+        <p:nvPicPr>
+          <p:cNvPr id="15" name="Picture 14"/>
+          <p:cNvPicPr>
+            <a:picLocks noChangeAspect="1"/>
+          </p:cNvPicPr>
+          <p:nvPr/>
+        </p:nvPicPr>
+        <p:blipFill>
+          <a:blip r:embed="rId12">
+            <a:extLst>
+              <a:ext uri="{28A0092B-C50C-407E-A947-70E740481C1C}">
+                <a14:useLocalDpi xmlns:a14="http://schemas.microsoft.com/office/drawing/2010/main" val="0"/>
+              </a:ext>
+            </a:extLst>
+          </a:blip>
+          <a:stretch>
+            <a:fillRect/>
+          </a:stretch>
+        </p:blipFill>
+        <p:spPr>
+          <a:xfrm>
+            <a:off x="6642187" y="146347"/>
+            <a:ext cx="826851" cy="612000"/>
+          </a:xfrm>
+          <a:prstGeom prst="rect">
+            <a:avLst/>
+          </a:prstGeom>
+        </p:spPr>
+      </p:pic>
+      <p:pic>
+        <p:nvPicPr>
+          <p:cNvPr id="16" name="Picture 15"/>
+          <p:cNvPicPr>
+            <a:picLocks noChangeAspect="1"/>
+          </p:cNvPicPr>
+          <p:nvPr/>
+        </p:nvPicPr>
+        <p:blipFill>
+          <a:blip r:embed="rId13">
+            <a:extLst>
+              <a:ext uri="{28A0092B-C50C-407E-A947-70E740481C1C}">
+                <a14:useLocalDpi xmlns:a14="http://schemas.microsoft.com/office/drawing/2010/main" val="0"/>
+              </a:ext>
+            </a:extLst>
+          </a:blip>
+          <a:stretch>
+            <a:fillRect/>
+          </a:stretch>
+        </p:blipFill>
+        <p:spPr>
+          <a:xfrm>
+            <a:off x="3628526" y="146346"/>
+            <a:ext cx="1145872" cy="612000"/>
+          </a:xfrm>
+          <a:prstGeom prst="rect">
+            <a:avLst/>
+          </a:prstGeom>
+        </p:spPr>
+      </p:pic>
+      <p:pic>
+        <p:nvPicPr>
+          <p:cNvPr id="17" name="Picture 16"/>
+          <p:cNvPicPr>
+            <a:picLocks noChangeAspect="1"/>
+          </p:cNvPicPr>
+          <p:nvPr/>
+        </p:nvPicPr>
+        <p:blipFill>
+          <a:blip r:embed="rId14">
+            <a:extLst>
+              <a:ext uri="{28A0092B-C50C-407E-A947-70E740481C1C}">
+                <a14:useLocalDpi xmlns:a14="http://schemas.microsoft.com/office/drawing/2010/main" val="0"/>
+              </a:ext>
+            </a:extLst>
+          </a:blip>
+          <a:stretch>
+            <a:fillRect/>
+          </a:stretch>
+        </p:blipFill>
+        <p:spPr>
+          <a:xfrm>
+            <a:off x="5290963" y="147533"/>
+            <a:ext cx="836618" cy="612000"/>
+          </a:xfrm>
+          <a:prstGeom prst="rect">
+            <a:avLst/>
+          </a:prstGeom>
+        </p:spPr>
+      </p:pic>
+      <p:pic>
+        <p:nvPicPr>
+          <p:cNvPr id="23" name="Picture 22"/>
+          <p:cNvPicPr>
+            <a:picLocks noChangeAspect="1"/>
+          </p:cNvPicPr>
+          <p:nvPr/>
+        </p:nvPicPr>
+        <p:blipFill>
+          <a:blip r:embed="rId15">
+            <a:extLst>
+              <a:ext uri="{28A0092B-C50C-407E-A947-70E740481C1C}">
+                <a14:useLocalDpi xmlns:a14="http://schemas.microsoft.com/office/drawing/2010/main" val="0"/>
+              </a:ext>
+            </a:extLst>
+          </a:blip>
+          <a:stretch>
+            <a:fillRect/>
+          </a:stretch>
+        </p:blipFill>
+        <p:spPr>
+          <a:xfrm rot="3845175">
+            <a:off x="1892464" y="4093106"/>
+            <a:ext cx="737584" cy="206206"/>
+          </a:xfrm>
+          <a:prstGeom prst="rect">
+            <a:avLst/>
+          </a:prstGeom>
+        </p:spPr>
+      </p:pic>
+      <p:pic>
+        <p:nvPicPr>
+          <p:cNvPr id="24" name="Picture 23"/>
+          <p:cNvPicPr>
+            <a:picLocks noChangeAspect="1"/>
+          </p:cNvPicPr>
+          <p:nvPr/>
+        </p:nvPicPr>
+        <p:blipFill>
+          <a:blip r:embed="rId16">
+            <a:extLst>
+              <a:ext uri="{28A0092B-C50C-407E-A947-70E740481C1C}">
+                <a14:useLocalDpi xmlns:a14="http://schemas.microsoft.com/office/drawing/2010/main" val="0"/>
+              </a:ext>
+            </a:extLst>
+          </a:blip>
+          <a:stretch>
+            <a:fillRect/>
+          </a:stretch>
+        </p:blipFill>
+        <p:spPr>
+          <a:xfrm rot="900000">
+            <a:off x="1311521" y="3535472"/>
+            <a:ext cx="702518" cy="196402"/>
+          </a:xfrm>
+          <a:prstGeom prst="rect">
+            <a:avLst/>
+          </a:prstGeom>
+        </p:spPr>
+      </p:pic>
+      <p:pic>
+        <p:nvPicPr>
+          <p:cNvPr id="25" name="Picture 24"/>
+          <p:cNvPicPr>
+            <a:picLocks noChangeAspect="1"/>
+          </p:cNvPicPr>
+          <p:nvPr/>
+        </p:nvPicPr>
+        <p:blipFill>
+          <a:blip r:embed="rId17">
+            <a:extLst>
+              <a:ext uri="{28A0092B-C50C-407E-A947-70E740481C1C}">
+                <a14:useLocalDpi xmlns:a14="http://schemas.microsoft.com/office/drawing/2010/main" val="0"/>
+              </a:ext>
+            </a:extLst>
+          </a:blip>
+          <a:stretch>
+            <a:fillRect/>
+          </a:stretch>
+        </p:blipFill>
+        <p:spPr>
+          <a:xfrm rot="16200000">
+            <a:off x="1324223" y="3909160"/>
+            <a:ext cx="377696" cy="196402"/>
+          </a:xfrm>
+          <a:prstGeom prst="rect">
+            <a:avLst/>
+          </a:prstGeom>
+        </p:spPr>
+      </p:pic>
+      <p:pic>
+        <p:nvPicPr>
+          <p:cNvPr id="26" name="Picture 25"/>
+          <p:cNvPicPr>
+            <a:picLocks noChangeAspect="1"/>
+          </p:cNvPicPr>
+          <p:nvPr/>
+        </p:nvPicPr>
+        <p:blipFill>
+          <a:blip r:embed="rId18">
+            <a:extLst>
+              <a:ext uri="{28A0092B-C50C-407E-A947-70E740481C1C}">
+                <a14:useLocalDpi xmlns:a14="http://schemas.microsoft.com/office/drawing/2010/main" val="0"/>
+              </a:ext>
+            </a:extLst>
+          </a:blip>
+          <a:stretch>
+            <a:fillRect/>
+          </a:stretch>
+        </p:blipFill>
+        <p:spPr>
+          <a:xfrm>
+            <a:off x="1716488" y="4278060"/>
+            <a:ext cx="377697" cy="196403"/>
+          </a:xfrm>
+          <a:prstGeom prst="rect">
+            <a:avLst/>
+          </a:prstGeom>
+        </p:spPr>
+      </p:pic>
+      <p:pic>
+        <p:nvPicPr>
+          <p:cNvPr id="31" name="Picture 30"/>
+          <p:cNvPicPr>
+            <a:picLocks noChangeAspect="1"/>
+          </p:cNvPicPr>
+          <p:nvPr/>
+        </p:nvPicPr>
+        <p:blipFill>
+          <a:blip r:embed="rId19">
+            <a:extLst>
+              <a:ext uri="{28A0092B-C50C-407E-A947-70E740481C1C}">
+                <a14:useLocalDpi xmlns:a14="http://schemas.microsoft.com/office/drawing/2010/main" val="0"/>
+              </a:ext>
+            </a:extLst>
+          </a:blip>
+          <a:stretch>
+            <a:fillRect/>
+          </a:stretch>
+        </p:blipFill>
+        <p:spPr>
+          <a:xfrm>
+            <a:off x="8483093" y="4287550"/>
+            <a:ext cx="384577" cy="198000"/>
+          </a:xfrm>
+          <a:prstGeom prst="rect">
+            <a:avLst/>
+          </a:prstGeom>
+        </p:spPr>
+      </p:pic>
+      <p:pic>
+        <p:nvPicPr>
+          <p:cNvPr id="32" name="Picture 31"/>
+          <p:cNvPicPr>
+            <a:picLocks noChangeAspect="1"/>
+          </p:cNvPicPr>
+          <p:nvPr/>
+        </p:nvPicPr>
+        <p:blipFill>
+          <a:blip r:embed="rId20">
+            <a:extLst>
+              <a:ext uri="{28A0092B-C50C-407E-A947-70E740481C1C}">
+                <a14:useLocalDpi xmlns:a14="http://schemas.microsoft.com/office/drawing/2010/main" val="0"/>
+              </a:ext>
+            </a:extLst>
+          </a:blip>
+          <a:stretch>
+            <a:fillRect/>
+          </a:stretch>
+        </p:blipFill>
+        <p:spPr>
+          <a:xfrm rot="-5400000">
+            <a:off x="6842504" y="2526832"/>
+            <a:ext cx="384577" cy="198000"/>
+          </a:xfrm>
+          <a:prstGeom prst="rect">
+            <a:avLst/>
+          </a:prstGeom>
+        </p:spPr>
+      </p:pic>
+      <p:pic>
+        <p:nvPicPr>
+          <p:cNvPr id="33" name="Picture 32"/>
+          <p:cNvPicPr>
+            <a:picLocks noChangeAspect="1"/>
+          </p:cNvPicPr>
+          <p:nvPr/>
+        </p:nvPicPr>
+        <p:blipFill>
+          <a:blip r:embed="rId21">
+            <a:extLst>
+              <a:ext uri="{28A0092B-C50C-407E-A947-70E740481C1C}">
+                <a14:useLocalDpi xmlns:a14="http://schemas.microsoft.com/office/drawing/2010/main" val="0"/>
+              </a:ext>
+            </a:extLst>
+          </a:blip>
+          <a:stretch>
+            <a:fillRect/>
+          </a:stretch>
+        </p:blipFill>
+        <p:spPr>
+          <a:xfrm rot="4500000">
+            <a:off x="6766133" y="3312138"/>
+            <a:ext cx="715848" cy="198000"/>
+          </a:xfrm>
+          <a:prstGeom prst="rect">
+            <a:avLst/>
+          </a:prstGeom>
+        </p:spPr>
+      </p:pic>
+      <p:pic>
+        <p:nvPicPr>
+          <p:cNvPr id="34" name="Picture 33"/>
+          <p:cNvPicPr>
+            <a:picLocks noChangeAspect="1"/>
+          </p:cNvPicPr>
+          <p:nvPr/>
+        </p:nvPicPr>
+        <p:blipFill>
+          <a:blip r:embed="rId22">
+            <a:extLst>
+              <a:ext uri="{28A0092B-C50C-407E-A947-70E740481C1C}">
+                <a14:useLocalDpi xmlns:a14="http://schemas.microsoft.com/office/drawing/2010/main" val="0"/>
+              </a:ext>
+            </a:extLst>
+          </a:blip>
+          <a:stretch>
+            <a:fillRect/>
+          </a:stretch>
+        </p:blipFill>
+        <p:spPr>
+          <a:xfrm rot="1620000">
+            <a:off x="7381328" y="4036846"/>
+            <a:ext cx="715848" cy="198000"/>
+          </a:xfrm>
+          <a:prstGeom prst="rect">
+            <a:avLst/>
+          </a:prstGeom>
+        </p:spPr>
+      </p:pic>
+      <p:pic>
+        <p:nvPicPr>
+          <p:cNvPr id="35" name="Picture 34"/>
+          <p:cNvPicPr>
+            <a:picLocks noChangeAspect="1"/>
+          </p:cNvPicPr>
+          <p:nvPr/>
+        </p:nvPicPr>
+        <p:blipFill>
+          <a:blip r:embed="rId23">
+            <a:extLst>
+              <a:ext uri="{28A0092B-C50C-407E-A947-70E740481C1C}">
+                <a14:useLocalDpi xmlns:a14="http://schemas.microsoft.com/office/drawing/2010/main" val="0"/>
+              </a:ext>
+            </a:extLst>
+          </a:blip>
+          <a:stretch>
+            <a:fillRect/>
+          </a:stretch>
+        </p:blipFill>
+        <p:spPr>
+          <a:xfrm>
+            <a:off x="7982896" y="938184"/>
+            <a:ext cx="811084" cy="612000"/>
+          </a:xfrm>
+          <a:prstGeom prst="rect">
+            <a:avLst/>
+          </a:prstGeom>
+        </p:spPr>
+      </p:pic>
+      <p:pic>
+        <p:nvPicPr>
+          <p:cNvPr id="36" name="Picture 35"/>
+          <p:cNvPicPr>
+            <a:picLocks noChangeAspect="1"/>
+          </p:cNvPicPr>
+          <p:nvPr/>
+        </p:nvPicPr>
+        <p:blipFill>
+          <a:blip r:embed="rId24">
+            <a:extLst>
+              <a:ext uri="{28A0092B-C50C-407E-A947-70E740481C1C}">
+                <a14:useLocalDpi xmlns:a14="http://schemas.microsoft.com/office/drawing/2010/main" val="0"/>
+              </a:ext>
+            </a:extLst>
+          </a:blip>
+          <a:stretch>
+            <a:fillRect/>
+          </a:stretch>
+        </p:blipFill>
+        <p:spPr>
+          <a:xfrm>
+            <a:off x="2493319" y="938184"/>
+            <a:ext cx="793880" cy="612000"/>
+          </a:xfrm>
+          <a:prstGeom prst="rect">
+            <a:avLst/>
+          </a:prstGeom>
+        </p:spPr>
+      </p:pic>
+      <p:sp>
+        <p:nvSpPr>
+          <p:cNvPr id="37" name="Rectangle 36"/>
+          <p:cNvSpPr/>
+          <p:nvPr/>
+        </p:nvSpPr>
+        <p:spPr>
+          <a:xfrm>
+            <a:off x="3514774" y="73515"/>
+            <a:ext cx="4084906" cy="777206"/>
+          </a:xfrm>
+          <a:prstGeom prst="rect">
+            <a:avLst/>
+          </a:prstGeom>
+          <a:noFill/>
+          <a:ln>
+            <a:solidFill>
+              <a:schemeClr val="tx1"/>
+            </a:solidFill>
+          </a:ln>
+        </p:spPr>
+        <p:style>
+          <a:lnRef idx="2">
+            <a:schemeClr val="accent1">
+              <a:shade val="50000"/>
+            </a:schemeClr>
+          </a:lnRef>
+          <a:fillRef idx="1">
+            <a:schemeClr val="accent1"/>
+          </a:fillRef>
+          <a:effectRef idx="0">
+            <a:schemeClr val="accent1"/>
+          </a:effectRef>
+          <a:fontRef idx="minor">
+            <a:schemeClr val="lt1"/>
+          </a:fontRef>
+        </p:style>
+        <p:txBody>
+          <a:bodyPr rtlCol="0" anchor="ctr"/>
+          <a:lstStyle/>
+          <a:p>
+            <a:pPr algn="ctr"/>
+            <a:endParaRPr lang="en-US"/>
+          </a:p>
+        </p:txBody>
+      </p:sp>
+      <p:pic>
+        <p:nvPicPr>
+          <p:cNvPr id="38" name="Picture 37"/>
+          <p:cNvPicPr>
+            <a:picLocks noChangeAspect="1"/>
+          </p:cNvPicPr>
+          <p:nvPr/>
+        </p:nvPicPr>
+        <p:blipFill>
+          <a:blip r:embed="rId25">
+            <a:extLst>
+              <a:ext uri="{28A0092B-C50C-407E-A947-70E740481C1C}">
+                <a14:useLocalDpi xmlns:a14="http://schemas.microsoft.com/office/drawing/2010/main" val="0"/>
+              </a:ext>
+            </a:extLst>
+          </a:blip>
+          <a:stretch>
+            <a:fillRect/>
+          </a:stretch>
+        </p:blipFill>
+        <p:spPr>
+          <a:xfrm>
+            <a:off x="8928145" y="5442577"/>
+            <a:ext cx="1754447" cy="1275034"/>
+          </a:xfrm>
+          <a:prstGeom prst="rect">
+            <a:avLst/>
+          </a:prstGeom>
+        </p:spPr>
+      </p:pic>
+      <p:pic>
+        <p:nvPicPr>
+          <p:cNvPr id="39" name="Picture 38"/>
+          <p:cNvPicPr>
+            <a:picLocks noChangeAspect="1"/>
+          </p:cNvPicPr>
+          <p:nvPr/>
+        </p:nvPicPr>
+        <p:blipFill>
+          <a:blip r:embed="rId26">
+            <a:extLst>
+              <a:ext uri="{28A0092B-C50C-407E-A947-70E740481C1C}">
+                <a14:useLocalDpi xmlns:a14="http://schemas.microsoft.com/office/drawing/2010/main" val="0"/>
+              </a:ext>
+            </a:extLst>
+          </a:blip>
+          <a:stretch>
+            <a:fillRect/>
+          </a:stretch>
+        </p:blipFill>
+        <p:spPr>
+          <a:xfrm>
+            <a:off x="3365989" y="5441877"/>
+            <a:ext cx="1775822" cy="1275734"/>
+          </a:xfrm>
+          <a:prstGeom prst="rect">
+            <a:avLst/>
+          </a:prstGeom>
+        </p:spPr>
+      </p:pic>
+      <p:sp>
+        <p:nvSpPr>
+          <p:cNvPr id="40" name="Right Arrow 39"/>
+          <p:cNvSpPr/>
+          <p:nvPr/>
+        </p:nvSpPr>
+        <p:spPr>
+          <a:xfrm>
+            <a:off x="2579862" y="5441877"/>
+            <a:ext cx="542611" cy="371789"/>
+          </a:xfrm>
+          <a:prstGeom prst="rightArrow">
+            <a:avLst/>
+          </a:prstGeom>
+          <a:solidFill>
+            <a:schemeClr val="bg2"/>
+          </a:solidFill>
+          <a:ln>
+            <a:solidFill>
+              <a:schemeClr val="tx1"/>
+            </a:solidFill>
+          </a:ln>
+        </p:spPr>
+        <p:style>
+          <a:lnRef idx="2">
+            <a:schemeClr val="accent1">
+              <a:shade val="50000"/>
+            </a:schemeClr>
+          </a:lnRef>
+          <a:fillRef idx="1">
+            <a:schemeClr val="accent1"/>
+          </a:fillRef>
+          <a:effectRef idx="0">
+            <a:schemeClr val="accent1"/>
+          </a:effectRef>
+          <a:fontRef idx="minor">
+            <a:schemeClr val="lt1"/>
+          </a:fontRef>
+        </p:style>
+        <p:txBody>
+          <a:bodyPr rtlCol="0" anchor="ctr"/>
+          <a:lstStyle/>
+          <a:p>
+            <a:pPr algn="ctr"/>
+            <a:endParaRPr lang="en-US"/>
+          </a:p>
+        </p:txBody>
+      </p:sp>
+      <p:sp>
+        <p:nvSpPr>
+          <p:cNvPr id="41" name="Right Arrow 40"/>
+          <p:cNvSpPr/>
+          <p:nvPr/>
+        </p:nvSpPr>
+        <p:spPr>
+          <a:xfrm>
+            <a:off x="8127853" y="5441877"/>
+            <a:ext cx="542611" cy="371789"/>
+          </a:xfrm>
+          <a:prstGeom prst="rightArrow">
+            <a:avLst/>
+          </a:prstGeom>
+          <a:solidFill>
+            <a:schemeClr val="bg2"/>
+          </a:solidFill>
+          <a:ln>
+            <a:solidFill>
+              <a:schemeClr val="tx1"/>
+            </a:solidFill>
+          </a:ln>
+        </p:spPr>
+        <p:style>
+          <a:lnRef idx="2">
+            <a:schemeClr val="accent1">
+              <a:shade val="50000"/>
+            </a:schemeClr>
+          </a:lnRef>
+          <a:fillRef idx="1">
+            <a:schemeClr val="accent1"/>
+          </a:fillRef>
+          <a:effectRef idx="0">
+            <a:schemeClr val="accent1"/>
+          </a:effectRef>
+          <a:fontRef idx="minor">
+            <a:schemeClr val="lt1"/>
+          </a:fontRef>
+        </p:style>
+        <p:txBody>
+          <a:bodyPr rtlCol="0" anchor="ctr"/>
+          <a:lstStyle/>
+          <a:p>
+            <a:pPr algn="ctr"/>
+            <a:endParaRPr lang="en-US"/>
+          </a:p>
+        </p:txBody>
+      </p:sp>
     </p:spTree>
     <p:extLst>
       <p:ext uri="{BB962C8B-B14F-4D97-AF65-F5344CB8AC3E}">
         <p14:creationId xmlns:p14="http://schemas.microsoft.com/office/powerpoint/2010/main" val="1817667012"/>
+      </p:ext>
+    </p:extLst>
+  </p:cSld>
+  <p:clrMapOvr>
+    <a:masterClrMapping/>
+  </p:clrMapOvr>
+  <p:timing>
+    <p:tnLst>
+      <p:par>
+        <p:cTn id="1" dur="indefinite" restart="never" nodeType="tmRoot"/>
+      </p:par>
+    </p:tnLst>
+  </p:timing>
+</p:sld>
+</file>
+
+<file path=ppt/slides/slide14.xml><?xml version="1.0" encoding="utf-8"?>
+<p:sld xmlns:a="http://schemas.openxmlformats.org/drawingml/2006/main" xmlns:r="http://schemas.openxmlformats.org/officeDocument/2006/relationships" xmlns:p="http://schemas.openxmlformats.org/presentationml/2006/main">
+  <p:cSld>
+    <p:spTree>
+      <p:nvGrpSpPr>
+        <p:cNvPr id="1" name=""/>
+        <p:cNvGrpSpPr/>
+        <p:nvPr/>
+      </p:nvGrpSpPr>
+      <p:grpSpPr>
+        <a:xfrm>
+          <a:off x="0" y="0"/>
+          <a:ext cx="0" cy="0"/>
+          <a:chOff x="0" y="0"/>
+          <a:chExt cx="0" cy="0"/>
+        </a:xfrm>
+      </p:grpSpPr>
+      <p:pic>
+        <p:nvPicPr>
+          <p:cNvPr id="22" name="Picture 21"/>
+          <p:cNvPicPr>
+            <a:picLocks noChangeAspect="1"/>
+          </p:cNvPicPr>
+          <p:nvPr/>
+        </p:nvPicPr>
+        <p:blipFill>
+          <a:blip r:embed="rId2">
+            <a:extLst>
+              <a:ext uri="{28A0092B-C50C-407E-A947-70E740481C1C}">
+                <a14:useLocalDpi xmlns:a14="http://schemas.microsoft.com/office/drawing/2010/main" val="0"/>
+              </a:ext>
+            </a:extLst>
+          </a:blip>
+          <a:stretch>
+            <a:fillRect/>
+          </a:stretch>
+        </p:blipFill>
+        <p:spPr>
+          <a:xfrm>
+            <a:off x="802295" y="1219200"/>
+            <a:ext cx="4363644" cy="4116513"/>
+          </a:xfrm>
+          <a:prstGeom prst="rect">
+            <a:avLst/>
+          </a:prstGeom>
+        </p:spPr>
+      </p:pic>
+      <p:pic>
+        <p:nvPicPr>
+          <p:cNvPr id="4" name="Picture 3"/>
+          <p:cNvPicPr>
+            <a:picLocks noChangeAspect="1"/>
+          </p:cNvPicPr>
+          <p:nvPr/>
+        </p:nvPicPr>
+        <p:blipFill>
+          <a:blip r:embed="rId3">
+            <a:extLst>
+              <a:ext uri="{28A0092B-C50C-407E-A947-70E740481C1C}">
+                <a14:useLocalDpi xmlns:a14="http://schemas.microsoft.com/office/drawing/2010/main" val="0"/>
+              </a:ext>
+            </a:extLst>
+          </a:blip>
+          <a:stretch>
+            <a:fillRect/>
+          </a:stretch>
+        </p:blipFill>
+        <p:spPr>
+          <a:xfrm>
+            <a:off x="6262660" y="1220914"/>
+            <a:ext cx="4305365" cy="4114799"/>
+          </a:xfrm>
+          <a:prstGeom prst="rect">
+            <a:avLst/>
+          </a:prstGeom>
+        </p:spPr>
+      </p:pic>
+      <p:pic>
+        <p:nvPicPr>
+          <p:cNvPr id="5" name="Picture 4"/>
+          <p:cNvPicPr>
+            <a:picLocks noChangeAspect="1"/>
+          </p:cNvPicPr>
+          <p:nvPr/>
+        </p:nvPicPr>
+        <p:blipFill>
+          <a:blip r:embed="rId4">
+            <a:extLst>
+              <a:ext uri="{28A0092B-C50C-407E-A947-70E740481C1C}">
+                <a14:useLocalDpi xmlns:a14="http://schemas.microsoft.com/office/drawing/2010/main" val="0"/>
+              </a:ext>
+            </a:extLst>
+          </a:blip>
+          <a:stretch>
+            <a:fillRect/>
+          </a:stretch>
+        </p:blipFill>
+        <p:spPr>
+          <a:xfrm>
+            <a:off x="2705984" y="2834868"/>
+            <a:ext cx="495306" cy="365760"/>
+          </a:xfrm>
+          <a:prstGeom prst="rect">
+            <a:avLst/>
+          </a:prstGeom>
+        </p:spPr>
+      </p:pic>
+      <p:pic>
+        <p:nvPicPr>
+          <p:cNvPr id="6" name="Picture 5"/>
+          <p:cNvPicPr>
+            <a:picLocks noChangeAspect="1"/>
+          </p:cNvPicPr>
+          <p:nvPr/>
+        </p:nvPicPr>
+        <p:blipFill>
+          <a:blip r:embed="rId5">
+            <a:extLst>
+              <a:ext uri="{28A0092B-C50C-407E-A947-70E740481C1C}">
+                <a14:useLocalDpi xmlns:a14="http://schemas.microsoft.com/office/drawing/2010/main" val="0"/>
+              </a:ext>
+            </a:extLst>
+          </a:blip>
+          <a:stretch>
+            <a:fillRect/>
+          </a:stretch>
+        </p:blipFill>
+        <p:spPr>
+          <a:xfrm>
+            <a:off x="9218622" y="2838303"/>
+            <a:ext cx="495306" cy="362325"/>
+          </a:xfrm>
+          <a:prstGeom prst="rect">
+            <a:avLst/>
+          </a:prstGeom>
+        </p:spPr>
+      </p:pic>
+      <p:pic>
+        <p:nvPicPr>
+          <p:cNvPr id="7" name="Picture 6"/>
+          <p:cNvPicPr>
+            <a:picLocks noChangeAspect="1"/>
+          </p:cNvPicPr>
+          <p:nvPr/>
+        </p:nvPicPr>
+        <p:blipFill>
+          <a:blip r:embed="rId6">
+            <a:extLst>
+              <a:ext uri="{28A0092B-C50C-407E-A947-70E740481C1C}">
+                <a14:useLocalDpi xmlns:a14="http://schemas.microsoft.com/office/drawing/2010/main" val="0"/>
+              </a:ext>
+            </a:extLst>
+          </a:blip>
+          <a:stretch>
+            <a:fillRect/>
+          </a:stretch>
+        </p:blipFill>
+        <p:spPr>
+          <a:xfrm>
+            <a:off x="1560594" y="1323627"/>
+            <a:ext cx="204372" cy="279667"/>
+          </a:xfrm>
+          <a:prstGeom prst="rect">
+            <a:avLst/>
+          </a:prstGeom>
+        </p:spPr>
+      </p:pic>
+      <p:pic>
+        <p:nvPicPr>
+          <p:cNvPr id="8" name="Picture 7"/>
+          <p:cNvPicPr>
+            <a:picLocks noChangeAspect="1"/>
+          </p:cNvPicPr>
+          <p:nvPr/>
+        </p:nvPicPr>
+        <p:blipFill>
+          <a:blip r:embed="rId7">
+            <a:extLst>
+              <a:ext uri="{28A0092B-C50C-407E-A947-70E740481C1C}">
+                <a14:useLocalDpi xmlns:a14="http://schemas.microsoft.com/office/drawing/2010/main" val="0"/>
+              </a:ext>
+            </a:extLst>
+          </a:blip>
+          <a:stretch>
+            <a:fillRect/>
+          </a:stretch>
+        </p:blipFill>
+        <p:spPr>
+          <a:xfrm>
+            <a:off x="4343312" y="4106883"/>
+            <a:ext cx="204372" cy="279667"/>
+          </a:xfrm>
+          <a:prstGeom prst="rect">
+            <a:avLst/>
+          </a:prstGeom>
+        </p:spPr>
+      </p:pic>
+      <p:pic>
+        <p:nvPicPr>
+          <p:cNvPr id="9" name="Picture 8"/>
+          <p:cNvPicPr>
+            <a:picLocks noChangeAspect="1"/>
+          </p:cNvPicPr>
+          <p:nvPr/>
+        </p:nvPicPr>
+        <p:blipFill>
+          <a:blip r:embed="rId8">
+            <a:extLst>
+              <a:ext uri="{28A0092B-C50C-407E-A947-70E740481C1C}">
+                <a14:useLocalDpi xmlns:a14="http://schemas.microsoft.com/office/drawing/2010/main" val="0"/>
+              </a:ext>
+            </a:extLst>
+          </a:blip>
+          <a:stretch>
+            <a:fillRect/>
+          </a:stretch>
+        </p:blipFill>
+        <p:spPr>
+          <a:xfrm>
+            <a:off x="7017100" y="1323627"/>
+            <a:ext cx="224101" cy="280800"/>
+          </a:xfrm>
+          <a:prstGeom prst="rect">
+            <a:avLst/>
+          </a:prstGeom>
+        </p:spPr>
+      </p:pic>
+      <p:pic>
+        <p:nvPicPr>
+          <p:cNvPr id="10" name="Picture 9"/>
+          <p:cNvPicPr>
+            <a:picLocks noChangeAspect="1"/>
+          </p:cNvPicPr>
+          <p:nvPr/>
+        </p:nvPicPr>
+        <p:blipFill>
+          <a:blip r:embed="rId9">
+            <a:extLst>
+              <a:ext uri="{28A0092B-C50C-407E-A947-70E740481C1C}">
+                <a14:useLocalDpi xmlns:a14="http://schemas.microsoft.com/office/drawing/2010/main" val="0"/>
+              </a:ext>
+            </a:extLst>
+          </a:blip>
+          <a:stretch>
+            <a:fillRect/>
+          </a:stretch>
+        </p:blipFill>
+        <p:spPr>
+          <a:xfrm>
+            <a:off x="9804687" y="4106883"/>
+            <a:ext cx="224101" cy="280800"/>
+          </a:xfrm>
+          <a:prstGeom prst="rect">
+            <a:avLst/>
+          </a:prstGeom>
+        </p:spPr>
+      </p:pic>
+      <p:pic>
+        <p:nvPicPr>
+          <p:cNvPr id="11" name="Picture 10"/>
+          <p:cNvPicPr>
+            <a:picLocks noChangeAspect="1"/>
+          </p:cNvPicPr>
+          <p:nvPr/>
+        </p:nvPicPr>
+        <p:blipFill>
+          <a:blip r:embed="rId10">
+            <a:extLst>
+              <a:ext uri="{28A0092B-C50C-407E-A947-70E740481C1C}">
+                <a14:useLocalDpi xmlns:a14="http://schemas.microsoft.com/office/drawing/2010/main" val="0"/>
+              </a:ext>
+            </a:extLst>
+          </a:blip>
+          <a:stretch>
+            <a:fillRect/>
+          </a:stretch>
+        </p:blipFill>
+        <p:spPr>
+          <a:xfrm>
+            <a:off x="816179" y="5367307"/>
+            <a:ext cx="1473214" cy="995976"/>
+          </a:xfrm>
+          <a:prstGeom prst="rect">
+            <a:avLst/>
+          </a:prstGeom>
+        </p:spPr>
+      </p:pic>
+      <p:pic>
+        <p:nvPicPr>
+          <p:cNvPr id="12" name="Picture 11"/>
+          <p:cNvPicPr>
+            <a:picLocks noChangeAspect="1"/>
+          </p:cNvPicPr>
+          <p:nvPr/>
+        </p:nvPicPr>
+        <p:blipFill>
+          <a:blip r:embed="rId11">
+            <a:extLst>
+              <a:ext uri="{28A0092B-C50C-407E-A947-70E740481C1C}">
+                <a14:useLocalDpi xmlns:a14="http://schemas.microsoft.com/office/drawing/2010/main" val="0"/>
+              </a:ext>
+            </a:extLst>
+          </a:blip>
+          <a:stretch>
+            <a:fillRect/>
+          </a:stretch>
+        </p:blipFill>
+        <p:spPr>
+          <a:xfrm>
+            <a:off x="6361575" y="5367307"/>
+            <a:ext cx="1473214" cy="982143"/>
+          </a:xfrm>
+          <a:prstGeom prst="rect">
+            <a:avLst/>
+          </a:prstGeom>
+        </p:spPr>
+      </p:pic>
+      <p:sp>
+        <p:nvSpPr>
+          <p:cNvPr id="13" name="TextBox 12"/>
+          <p:cNvSpPr txBox="1"/>
+          <p:nvPr/>
+        </p:nvSpPr>
+        <p:spPr>
+          <a:xfrm>
+            <a:off x="2048159" y="5078214"/>
+            <a:ext cx="1319336" cy="369332"/>
+          </a:xfrm>
+          <a:prstGeom prst="rect">
+            <a:avLst/>
+          </a:prstGeom>
+          <a:noFill/>
+        </p:spPr>
+        <p:txBody>
+          <a:bodyPr wrap="none" rtlCol="0">
+            <a:spAutoFit/>
+          </a:bodyPr>
+          <a:lstStyle/>
+          <a:p>
+            <a:pPr algn="ctr"/>
+            <a:r>
+              <a:rPr lang="en-US" b="1"/>
+              <a:t>Primal form</a:t>
+            </a:r>
+          </a:p>
+        </p:txBody>
+      </p:sp>
+      <p:sp>
+        <p:nvSpPr>
+          <p:cNvPr id="14" name="TextBox 13"/>
+          <p:cNvSpPr txBox="1"/>
+          <p:nvPr/>
+        </p:nvSpPr>
+        <p:spPr>
+          <a:xfrm>
+            <a:off x="7818539" y="5078214"/>
+            <a:ext cx="1139799" cy="369332"/>
+          </a:xfrm>
+          <a:prstGeom prst="rect">
+            <a:avLst/>
+          </a:prstGeom>
+          <a:noFill/>
+        </p:spPr>
+        <p:txBody>
+          <a:bodyPr wrap="none" rtlCol="0">
+            <a:spAutoFit/>
+          </a:bodyPr>
+          <a:lstStyle/>
+          <a:p>
+            <a:pPr algn="ctr"/>
+            <a:r>
+              <a:rPr lang="en-US" b="1"/>
+              <a:t>Dual form</a:t>
+            </a:r>
+          </a:p>
+        </p:txBody>
+      </p:sp>
+      <p:pic>
+        <p:nvPicPr>
+          <p:cNvPr id="15" name="Picture 14"/>
+          <p:cNvPicPr>
+            <a:picLocks noChangeAspect="1"/>
+          </p:cNvPicPr>
+          <p:nvPr/>
+        </p:nvPicPr>
+        <p:blipFill>
+          <a:blip r:embed="rId12">
+            <a:extLst>
+              <a:ext uri="{28A0092B-C50C-407E-A947-70E740481C1C}">
+                <a14:useLocalDpi xmlns:a14="http://schemas.microsoft.com/office/drawing/2010/main" val="0"/>
+              </a:ext>
+            </a:extLst>
+          </a:blip>
+          <a:stretch>
+            <a:fillRect/>
+          </a:stretch>
+        </p:blipFill>
+        <p:spPr>
+          <a:xfrm>
+            <a:off x="6642187" y="146347"/>
+            <a:ext cx="826851" cy="612000"/>
+          </a:xfrm>
+          <a:prstGeom prst="rect">
+            <a:avLst/>
+          </a:prstGeom>
+        </p:spPr>
+      </p:pic>
+      <p:pic>
+        <p:nvPicPr>
+          <p:cNvPr id="16" name="Picture 15"/>
+          <p:cNvPicPr>
+            <a:picLocks noChangeAspect="1"/>
+          </p:cNvPicPr>
+          <p:nvPr/>
+        </p:nvPicPr>
+        <p:blipFill>
+          <a:blip r:embed="rId13">
+            <a:extLst>
+              <a:ext uri="{28A0092B-C50C-407E-A947-70E740481C1C}">
+                <a14:useLocalDpi xmlns:a14="http://schemas.microsoft.com/office/drawing/2010/main" val="0"/>
+              </a:ext>
+            </a:extLst>
+          </a:blip>
+          <a:stretch>
+            <a:fillRect/>
+          </a:stretch>
+        </p:blipFill>
+        <p:spPr>
+          <a:xfrm>
+            <a:off x="3628526" y="146346"/>
+            <a:ext cx="1145872" cy="612000"/>
+          </a:xfrm>
+          <a:prstGeom prst="rect">
+            <a:avLst/>
+          </a:prstGeom>
+        </p:spPr>
+      </p:pic>
+      <p:pic>
+        <p:nvPicPr>
+          <p:cNvPr id="17" name="Picture 16"/>
+          <p:cNvPicPr>
+            <a:picLocks noChangeAspect="1"/>
+          </p:cNvPicPr>
+          <p:nvPr/>
+        </p:nvPicPr>
+        <p:blipFill>
+          <a:blip r:embed="rId14">
+            <a:extLst>
+              <a:ext uri="{28A0092B-C50C-407E-A947-70E740481C1C}">
+                <a14:useLocalDpi xmlns:a14="http://schemas.microsoft.com/office/drawing/2010/main" val="0"/>
+              </a:ext>
+            </a:extLst>
+          </a:blip>
+          <a:stretch>
+            <a:fillRect/>
+          </a:stretch>
+        </p:blipFill>
+        <p:spPr>
+          <a:xfrm>
+            <a:off x="5290963" y="147533"/>
+            <a:ext cx="836618" cy="612000"/>
+          </a:xfrm>
+          <a:prstGeom prst="rect">
+            <a:avLst/>
+          </a:prstGeom>
+        </p:spPr>
+      </p:pic>
+      <p:pic>
+        <p:nvPicPr>
+          <p:cNvPr id="35" name="Picture 34"/>
+          <p:cNvPicPr>
+            <a:picLocks noChangeAspect="1"/>
+          </p:cNvPicPr>
+          <p:nvPr/>
+        </p:nvPicPr>
+        <p:blipFill>
+          <a:blip r:embed="rId15">
+            <a:extLst>
+              <a:ext uri="{28A0092B-C50C-407E-A947-70E740481C1C}">
+                <a14:useLocalDpi xmlns:a14="http://schemas.microsoft.com/office/drawing/2010/main" val="0"/>
+              </a:ext>
+            </a:extLst>
+          </a:blip>
+          <a:stretch>
+            <a:fillRect/>
+          </a:stretch>
+        </p:blipFill>
+        <p:spPr>
+          <a:xfrm>
+            <a:off x="7921323" y="938184"/>
+            <a:ext cx="811084" cy="612000"/>
+          </a:xfrm>
+          <a:prstGeom prst="rect">
+            <a:avLst/>
+          </a:prstGeom>
+        </p:spPr>
+      </p:pic>
+      <p:pic>
+        <p:nvPicPr>
+          <p:cNvPr id="36" name="Picture 35"/>
+          <p:cNvPicPr>
+            <a:picLocks noChangeAspect="1"/>
+          </p:cNvPicPr>
+          <p:nvPr/>
+        </p:nvPicPr>
+        <p:blipFill>
+          <a:blip r:embed="rId16">
+            <a:extLst>
+              <a:ext uri="{28A0092B-C50C-407E-A947-70E740481C1C}">
+                <a14:useLocalDpi xmlns:a14="http://schemas.microsoft.com/office/drawing/2010/main" val="0"/>
+              </a:ext>
+            </a:extLst>
+          </a:blip>
+          <a:stretch>
+            <a:fillRect/>
+          </a:stretch>
+        </p:blipFill>
+        <p:spPr>
+          <a:xfrm>
+            <a:off x="2493319" y="938184"/>
+            <a:ext cx="793880" cy="612000"/>
+          </a:xfrm>
+          <a:prstGeom prst="rect">
+            <a:avLst/>
+          </a:prstGeom>
+        </p:spPr>
+      </p:pic>
+      <p:sp>
+        <p:nvSpPr>
+          <p:cNvPr id="37" name="Rectangle 36"/>
+          <p:cNvSpPr/>
+          <p:nvPr/>
+        </p:nvSpPr>
+        <p:spPr>
+          <a:xfrm>
+            <a:off x="3514774" y="73515"/>
+            <a:ext cx="4084906" cy="777206"/>
+          </a:xfrm>
+          <a:prstGeom prst="rect">
+            <a:avLst/>
+          </a:prstGeom>
+          <a:noFill/>
+          <a:ln>
+            <a:solidFill>
+              <a:schemeClr val="tx1"/>
+            </a:solidFill>
+          </a:ln>
+        </p:spPr>
+        <p:style>
+          <a:lnRef idx="2">
+            <a:schemeClr val="accent1">
+              <a:shade val="50000"/>
+            </a:schemeClr>
+          </a:lnRef>
+          <a:fillRef idx="1">
+            <a:schemeClr val="accent1"/>
+          </a:fillRef>
+          <a:effectRef idx="0">
+            <a:schemeClr val="accent1"/>
+          </a:effectRef>
+          <a:fontRef idx="minor">
+            <a:schemeClr val="lt1"/>
+          </a:fontRef>
+        </p:style>
+        <p:txBody>
+          <a:bodyPr rtlCol="0" anchor="ctr"/>
+          <a:lstStyle/>
+          <a:p>
+            <a:pPr algn="ctr"/>
+            <a:endParaRPr lang="en-US"/>
+          </a:p>
+        </p:txBody>
+      </p:sp>
+      <p:pic>
+        <p:nvPicPr>
+          <p:cNvPr id="38" name="Picture 37"/>
+          <p:cNvPicPr>
+            <a:picLocks noChangeAspect="1"/>
+          </p:cNvPicPr>
+          <p:nvPr/>
+        </p:nvPicPr>
+        <p:blipFill>
+          <a:blip r:embed="rId17">
+            <a:extLst>
+              <a:ext uri="{28A0092B-C50C-407E-A947-70E740481C1C}">
+                <a14:useLocalDpi xmlns:a14="http://schemas.microsoft.com/office/drawing/2010/main" val="0"/>
+              </a:ext>
+            </a:extLst>
+          </a:blip>
+          <a:stretch>
+            <a:fillRect/>
+          </a:stretch>
+        </p:blipFill>
+        <p:spPr>
+          <a:xfrm>
+            <a:off x="8928145" y="5442577"/>
+            <a:ext cx="1754447" cy="1275034"/>
+          </a:xfrm>
+          <a:prstGeom prst="rect">
+            <a:avLst/>
+          </a:prstGeom>
+        </p:spPr>
+      </p:pic>
+      <p:pic>
+        <p:nvPicPr>
+          <p:cNvPr id="39" name="Picture 38"/>
+          <p:cNvPicPr>
+            <a:picLocks noChangeAspect="1"/>
+          </p:cNvPicPr>
+          <p:nvPr/>
+        </p:nvPicPr>
+        <p:blipFill>
+          <a:blip r:embed="rId18">
+            <a:extLst>
+              <a:ext uri="{28A0092B-C50C-407E-A947-70E740481C1C}">
+                <a14:useLocalDpi xmlns:a14="http://schemas.microsoft.com/office/drawing/2010/main" val="0"/>
+              </a:ext>
+            </a:extLst>
+          </a:blip>
+          <a:stretch>
+            <a:fillRect/>
+          </a:stretch>
+        </p:blipFill>
+        <p:spPr>
+          <a:xfrm>
+            <a:off x="3365989" y="5441877"/>
+            <a:ext cx="1775822" cy="1275734"/>
+          </a:xfrm>
+          <a:prstGeom prst="rect">
+            <a:avLst/>
+          </a:prstGeom>
+        </p:spPr>
+      </p:pic>
+      <p:sp>
+        <p:nvSpPr>
+          <p:cNvPr id="40" name="Right Arrow 39"/>
+          <p:cNvSpPr/>
+          <p:nvPr/>
+        </p:nvSpPr>
+        <p:spPr>
+          <a:xfrm>
+            <a:off x="2579862" y="5441877"/>
+            <a:ext cx="542611" cy="371789"/>
+          </a:xfrm>
+          <a:prstGeom prst="rightArrow">
+            <a:avLst/>
+          </a:prstGeom>
+          <a:solidFill>
+            <a:schemeClr val="bg2"/>
+          </a:solidFill>
+          <a:ln>
+            <a:solidFill>
+              <a:schemeClr val="tx1"/>
+            </a:solidFill>
+          </a:ln>
+        </p:spPr>
+        <p:style>
+          <a:lnRef idx="2">
+            <a:schemeClr val="accent1">
+              <a:shade val="50000"/>
+            </a:schemeClr>
+          </a:lnRef>
+          <a:fillRef idx="1">
+            <a:schemeClr val="accent1"/>
+          </a:fillRef>
+          <a:effectRef idx="0">
+            <a:schemeClr val="accent1"/>
+          </a:effectRef>
+          <a:fontRef idx="minor">
+            <a:schemeClr val="lt1"/>
+          </a:fontRef>
+        </p:style>
+        <p:txBody>
+          <a:bodyPr rtlCol="0" anchor="ctr"/>
+          <a:lstStyle/>
+          <a:p>
+            <a:pPr algn="ctr"/>
+            <a:endParaRPr lang="en-US"/>
+          </a:p>
+        </p:txBody>
+      </p:sp>
+      <p:sp>
+        <p:nvSpPr>
+          <p:cNvPr id="41" name="Right Arrow 40"/>
+          <p:cNvSpPr/>
+          <p:nvPr/>
+        </p:nvSpPr>
+        <p:spPr>
+          <a:xfrm>
+            <a:off x="8127853" y="5441877"/>
+            <a:ext cx="542611" cy="371789"/>
+          </a:xfrm>
+          <a:prstGeom prst="rightArrow">
+            <a:avLst/>
+          </a:prstGeom>
+          <a:solidFill>
+            <a:schemeClr val="bg2"/>
+          </a:solidFill>
+          <a:ln>
+            <a:solidFill>
+              <a:schemeClr val="tx1"/>
+            </a:solidFill>
+          </a:ln>
+        </p:spPr>
+        <p:style>
+          <a:lnRef idx="2">
+            <a:schemeClr val="accent1">
+              <a:shade val="50000"/>
+            </a:schemeClr>
+          </a:lnRef>
+          <a:fillRef idx="1">
+            <a:schemeClr val="accent1"/>
+          </a:fillRef>
+          <a:effectRef idx="0">
+            <a:schemeClr val="accent1"/>
+          </a:effectRef>
+          <a:fontRef idx="minor">
+            <a:schemeClr val="lt1"/>
+          </a:fontRef>
+        </p:style>
+        <p:txBody>
+          <a:bodyPr rtlCol="0" anchor="ctr"/>
+          <a:lstStyle/>
+          <a:p>
+            <a:pPr algn="ctr"/>
+            <a:endParaRPr lang="en-US"/>
+          </a:p>
+        </p:txBody>
+      </p:sp>
+      <p:pic>
+        <p:nvPicPr>
+          <p:cNvPr id="42" name="Picture 41"/>
+          <p:cNvPicPr>
+            <a:picLocks noChangeAspect="1"/>
+          </p:cNvPicPr>
+          <p:nvPr/>
+        </p:nvPicPr>
+        <p:blipFill>
+          <a:blip r:embed="rId19">
+            <a:extLst>
+              <a:ext uri="{28A0092B-C50C-407E-A947-70E740481C1C}">
+                <a14:useLocalDpi xmlns:a14="http://schemas.microsoft.com/office/drawing/2010/main" val="0"/>
+              </a:ext>
+            </a:extLst>
+          </a:blip>
+          <a:stretch>
+            <a:fillRect/>
+          </a:stretch>
+        </p:blipFill>
+        <p:spPr>
+          <a:xfrm>
+            <a:off x="1473987" y="3610707"/>
+            <a:ext cx="123261" cy="360000"/>
+          </a:xfrm>
+          <a:prstGeom prst="rect">
+            <a:avLst/>
+          </a:prstGeom>
+        </p:spPr>
+      </p:pic>
+      <p:pic>
+        <p:nvPicPr>
+          <p:cNvPr id="43" name="Picture 42"/>
+          <p:cNvPicPr>
+            <a:picLocks noChangeAspect="1"/>
+          </p:cNvPicPr>
+          <p:nvPr/>
+        </p:nvPicPr>
+        <p:blipFill>
+          <a:blip r:embed="rId20">
+            <a:extLst>
+              <a:ext uri="{28A0092B-C50C-407E-A947-70E740481C1C}">
+                <a14:useLocalDpi xmlns:a14="http://schemas.microsoft.com/office/drawing/2010/main" val="0"/>
+              </a:ext>
+            </a:extLst>
+          </a:blip>
+          <a:stretch>
+            <a:fillRect/>
+          </a:stretch>
+        </p:blipFill>
+        <p:spPr>
+          <a:xfrm>
+            <a:off x="1856168" y="4293807"/>
+            <a:ext cx="123261" cy="360000"/>
+          </a:xfrm>
+          <a:prstGeom prst="rect">
+            <a:avLst/>
+          </a:prstGeom>
+        </p:spPr>
+      </p:pic>
+      <p:pic>
+        <p:nvPicPr>
+          <p:cNvPr id="44" name="Picture 43"/>
+          <p:cNvPicPr>
+            <a:picLocks noChangeAspect="1"/>
+          </p:cNvPicPr>
+          <p:nvPr/>
+        </p:nvPicPr>
+        <p:blipFill>
+          <a:blip r:embed="rId21">
+            <a:extLst>
+              <a:ext uri="{28A0092B-C50C-407E-A947-70E740481C1C}">
+                <a14:useLocalDpi xmlns:a14="http://schemas.microsoft.com/office/drawing/2010/main" val="0"/>
+              </a:ext>
+            </a:extLst>
+          </a:blip>
+          <a:stretch>
+            <a:fillRect/>
+          </a:stretch>
+        </p:blipFill>
+        <p:spPr>
+          <a:xfrm>
+            <a:off x="7189060" y="4293807"/>
+            <a:ext cx="123261" cy="360000"/>
+          </a:xfrm>
+          <a:prstGeom prst="rect">
+            <a:avLst/>
+          </a:prstGeom>
+        </p:spPr>
+      </p:pic>
+      <p:pic>
+        <p:nvPicPr>
+          <p:cNvPr id="45" name="Picture 44"/>
+          <p:cNvPicPr>
+            <a:picLocks noChangeAspect="1"/>
+          </p:cNvPicPr>
+          <p:nvPr/>
+        </p:nvPicPr>
+        <p:blipFill>
+          <a:blip r:embed="rId19">
+            <a:extLst>
+              <a:ext uri="{28A0092B-C50C-407E-A947-70E740481C1C}">
+                <a14:useLocalDpi xmlns:a14="http://schemas.microsoft.com/office/drawing/2010/main" val="0"/>
+              </a:ext>
+            </a:extLst>
+          </a:blip>
+          <a:stretch>
+            <a:fillRect/>
+          </a:stretch>
+        </p:blipFill>
+        <p:spPr>
+          <a:xfrm>
+            <a:off x="6932351" y="3610707"/>
+            <a:ext cx="123261" cy="360000"/>
+          </a:xfrm>
+          <a:prstGeom prst="rect">
+            <a:avLst/>
+          </a:prstGeom>
+        </p:spPr>
+      </p:pic>
+      <p:pic>
+        <p:nvPicPr>
+          <p:cNvPr id="2" name="Picture 1"/>
+          <p:cNvPicPr>
+            <a:picLocks noChangeAspect="1"/>
+          </p:cNvPicPr>
+          <p:nvPr/>
+        </p:nvPicPr>
+        <p:blipFill>
+          <a:blip r:embed="rId22">
+            <a:extLst>
+              <a:ext uri="{28A0092B-C50C-407E-A947-70E740481C1C}">
+                <a14:useLocalDpi xmlns:a14="http://schemas.microsoft.com/office/drawing/2010/main" val="0"/>
+              </a:ext>
+            </a:extLst>
+          </a:blip>
+          <a:stretch>
+            <a:fillRect/>
+          </a:stretch>
+        </p:blipFill>
+        <p:spPr>
+          <a:xfrm>
+            <a:off x="1938570" y="3498816"/>
+            <a:ext cx="1201304" cy="360000"/>
+          </a:xfrm>
+          <a:prstGeom prst="rect">
+            <a:avLst/>
+          </a:prstGeom>
+        </p:spPr>
+      </p:pic>
+      <p:pic>
+        <p:nvPicPr>
+          <p:cNvPr id="46" name="Picture 45"/>
+          <p:cNvPicPr>
+            <a:picLocks noChangeAspect="1"/>
+          </p:cNvPicPr>
+          <p:nvPr/>
+        </p:nvPicPr>
+        <p:blipFill>
+          <a:blip r:embed="rId22">
+            <a:extLst>
+              <a:ext uri="{28A0092B-C50C-407E-A947-70E740481C1C}">
+                <a14:useLocalDpi xmlns:a14="http://schemas.microsoft.com/office/drawing/2010/main" val="0"/>
+              </a:ext>
+            </a:extLst>
+          </a:blip>
+          <a:stretch>
+            <a:fillRect/>
+          </a:stretch>
+        </p:blipFill>
+        <p:spPr>
+          <a:xfrm>
+            <a:off x="7273119" y="3498816"/>
+            <a:ext cx="1201304" cy="360000"/>
+          </a:xfrm>
+          <a:prstGeom prst="rect">
+            <a:avLst/>
+          </a:prstGeom>
+        </p:spPr>
+      </p:pic>
+    </p:spTree>
+    <p:extLst>
+      <p:ext uri="{BB962C8B-B14F-4D97-AF65-F5344CB8AC3E}">
+        <p14:creationId xmlns:p14="http://schemas.microsoft.com/office/powerpoint/2010/main" val="2065140694"/>
+      </p:ext>
+    </p:extLst>
+  </p:cSld>
+  <p:clrMapOvr>
+    <a:masterClrMapping/>
+  </p:clrMapOvr>
+  <p:timing>
+    <p:tnLst>
+      <p:par>
+        <p:cTn id="1" dur="indefinite" restart="never" nodeType="tmRoot"/>
+      </p:par>
+    </p:tnLst>
+  </p:timing>
+</p:sld>
+</file>
+
+<file path=ppt/slides/slide15.xml><?xml version="1.0" encoding="utf-8"?>
+<p:sld xmlns:a="http://schemas.openxmlformats.org/drawingml/2006/main" xmlns:r="http://schemas.openxmlformats.org/officeDocument/2006/relationships" xmlns:p="http://schemas.openxmlformats.org/presentationml/2006/main">
+  <p:cSld>
+    <p:spTree>
+      <p:nvGrpSpPr>
+        <p:cNvPr id="1" name=""/>
+        <p:cNvGrpSpPr/>
+        <p:nvPr/>
+      </p:nvGrpSpPr>
+      <p:grpSpPr>
+        <a:xfrm>
+          <a:off x="0" y="0"/>
+          <a:ext cx="0" cy="0"/>
+          <a:chOff x="0" y="0"/>
+          <a:chExt cx="0" cy="0"/>
+        </a:xfrm>
+      </p:grpSpPr>
+      <p:pic>
+        <p:nvPicPr>
+          <p:cNvPr id="22" name="Picture 21"/>
+          <p:cNvPicPr>
+            <a:picLocks noChangeAspect="1"/>
+          </p:cNvPicPr>
+          <p:nvPr/>
+        </p:nvPicPr>
+        <p:blipFill>
+          <a:blip r:embed="rId2">
+            <a:extLst>
+              <a:ext uri="{28A0092B-C50C-407E-A947-70E740481C1C}">
+                <a14:useLocalDpi xmlns:a14="http://schemas.microsoft.com/office/drawing/2010/main" val="0"/>
+              </a:ext>
+            </a:extLst>
+          </a:blip>
+          <a:stretch>
+            <a:fillRect/>
+          </a:stretch>
+        </p:blipFill>
+        <p:spPr>
+          <a:xfrm>
+            <a:off x="1909735" y="1280160"/>
+            <a:ext cx="4363644" cy="4116512"/>
+          </a:xfrm>
+          <a:prstGeom prst="rect">
+            <a:avLst/>
+          </a:prstGeom>
+        </p:spPr>
+      </p:pic>
+      <p:pic>
+        <p:nvPicPr>
+          <p:cNvPr id="4" name="Picture 3"/>
+          <p:cNvPicPr>
+            <a:picLocks noChangeAspect="1"/>
+          </p:cNvPicPr>
+          <p:nvPr/>
+        </p:nvPicPr>
+        <p:blipFill>
+          <a:blip r:embed="rId3">
+            <a:extLst>
+              <a:ext uri="{28A0092B-C50C-407E-A947-70E740481C1C}">
+                <a14:useLocalDpi xmlns:a14="http://schemas.microsoft.com/office/drawing/2010/main" val="0"/>
+              </a:ext>
+            </a:extLst>
+          </a:blip>
+          <a:stretch>
+            <a:fillRect/>
+          </a:stretch>
+        </p:blipFill>
+        <p:spPr>
+          <a:xfrm>
+            <a:off x="7370100" y="1281874"/>
+            <a:ext cx="4305364" cy="4114799"/>
+          </a:xfrm>
+          <a:prstGeom prst="rect">
+            <a:avLst/>
+          </a:prstGeom>
+        </p:spPr>
+      </p:pic>
+      <p:pic>
+        <p:nvPicPr>
+          <p:cNvPr id="5" name="Picture 4"/>
+          <p:cNvPicPr>
+            <a:picLocks noChangeAspect="1"/>
+          </p:cNvPicPr>
+          <p:nvPr/>
+        </p:nvPicPr>
+        <p:blipFill>
+          <a:blip r:embed="rId4">
+            <a:extLst>
+              <a:ext uri="{28A0092B-C50C-407E-A947-70E740481C1C}">
+                <a14:useLocalDpi xmlns:a14="http://schemas.microsoft.com/office/drawing/2010/main" val="0"/>
+              </a:ext>
+            </a:extLst>
+          </a:blip>
+          <a:stretch>
+            <a:fillRect/>
+          </a:stretch>
+        </p:blipFill>
+        <p:spPr>
+          <a:xfrm>
+            <a:off x="3813424" y="2895828"/>
+            <a:ext cx="495306" cy="365760"/>
+          </a:xfrm>
+          <a:prstGeom prst="rect">
+            <a:avLst/>
+          </a:prstGeom>
+        </p:spPr>
+      </p:pic>
+      <p:pic>
+        <p:nvPicPr>
+          <p:cNvPr id="6" name="Picture 5"/>
+          <p:cNvPicPr>
+            <a:picLocks noChangeAspect="1"/>
+          </p:cNvPicPr>
+          <p:nvPr/>
+        </p:nvPicPr>
+        <p:blipFill>
+          <a:blip r:embed="rId5">
+            <a:extLst>
+              <a:ext uri="{28A0092B-C50C-407E-A947-70E740481C1C}">
+                <a14:useLocalDpi xmlns:a14="http://schemas.microsoft.com/office/drawing/2010/main" val="0"/>
+              </a:ext>
+            </a:extLst>
+          </a:blip>
+          <a:stretch>
+            <a:fillRect/>
+          </a:stretch>
+        </p:blipFill>
+        <p:spPr>
+          <a:xfrm>
+            <a:off x="10326062" y="2899263"/>
+            <a:ext cx="495306" cy="362325"/>
+          </a:xfrm>
+          <a:prstGeom prst="rect">
+            <a:avLst/>
+          </a:prstGeom>
+        </p:spPr>
+      </p:pic>
+      <p:pic>
+        <p:nvPicPr>
+          <p:cNvPr id="7" name="Picture 6"/>
+          <p:cNvPicPr>
+            <a:picLocks noChangeAspect="1"/>
+          </p:cNvPicPr>
+          <p:nvPr/>
+        </p:nvPicPr>
+        <p:blipFill>
+          <a:blip r:embed="rId6">
+            <a:extLst>
+              <a:ext uri="{28A0092B-C50C-407E-A947-70E740481C1C}">
+                <a14:useLocalDpi xmlns:a14="http://schemas.microsoft.com/office/drawing/2010/main" val="0"/>
+              </a:ext>
+            </a:extLst>
+          </a:blip>
+          <a:stretch>
+            <a:fillRect/>
+          </a:stretch>
+        </p:blipFill>
+        <p:spPr>
+          <a:xfrm>
+            <a:off x="2668034" y="1384587"/>
+            <a:ext cx="204372" cy="279667"/>
+          </a:xfrm>
+          <a:prstGeom prst="rect">
+            <a:avLst/>
+          </a:prstGeom>
+        </p:spPr>
+      </p:pic>
+      <p:pic>
+        <p:nvPicPr>
+          <p:cNvPr id="8" name="Picture 7"/>
+          <p:cNvPicPr>
+            <a:picLocks noChangeAspect="1"/>
+          </p:cNvPicPr>
+          <p:nvPr/>
+        </p:nvPicPr>
+        <p:blipFill>
+          <a:blip r:embed="rId7">
+            <a:extLst>
+              <a:ext uri="{28A0092B-C50C-407E-A947-70E740481C1C}">
+                <a14:useLocalDpi xmlns:a14="http://schemas.microsoft.com/office/drawing/2010/main" val="0"/>
+              </a:ext>
+            </a:extLst>
+          </a:blip>
+          <a:stretch>
+            <a:fillRect/>
+          </a:stretch>
+        </p:blipFill>
+        <p:spPr>
+          <a:xfrm>
+            <a:off x="5450752" y="4167843"/>
+            <a:ext cx="204372" cy="279667"/>
+          </a:xfrm>
+          <a:prstGeom prst="rect">
+            <a:avLst/>
+          </a:prstGeom>
+        </p:spPr>
+      </p:pic>
+      <p:pic>
+        <p:nvPicPr>
+          <p:cNvPr id="9" name="Picture 8"/>
+          <p:cNvPicPr>
+            <a:picLocks noChangeAspect="1"/>
+          </p:cNvPicPr>
+          <p:nvPr/>
+        </p:nvPicPr>
+        <p:blipFill>
+          <a:blip r:embed="rId8">
+            <a:extLst>
+              <a:ext uri="{28A0092B-C50C-407E-A947-70E740481C1C}">
+                <a14:useLocalDpi xmlns:a14="http://schemas.microsoft.com/office/drawing/2010/main" val="0"/>
+              </a:ext>
+            </a:extLst>
+          </a:blip>
+          <a:stretch>
+            <a:fillRect/>
+          </a:stretch>
+        </p:blipFill>
+        <p:spPr>
+          <a:xfrm>
+            <a:off x="8114380" y="1384587"/>
+            <a:ext cx="224101" cy="280800"/>
+          </a:xfrm>
+          <a:prstGeom prst="rect">
+            <a:avLst/>
+          </a:prstGeom>
+        </p:spPr>
+      </p:pic>
+      <p:pic>
+        <p:nvPicPr>
+          <p:cNvPr id="10" name="Picture 9"/>
+          <p:cNvPicPr>
+            <a:picLocks noChangeAspect="1"/>
+          </p:cNvPicPr>
+          <p:nvPr/>
+        </p:nvPicPr>
+        <p:blipFill>
+          <a:blip r:embed="rId9">
+            <a:extLst>
+              <a:ext uri="{28A0092B-C50C-407E-A947-70E740481C1C}">
+                <a14:useLocalDpi xmlns:a14="http://schemas.microsoft.com/office/drawing/2010/main" val="0"/>
+              </a:ext>
+            </a:extLst>
+          </a:blip>
+          <a:stretch>
+            <a:fillRect/>
+          </a:stretch>
+        </p:blipFill>
+        <p:spPr>
+          <a:xfrm>
+            <a:off x="10901967" y="4167843"/>
+            <a:ext cx="224101" cy="280800"/>
+          </a:xfrm>
+          <a:prstGeom prst="rect">
+            <a:avLst/>
+          </a:prstGeom>
+        </p:spPr>
+      </p:pic>
+      <p:pic>
+        <p:nvPicPr>
+          <p:cNvPr id="11" name="Picture 10"/>
+          <p:cNvPicPr>
+            <a:picLocks noChangeAspect="1"/>
+          </p:cNvPicPr>
+          <p:nvPr/>
+        </p:nvPicPr>
+        <p:blipFill>
+          <a:blip r:embed="rId10">
+            <a:extLst>
+              <a:ext uri="{28A0092B-C50C-407E-A947-70E740481C1C}">
+                <a14:useLocalDpi xmlns:a14="http://schemas.microsoft.com/office/drawing/2010/main" val="0"/>
+              </a:ext>
+            </a:extLst>
+          </a:blip>
+          <a:stretch>
+            <a:fillRect/>
+          </a:stretch>
+        </p:blipFill>
+        <p:spPr>
+          <a:xfrm>
+            <a:off x="1923619" y="5428267"/>
+            <a:ext cx="1473214" cy="995976"/>
+          </a:xfrm>
+          <a:prstGeom prst="rect">
+            <a:avLst/>
+          </a:prstGeom>
+        </p:spPr>
+      </p:pic>
+      <p:pic>
+        <p:nvPicPr>
+          <p:cNvPr id="12" name="Picture 11"/>
+          <p:cNvPicPr>
+            <a:picLocks noChangeAspect="1"/>
+          </p:cNvPicPr>
+          <p:nvPr/>
+        </p:nvPicPr>
+        <p:blipFill>
+          <a:blip r:embed="rId11">
+            <a:extLst>
+              <a:ext uri="{28A0092B-C50C-407E-A947-70E740481C1C}">
+                <a14:useLocalDpi xmlns:a14="http://schemas.microsoft.com/office/drawing/2010/main" val="0"/>
+              </a:ext>
+            </a:extLst>
+          </a:blip>
+          <a:stretch>
+            <a:fillRect/>
+          </a:stretch>
+        </p:blipFill>
+        <p:spPr>
+          <a:xfrm>
+            <a:off x="7469015" y="5428267"/>
+            <a:ext cx="1473214" cy="982143"/>
+          </a:xfrm>
+          <a:prstGeom prst="rect">
+            <a:avLst/>
+          </a:prstGeom>
+        </p:spPr>
+      </p:pic>
+      <p:sp>
+        <p:nvSpPr>
+          <p:cNvPr id="13" name="TextBox 12"/>
+          <p:cNvSpPr txBox="1"/>
+          <p:nvPr/>
+        </p:nvSpPr>
+        <p:spPr>
+          <a:xfrm>
+            <a:off x="3155599" y="5139174"/>
+            <a:ext cx="1319336" cy="369332"/>
+          </a:xfrm>
+          <a:prstGeom prst="rect">
+            <a:avLst/>
+          </a:prstGeom>
+          <a:noFill/>
+        </p:spPr>
+        <p:txBody>
+          <a:bodyPr wrap="none" rtlCol="0">
+            <a:spAutoFit/>
+          </a:bodyPr>
+          <a:lstStyle/>
+          <a:p>
+            <a:pPr algn="ctr"/>
+            <a:r>
+              <a:rPr lang="en-US" b="1"/>
+              <a:t>Primal form</a:t>
+            </a:r>
+          </a:p>
+        </p:txBody>
+      </p:sp>
+      <p:sp>
+        <p:nvSpPr>
+          <p:cNvPr id="14" name="TextBox 13"/>
+          <p:cNvSpPr txBox="1"/>
+          <p:nvPr/>
+        </p:nvSpPr>
+        <p:spPr>
+          <a:xfrm>
+            <a:off x="8925979" y="5139174"/>
+            <a:ext cx="1139799" cy="369332"/>
+          </a:xfrm>
+          <a:prstGeom prst="rect">
+            <a:avLst/>
+          </a:prstGeom>
+          <a:noFill/>
+        </p:spPr>
+        <p:txBody>
+          <a:bodyPr wrap="none" rtlCol="0">
+            <a:spAutoFit/>
+          </a:bodyPr>
+          <a:lstStyle/>
+          <a:p>
+            <a:pPr algn="ctr"/>
+            <a:r>
+              <a:rPr lang="en-US" b="1"/>
+              <a:t>Dual form</a:t>
+            </a:r>
+          </a:p>
+        </p:txBody>
+      </p:sp>
+      <p:pic>
+        <p:nvPicPr>
+          <p:cNvPr id="15" name="Picture 14"/>
+          <p:cNvPicPr>
+            <a:picLocks noChangeAspect="1"/>
+          </p:cNvPicPr>
+          <p:nvPr/>
+        </p:nvPicPr>
+        <p:blipFill>
+          <a:blip r:embed="rId12">
+            <a:extLst>
+              <a:ext uri="{28A0092B-C50C-407E-A947-70E740481C1C}">
+                <a14:useLocalDpi xmlns:a14="http://schemas.microsoft.com/office/drawing/2010/main" val="0"/>
+              </a:ext>
+            </a:extLst>
+          </a:blip>
+          <a:stretch>
+            <a:fillRect/>
+          </a:stretch>
+        </p:blipFill>
+        <p:spPr>
+          <a:xfrm>
+            <a:off x="5214779" y="230702"/>
+            <a:ext cx="826851" cy="612000"/>
+          </a:xfrm>
+          <a:prstGeom prst="rect">
+            <a:avLst/>
+          </a:prstGeom>
+        </p:spPr>
+      </p:pic>
+      <p:pic>
+        <p:nvPicPr>
+          <p:cNvPr id="16" name="Picture 15"/>
+          <p:cNvPicPr>
+            <a:picLocks noChangeAspect="1"/>
+          </p:cNvPicPr>
+          <p:nvPr/>
+        </p:nvPicPr>
+        <p:blipFill>
+          <a:blip r:embed="rId13">
+            <a:extLst>
+              <a:ext uri="{28A0092B-C50C-407E-A947-70E740481C1C}">
+                <a14:useLocalDpi xmlns:a14="http://schemas.microsoft.com/office/drawing/2010/main" val="0"/>
+              </a:ext>
+            </a:extLst>
+          </a:blip>
+          <a:stretch>
+            <a:fillRect/>
+          </a:stretch>
+        </p:blipFill>
+        <p:spPr>
+          <a:xfrm>
+            <a:off x="2201118" y="230701"/>
+            <a:ext cx="1145872" cy="612000"/>
+          </a:xfrm>
+          <a:prstGeom prst="rect">
+            <a:avLst/>
+          </a:prstGeom>
+        </p:spPr>
+      </p:pic>
+      <p:pic>
+        <p:nvPicPr>
+          <p:cNvPr id="17" name="Picture 16"/>
+          <p:cNvPicPr>
+            <a:picLocks noChangeAspect="1"/>
+          </p:cNvPicPr>
+          <p:nvPr/>
+        </p:nvPicPr>
+        <p:blipFill>
+          <a:blip r:embed="rId14">
+            <a:extLst>
+              <a:ext uri="{28A0092B-C50C-407E-A947-70E740481C1C}">
+                <a14:useLocalDpi xmlns:a14="http://schemas.microsoft.com/office/drawing/2010/main" val="0"/>
+              </a:ext>
+            </a:extLst>
+          </a:blip>
+          <a:stretch>
+            <a:fillRect/>
+          </a:stretch>
+        </p:blipFill>
+        <p:spPr>
+          <a:xfrm>
+            <a:off x="3863555" y="231888"/>
+            <a:ext cx="836618" cy="612000"/>
+          </a:xfrm>
+          <a:prstGeom prst="rect">
+            <a:avLst/>
+          </a:prstGeom>
+        </p:spPr>
+      </p:pic>
+      <p:pic>
+        <p:nvPicPr>
+          <p:cNvPr id="35" name="Picture 34"/>
+          <p:cNvPicPr>
+            <a:picLocks noChangeAspect="1"/>
+          </p:cNvPicPr>
+          <p:nvPr/>
+        </p:nvPicPr>
+        <p:blipFill>
+          <a:blip r:embed="rId15">
+            <a:extLst>
+              <a:ext uri="{28A0092B-C50C-407E-A947-70E740481C1C}">
+                <a14:useLocalDpi xmlns:a14="http://schemas.microsoft.com/office/drawing/2010/main" val="0"/>
+              </a:ext>
+            </a:extLst>
+          </a:blip>
+          <a:stretch>
+            <a:fillRect/>
+          </a:stretch>
+        </p:blipFill>
+        <p:spPr>
+          <a:xfrm>
+            <a:off x="9035646" y="999144"/>
+            <a:ext cx="811084" cy="612000"/>
+          </a:xfrm>
+          <a:prstGeom prst="rect">
+            <a:avLst/>
+          </a:prstGeom>
+        </p:spPr>
+      </p:pic>
+      <p:pic>
+        <p:nvPicPr>
+          <p:cNvPr id="36" name="Picture 35"/>
+          <p:cNvPicPr>
+            <a:picLocks noChangeAspect="1"/>
+          </p:cNvPicPr>
+          <p:nvPr/>
+        </p:nvPicPr>
+        <p:blipFill>
+          <a:blip r:embed="rId16">
+            <a:extLst>
+              <a:ext uri="{28A0092B-C50C-407E-A947-70E740481C1C}">
+                <a14:useLocalDpi xmlns:a14="http://schemas.microsoft.com/office/drawing/2010/main" val="0"/>
+              </a:ext>
+            </a:extLst>
+          </a:blip>
+          <a:stretch>
+            <a:fillRect/>
+          </a:stretch>
+        </p:blipFill>
+        <p:spPr>
+          <a:xfrm>
+            <a:off x="3600759" y="999144"/>
+            <a:ext cx="793880" cy="612000"/>
+          </a:xfrm>
+          <a:prstGeom prst="rect">
+            <a:avLst/>
+          </a:prstGeom>
+        </p:spPr>
+      </p:pic>
+      <p:sp>
+        <p:nvSpPr>
+          <p:cNvPr id="37" name="Rectangle 36"/>
+          <p:cNvSpPr/>
+          <p:nvPr/>
+        </p:nvSpPr>
+        <p:spPr>
+          <a:xfrm>
+            <a:off x="2087366" y="157870"/>
+            <a:ext cx="4084906" cy="777206"/>
+          </a:xfrm>
+          <a:prstGeom prst="rect">
+            <a:avLst/>
+          </a:prstGeom>
+          <a:noFill/>
+          <a:ln>
+            <a:solidFill>
+              <a:schemeClr val="tx1"/>
+            </a:solidFill>
+          </a:ln>
+        </p:spPr>
+        <p:style>
+          <a:lnRef idx="2">
+            <a:schemeClr val="accent1">
+              <a:shade val="50000"/>
+            </a:schemeClr>
+          </a:lnRef>
+          <a:fillRef idx="1">
+            <a:schemeClr val="accent1"/>
+          </a:fillRef>
+          <a:effectRef idx="0">
+            <a:schemeClr val="accent1"/>
+          </a:effectRef>
+          <a:fontRef idx="minor">
+            <a:schemeClr val="lt1"/>
+          </a:fontRef>
+        </p:style>
+        <p:txBody>
+          <a:bodyPr rtlCol="0" anchor="ctr"/>
+          <a:lstStyle/>
+          <a:p>
+            <a:pPr algn="ctr"/>
+            <a:endParaRPr lang="en-US"/>
+          </a:p>
+        </p:txBody>
+      </p:sp>
+      <p:pic>
+        <p:nvPicPr>
+          <p:cNvPr id="38" name="Picture 37"/>
+          <p:cNvPicPr>
+            <a:picLocks noChangeAspect="1"/>
+          </p:cNvPicPr>
+          <p:nvPr/>
+        </p:nvPicPr>
+        <p:blipFill>
+          <a:blip r:embed="rId17">
+            <a:extLst>
+              <a:ext uri="{28A0092B-C50C-407E-A947-70E740481C1C}">
+                <a14:useLocalDpi xmlns:a14="http://schemas.microsoft.com/office/drawing/2010/main" val="0"/>
+              </a:ext>
+            </a:extLst>
+          </a:blip>
+          <a:stretch>
+            <a:fillRect/>
+          </a:stretch>
+        </p:blipFill>
+        <p:spPr>
+          <a:xfrm>
+            <a:off x="10035585" y="5503537"/>
+            <a:ext cx="1754447" cy="1275034"/>
+          </a:xfrm>
+          <a:prstGeom prst="rect">
+            <a:avLst/>
+          </a:prstGeom>
+        </p:spPr>
+      </p:pic>
+      <p:pic>
+        <p:nvPicPr>
+          <p:cNvPr id="39" name="Picture 38"/>
+          <p:cNvPicPr>
+            <a:picLocks noChangeAspect="1"/>
+          </p:cNvPicPr>
+          <p:nvPr/>
+        </p:nvPicPr>
+        <p:blipFill>
+          <a:blip r:embed="rId18">
+            <a:extLst>
+              <a:ext uri="{28A0092B-C50C-407E-A947-70E740481C1C}">
+                <a14:useLocalDpi xmlns:a14="http://schemas.microsoft.com/office/drawing/2010/main" val="0"/>
+              </a:ext>
+            </a:extLst>
+          </a:blip>
+          <a:stretch>
+            <a:fillRect/>
+          </a:stretch>
+        </p:blipFill>
+        <p:spPr>
+          <a:xfrm>
+            <a:off x="4473429" y="5502837"/>
+            <a:ext cx="1775822" cy="1275734"/>
+          </a:xfrm>
+          <a:prstGeom prst="rect">
+            <a:avLst/>
+          </a:prstGeom>
+        </p:spPr>
+      </p:pic>
+      <p:sp>
+        <p:nvSpPr>
+          <p:cNvPr id="40" name="Right Arrow 39"/>
+          <p:cNvSpPr/>
+          <p:nvPr/>
+        </p:nvSpPr>
+        <p:spPr>
+          <a:xfrm>
+            <a:off x="3687302" y="5502837"/>
+            <a:ext cx="542611" cy="371789"/>
+          </a:xfrm>
+          <a:prstGeom prst="rightArrow">
+            <a:avLst/>
+          </a:prstGeom>
+          <a:solidFill>
+            <a:schemeClr val="bg2"/>
+          </a:solidFill>
+          <a:ln>
+            <a:solidFill>
+              <a:schemeClr val="tx1"/>
+            </a:solidFill>
+          </a:ln>
+        </p:spPr>
+        <p:style>
+          <a:lnRef idx="2">
+            <a:schemeClr val="accent1">
+              <a:shade val="50000"/>
+            </a:schemeClr>
+          </a:lnRef>
+          <a:fillRef idx="1">
+            <a:schemeClr val="accent1"/>
+          </a:fillRef>
+          <a:effectRef idx="0">
+            <a:schemeClr val="accent1"/>
+          </a:effectRef>
+          <a:fontRef idx="minor">
+            <a:schemeClr val="lt1"/>
+          </a:fontRef>
+        </p:style>
+        <p:txBody>
+          <a:bodyPr rtlCol="0" anchor="ctr"/>
+          <a:lstStyle/>
+          <a:p>
+            <a:pPr algn="ctr"/>
+            <a:endParaRPr lang="en-US"/>
+          </a:p>
+        </p:txBody>
+      </p:sp>
+      <p:sp>
+        <p:nvSpPr>
+          <p:cNvPr id="41" name="Right Arrow 40"/>
+          <p:cNvSpPr/>
+          <p:nvPr/>
+        </p:nvSpPr>
+        <p:spPr>
+          <a:xfrm>
+            <a:off x="9235293" y="5502837"/>
+            <a:ext cx="542611" cy="371789"/>
+          </a:xfrm>
+          <a:prstGeom prst="rightArrow">
+            <a:avLst/>
+          </a:prstGeom>
+          <a:solidFill>
+            <a:schemeClr val="bg2"/>
+          </a:solidFill>
+          <a:ln>
+            <a:solidFill>
+              <a:schemeClr val="tx1"/>
+            </a:solidFill>
+          </a:ln>
+        </p:spPr>
+        <p:style>
+          <a:lnRef idx="2">
+            <a:schemeClr val="accent1">
+              <a:shade val="50000"/>
+            </a:schemeClr>
+          </a:lnRef>
+          <a:fillRef idx="1">
+            <a:schemeClr val="accent1"/>
+          </a:fillRef>
+          <a:effectRef idx="0">
+            <a:schemeClr val="accent1"/>
+          </a:effectRef>
+          <a:fontRef idx="minor">
+            <a:schemeClr val="lt1"/>
+          </a:fontRef>
+        </p:style>
+        <p:txBody>
+          <a:bodyPr rtlCol="0" anchor="ctr"/>
+          <a:lstStyle/>
+          <a:p>
+            <a:pPr algn="ctr"/>
+            <a:endParaRPr lang="en-US"/>
+          </a:p>
+        </p:txBody>
+      </p:sp>
+      <p:pic>
+        <p:nvPicPr>
+          <p:cNvPr id="42" name="Picture 41"/>
+          <p:cNvPicPr>
+            <a:picLocks noChangeAspect="1"/>
+          </p:cNvPicPr>
+          <p:nvPr/>
+        </p:nvPicPr>
+        <p:blipFill>
+          <a:blip r:embed="rId19">
+            <a:extLst>
+              <a:ext uri="{28A0092B-C50C-407E-A947-70E740481C1C}">
+                <a14:useLocalDpi xmlns:a14="http://schemas.microsoft.com/office/drawing/2010/main" val="0"/>
+              </a:ext>
+            </a:extLst>
+          </a:blip>
+          <a:stretch>
+            <a:fillRect/>
+          </a:stretch>
+        </p:blipFill>
+        <p:spPr>
+          <a:xfrm>
+            <a:off x="2581427" y="3671667"/>
+            <a:ext cx="123261" cy="360000"/>
+          </a:xfrm>
+          <a:prstGeom prst="rect">
+            <a:avLst/>
+          </a:prstGeom>
+        </p:spPr>
+      </p:pic>
+      <p:pic>
+        <p:nvPicPr>
+          <p:cNvPr id="43" name="Picture 42"/>
+          <p:cNvPicPr>
+            <a:picLocks noChangeAspect="1"/>
+          </p:cNvPicPr>
+          <p:nvPr/>
+        </p:nvPicPr>
+        <p:blipFill>
+          <a:blip r:embed="rId20">
+            <a:extLst>
+              <a:ext uri="{28A0092B-C50C-407E-A947-70E740481C1C}">
+                <a14:useLocalDpi xmlns:a14="http://schemas.microsoft.com/office/drawing/2010/main" val="0"/>
+              </a:ext>
+            </a:extLst>
+          </a:blip>
+          <a:stretch>
+            <a:fillRect/>
+          </a:stretch>
+        </p:blipFill>
+        <p:spPr>
+          <a:xfrm>
+            <a:off x="2963608" y="4354767"/>
+            <a:ext cx="123261" cy="360000"/>
+          </a:xfrm>
+          <a:prstGeom prst="rect">
+            <a:avLst/>
+          </a:prstGeom>
+        </p:spPr>
+      </p:pic>
+      <p:pic>
+        <p:nvPicPr>
+          <p:cNvPr id="44" name="Picture 43"/>
+          <p:cNvPicPr>
+            <a:picLocks noChangeAspect="1"/>
+          </p:cNvPicPr>
+          <p:nvPr/>
+        </p:nvPicPr>
+        <p:blipFill>
+          <a:blip r:embed="rId21">
+            <a:extLst>
+              <a:ext uri="{28A0092B-C50C-407E-A947-70E740481C1C}">
+                <a14:useLocalDpi xmlns:a14="http://schemas.microsoft.com/office/drawing/2010/main" val="0"/>
+              </a:ext>
+            </a:extLst>
+          </a:blip>
+          <a:stretch>
+            <a:fillRect/>
+          </a:stretch>
+        </p:blipFill>
+        <p:spPr>
+          <a:xfrm>
+            <a:off x="8296500" y="4354767"/>
+            <a:ext cx="123261" cy="360000"/>
+          </a:xfrm>
+          <a:prstGeom prst="rect">
+            <a:avLst/>
+          </a:prstGeom>
+        </p:spPr>
+      </p:pic>
+      <p:pic>
+        <p:nvPicPr>
+          <p:cNvPr id="45" name="Picture 44"/>
+          <p:cNvPicPr>
+            <a:picLocks noChangeAspect="1"/>
+          </p:cNvPicPr>
+          <p:nvPr/>
+        </p:nvPicPr>
+        <p:blipFill>
+          <a:blip r:embed="rId19">
+            <a:extLst>
+              <a:ext uri="{28A0092B-C50C-407E-A947-70E740481C1C}">
+                <a14:useLocalDpi xmlns:a14="http://schemas.microsoft.com/office/drawing/2010/main" val="0"/>
+              </a:ext>
+            </a:extLst>
+          </a:blip>
+          <a:stretch>
+            <a:fillRect/>
+          </a:stretch>
+        </p:blipFill>
+        <p:spPr>
+          <a:xfrm>
+            <a:off x="8039791" y="3671667"/>
+            <a:ext cx="123261" cy="360000"/>
+          </a:xfrm>
+          <a:prstGeom prst="rect">
+            <a:avLst/>
+          </a:prstGeom>
+        </p:spPr>
+      </p:pic>
+      <p:sp>
+        <p:nvSpPr>
+          <p:cNvPr id="30" name="TextBox 29"/>
+          <p:cNvSpPr txBox="1"/>
+          <p:nvPr/>
+        </p:nvSpPr>
+        <p:spPr>
+          <a:xfrm rot="2700000">
+            <a:off x="77919" y="2011773"/>
+            <a:ext cx="2494209" cy="307777"/>
+          </a:xfrm>
+          <a:prstGeom prst="rect">
+            <a:avLst/>
+          </a:prstGeom>
+          <a:noFill/>
+        </p:spPr>
+        <p:txBody>
+          <a:bodyPr wrap="none" rtlCol="0">
+            <a:spAutoFit/>
+          </a:bodyPr>
+          <a:lstStyle/>
+          <a:p>
+            <a:r>
+              <a:rPr lang="en-US" sz="1400">
+                <a:solidFill>
+                  <a:srgbClr val="3283BB"/>
+                </a:solidFill>
+              </a:rPr>
+              <a:t>Level curve </a:t>
+            </a:r>
+            <a:r>
+              <a:rPr lang="en-US" sz="1400" b="1">
+                <a:solidFill>
+                  <a:srgbClr val="3283BB"/>
+                </a:solidFill>
+              </a:rPr>
+              <a:t>exits</a:t>
+            </a:r>
+            <a:r>
+              <a:rPr lang="en-US" sz="1400">
+                <a:solidFill>
+                  <a:srgbClr val="3283BB"/>
+                </a:solidFill>
+              </a:rPr>
+              <a:t> feasible region</a:t>
+            </a:r>
+            <a:endParaRPr lang="en-US" sz="1400">
+              <a:solidFill>
+                <a:srgbClr val="3283BB"/>
+              </a:solidFill>
+            </a:endParaRPr>
+          </a:p>
+        </p:txBody>
+      </p:sp>
+      <p:sp>
+        <p:nvSpPr>
+          <p:cNvPr id="31" name="TextBox 30"/>
+          <p:cNvSpPr txBox="1"/>
+          <p:nvPr/>
+        </p:nvSpPr>
+        <p:spPr>
+          <a:xfrm rot="3840000">
+            <a:off x="5787888" y="1182875"/>
+            <a:ext cx="2623988" cy="307777"/>
+          </a:xfrm>
+          <a:prstGeom prst="rect">
+            <a:avLst/>
+          </a:prstGeom>
+          <a:noFill/>
+        </p:spPr>
+        <p:txBody>
+          <a:bodyPr wrap="none" rtlCol="0">
+            <a:spAutoFit/>
+          </a:bodyPr>
+          <a:lstStyle/>
+          <a:p>
+            <a:r>
+              <a:rPr lang="en-US" sz="1400">
+                <a:solidFill>
+                  <a:srgbClr val="4EAB4A"/>
+                </a:solidFill>
+              </a:rPr>
+              <a:t>Level curve </a:t>
+            </a:r>
+            <a:r>
+              <a:rPr lang="en-US" sz="1400" b="1">
+                <a:solidFill>
+                  <a:srgbClr val="4EAB4A"/>
+                </a:solidFill>
+              </a:rPr>
+              <a:t>enters </a:t>
+            </a:r>
+            <a:r>
+              <a:rPr lang="en-US" sz="1400">
+                <a:solidFill>
+                  <a:srgbClr val="4EAB4A"/>
+                </a:solidFill>
+              </a:rPr>
+              <a:t>feasible region</a:t>
+            </a:r>
+            <a:endParaRPr lang="en-US" sz="1400">
+              <a:solidFill>
+                <a:srgbClr val="4EAB4A"/>
+              </a:solidFill>
+            </a:endParaRPr>
+          </a:p>
+        </p:txBody>
+      </p:sp>
+      <p:pic>
+        <p:nvPicPr>
+          <p:cNvPr id="32" name="Picture 31"/>
+          <p:cNvPicPr>
+            <a:picLocks noChangeAspect="1"/>
+          </p:cNvPicPr>
+          <p:nvPr/>
+        </p:nvPicPr>
+        <p:blipFill>
+          <a:blip r:embed="rId22">
+            <a:extLst>
+              <a:ext uri="{28A0092B-C50C-407E-A947-70E740481C1C}">
+                <a14:useLocalDpi xmlns:a14="http://schemas.microsoft.com/office/drawing/2010/main" val="0"/>
+              </a:ext>
+            </a:extLst>
+          </a:blip>
+          <a:stretch>
+            <a:fillRect/>
+          </a:stretch>
+        </p:blipFill>
+        <p:spPr>
+          <a:xfrm rot="2700000">
+            <a:off x="1383938" y="2774061"/>
+            <a:ext cx="675000" cy="360000"/>
+          </a:xfrm>
+          <a:prstGeom prst="rect">
+            <a:avLst/>
+          </a:prstGeom>
+        </p:spPr>
+      </p:pic>
+      <p:pic>
+        <p:nvPicPr>
+          <p:cNvPr id="33" name="Picture 32"/>
+          <p:cNvPicPr>
+            <a:picLocks noChangeAspect="1"/>
+          </p:cNvPicPr>
+          <p:nvPr/>
+        </p:nvPicPr>
+        <p:blipFill>
+          <a:blip r:embed="rId23">
+            <a:extLst>
+              <a:ext uri="{28A0092B-C50C-407E-A947-70E740481C1C}">
+                <a14:useLocalDpi xmlns:a14="http://schemas.microsoft.com/office/drawing/2010/main" val="0"/>
+              </a:ext>
+            </a:extLst>
+          </a:blip>
+          <a:stretch>
+            <a:fillRect/>
+          </a:stretch>
+        </p:blipFill>
+        <p:spPr>
+          <a:xfrm rot="3840000">
+            <a:off x="6825955" y="2016702"/>
+            <a:ext cx="751304" cy="360000"/>
+          </a:xfrm>
+          <a:prstGeom prst="rect">
+            <a:avLst/>
+          </a:prstGeom>
+        </p:spPr>
+      </p:pic>
+    </p:spTree>
+    <p:extLst>
+      <p:ext uri="{BB962C8B-B14F-4D97-AF65-F5344CB8AC3E}">
+        <p14:creationId xmlns:p14="http://schemas.microsoft.com/office/powerpoint/2010/main" val="2031327363"/>
       </p:ext>
     </p:extLst>
   </p:cSld>
@@ -4282,8 +7337,8 @@
         </p:nvCxnSpPr>
         <p:spPr>
           <a:xfrm flipV="1">
-            <a:off x="5889869" y="1165609"/>
-            <a:ext cx="0" cy="462224"/>
+            <a:off x="5924766" y="1377994"/>
+            <a:ext cx="727242" cy="325018"/>
           </a:xfrm>
           <a:prstGeom prst="straightConnector1">
             <a:avLst/>
@@ -4318,7 +7373,7 @@
         </p:nvSpPr>
         <p:spPr>
           <a:xfrm>
-            <a:off x="4970331" y="797540"/>
+            <a:off x="6637324" y="1133110"/>
             <a:ext cx="1846980" cy="369332"/>
           </a:xfrm>
           <a:prstGeom prst="rect">
@@ -4340,6 +7395,96 @@
               </a:rPr>
               <a:t>decision variables</a:t>
             </a:r>
+          </a:p>
+        </p:txBody>
+      </p:sp>
+      <p:sp>
+        <p:nvSpPr>
+          <p:cNvPr id="10" name="TextBox 9"/>
+          <p:cNvSpPr txBox="1"/>
+          <p:nvPr/>
+        </p:nvSpPr>
+        <p:spPr>
+          <a:xfrm>
+            <a:off x="4933546" y="235067"/>
+            <a:ext cx="1554897" cy="1200329"/>
+          </a:xfrm>
+          <a:prstGeom prst="rect">
+            <a:avLst/>
+          </a:prstGeom>
+          <a:noFill/>
+        </p:spPr>
+        <p:txBody>
+          <a:bodyPr wrap="square" rtlCol="0">
+            <a:spAutoFit/>
+          </a:bodyPr>
+          <a:lstStyle/>
+          <a:p>
+            <a:pPr algn="ctr"/>
+            <a:r>
+              <a:rPr lang="en-US" b="1">
+                <a:solidFill>
+                  <a:srgbClr val="8A8C8F"/>
+                </a:solidFill>
+              </a:rPr>
+              <a:t>upper bound </a:t>
+            </a:r>
+            <a:r>
+              <a:rPr lang="en-US">
+                <a:solidFill>
+                  <a:srgbClr val="8A8C8F"/>
+                </a:solidFill>
+              </a:rPr>
+              <a:t>of (original) objective function</a:t>
+            </a:r>
+            <a:endParaRPr lang="en-US" b="1">
+              <a:solidFill>
+                <a:srgbClr val="8A8C8F"/>
+              </a:solidFill>
+            </a:endParaRPr>
+          </a:p>
+        </p:txBody>
+      </p:sp>
+      <p:sp>
+        <p:nvSpPr>
+          <p:cNvPr id="13" name="Left Brace 12"/>
+          <p:cNvSpPr/>
+          <p:nvPr/>
+        </p:nvSpPr>
+        <p:spPr>
+          <a:xfrm rot="5400000" flipV="1">
+            <a:off x="5617090" y="1147856"/>
+            <a:ext cx="187811" cy="648088"/>
+          </a:xfrm>
+          <a:prstGeom prst="leftBrace">
+            <a:avLst/>
+          </a:prstGeom>
+          <a:ln>
+            <a:solidFill>
+              <a:srgbClr val="8A8C8F"/>
+            </a:solidFill>
+          </a:ln>
+        </p:spPr>
+        <p:style>
+          <a:lnRef idx="1">
+            <a:schemeClr val="accent1"/>
+          </a:lnRef>
+          <a:fillRef idx="0">
+            <a:schemeClr val="accent1"/>
+          </a:fillRef>
+          <a:effectRef idx="0">
+            <a:schemeClr val="accent1"/>
+          </a:effectRef>
+          <a:fontRef idx="minor">
+            <a:schemeClr val="tx1"/>
+          </a:fontRef>
+        </p:style>
+        <p:txBody>
+          <a:bodyPr rtlCol="0" anchor="ctr"/>
+          <a:lstStyle/>
+          <a:p>
+            <a:pPr algn="ctr"/>
+            <a:endParaRPr lang="en-US"/>
           </a:p>
         </p:txBody>
       </p:sp>
@@ -4402,8 +7547,8 @@
         </p:blipFill>
         <p:spPr>
           <a:xfrm>
-            <a:off x="6380657" y="2535771"/>
-            <a:ext cx="2174728" cy="1527196"/>
+            <a:off x="6400737" y="2496194"/>
+            <a:ext cx="2129669" cy="1529934"/>
           </a:xfrm>
           <a:prstGeom prst="rect">
             <a:avLst/>
@@ -4921,7 +8066,7 @@
         </p:nvCxnSpPr>
         <p:spPr>
           <a:xfrm flipV="1">
-            <a:off x="7867734" y="2083287"/>
+            <a:off x="7888054" y="2083287"/>
             <a:ext cx="0" cy="462224"/>
           </a:xfrm>
           <a:prstGeom prst="straightConnector1">
@@ -5166,8 +8311,8 @@
           </a:stretch>
         </p:blipFill>
         <p:spPr>
-          <a:xfrm rot="5400000">
-            <a:off x="3637266" y="3836968"/>
+          <a:xfrm rot="16200000">
+            <a:off x="3597701" y="3867840"/>
             <a:ext cx="498461" cy="259200"/>
           </a:xfrm>
           <a:prstGeom prst="rect">
@@ -5785,7 +8930,7 @@
         <p:spPr>
           <a:xfrm rot="2700000">
             <a:off x="4735150" y="5325955"/>
-            <a:ext cx="837415" cy="257666"/>
+            <a:ext cx="837414" cy="257666"/>
           </a:xfrm>
           <a:prstGeom prst="rect">
             <a:avLst/>
@@ -5967,7 +9112,7 @@
             <a:r>
               <a:rPr lang="en-US" sz="1400">
                 <a:solidFill>
-                  <a:srgbClr val="287BB6"/>
+                  <a:srgbClr val="26C0D0"/>
                 </a:solidFill>
               </a:rPr>
               <a:t>Level curve </a:t>
@@ -5975,7 +9120,7 @@
             <a:r>
               <a:rPr lang="en-US" sz="1400" b="1">
                 <a:solidFill>
-                  <a:srgbClr val="287BB6"/>
+                  <a:srgbClr val="26C0D0"/>
                 </a:solidFill>
               </a:rPr>
               <a:t>enters</a:t>
@@ -5983,14 +9128,14 @@
             <a:r>
               <a:rPr lang="en-US" sz="1400">
                 <a:solidFill>
-                  <a:srgbClr val="287BB6"/>
+                  <a:srgbClr val="26C0D0"/>
                 </a:solidFill>
               </a:rPr>
               <a:t> feasible region</a:t>
             </a:r>
             <a:endParaRPr lang="en-US" sz="1400">
               <a:solidFill>
-                <a:srgbClr val="287BB6"/>
+                <a:srgbClr val="26C0D0"/>
               </a:solidFill>
             </a:endParaRPr>
           </a:p>
@@ -6021,7 +9166,7 @@
             <a:r>
               <a:rPr lang="en-US" sz="1400">
                 <a:solidFill>
-                  <a:srgbClr val="D24347"/>
+                  <a:srgbClr val="3283BB"/>
                 </a:solidFill>
               </a:rPr>
               <a:t>Level curve </a:t>
@@ -6029,7 +9174,7 @@
             <a:r>
               <a:rPr lang="en-US" sz="1400" b="1">
                 <a:solidFill>
-                  <a:srgbClr val="D24347"/>
+                  <a:srgbClr val="3283BB"/>
                 </a:solidFill>
               </a:rPr>
               <a:t>exits</a:t>
@@ -6037,14 +9182,14 @@
             <a:r>
               <a:rPr lang="en-US" sz="1400">
                 <a:solidFill>
-                  <a:srgbClr val="D24347"/>
+                  <a:srgbClr val="3283BB"/>
                 </a:solidFill>
               </a:rPr>
               <a:t> feasible region</a:t>
             </a:r>
             <a:endParaRPr lang="en-US" sz="1400">
               <a:solidFill>
-                <a:srgbClr val="D24347"/>
+                <a:srgbClr val="3283BB"/>
               </a:solidFill>
             </a:endParaRPr>
           </a:p>
@@ -6788,7 +9933,7 @@
         </p:nvSpPr>
         <p:spPr>
           <a:xfrm>
-            <a:off x="1947750" y="1084544"/>
+            <a:off x="1855152" y="1063941"/>
             <a:ext cx="972273" cy="369332"/>
           </a:xfrm>
           <a:prstGeom prst="rect">
@@ -7045,7 +10190,7 @@
         <p:spPr>
           <a:xfrm>
             <a:off x="2232023" y="3953402"/>
-            <a:ext cx="403725" cy="384681"/>
+            <a:ext cx="403724" cy="384681"/>
           </a:xfrm>
           <a:prstGeom prst="rect">
             <a:avLst/>

--- a/ppt/medium.pptx
+++ b/ppt/medium.pptx
@@ -126,6 +126,15 @@
 </p:presentation>
 </file>
 
+<file path=ppt/revisionInfo.xml><?xml version="1.0" encoding="utf-8"?>
+<p1510:revInfo xmlns:a="http://schemas.openxmlformats.org/drawingml/2006/main" xmlns:r="http://schemas.openxmlformats.org/officeDocument/2006/relationships" xmlns:p1510="http://schemas.microsoft.com/office/powerpoint/2015/10/main">
+  <p1510:revLst>
+    <p1510:client id="{29CEC34C-14FA-4C53-AF5D-EAA0048912EF}" v="16" dt="2020-07-15T14:34:06.873"/>
+    <p1510:client id="{F7FB14EB-6E07-45FC-AD3E-E1A19C792B3B}" v="28" dt="2020-07-16T00:11:51.477"/>
+  </p1510:revLst>
+</p1510:revInfo>
+</file>
+
 <file path=ppt/slideLayouts/slideLayout1.xml><?xml version="1.0" encoding="utf-8"?>
 <p:sldLayout xmlns:a="http://schemas.openxmlformats.org/drawingml/2006/main" xmlns:r="http://schemas.openxmlformats.org/officeDocument/2006/relationships" xmlns:p="http://schemas.openxmlformats.org/presentationml/2006/main" type="title" preserve="1">
   <p:cSld name="Title Slide">
@@ -254,7 +263,7 @@
           <a:lstStyle/>
           <a:p>
             <a:fld id="{F33E8F4C-35C8-6A48-B176-7EBD0B6C6C98}" type="datetimeFigureOut">
-              <a:t>7/14/20</a:t>
+              <a:t>7/15/2020</a:t>
             </a:fld>
             <a:endParaRPr lang="en-US"/>
           </a:p>
@@ -420,7 +429,7 @@
           <a:lstStyle/>
           <a:p>
             <a:fld id="{F33E8F4C-35C8-6A48-B176-7EBD0B6C6C98}" type="datetimeFigureOut">
-              <a:t>7/14/20</a:t>
+              <a:t>7/15/2020</a:t>
             </a:fld>
             <a:endParaRPr lang="en-US"/>
           </a:p>
@@ -596,7 +605,7 @@
           <a:lstStyle/>
           <a:p>
             <a:fld id="{F33E8F4C-35C8-6A48-B176-7EBD0B6C6C98}" type="datetimeFigureOut">
-              <a:t>7/14/20</a:t>
+              <a:t>7/15/2020</a:t>
             </a:fld>
             <a:endParaRPr lang="en-US"/>
           </a:p>
@@ -762,7 +771,7 @@
           <a:lstStyle/>
           <a:p>
             <a:fld id="{F33E8F4C-35C8-6A48-B176-7EBD0B6C6C98}" type="datetimeFigureOut">
-              <a:t>7/14/20</a:t>
+              <a:t>7/15/2020</a:t>
             </a:fld>
             <a:endParaRPr lang="en-US"/>
           </a:p>
@@ -1005,7 +1014,7 @@
           <a:lstStyle/>
           <a:p>
             <a:fld id="{F33E8F4C-35C8-6A48-B176-7EBD0B6C6C98}" type="datetimeFigureOut">
-              <a:t>7/14/20</a:t>
+              <a:t>7/15/2020</a:t>
             </a:fld>
             <a:endParaRPr lang="en-US"/>
           </a:p>
@@ -1232,7 +1241,7 @@
           <a:lstStyle/>
           <a:p>
             <a:fld id="{F33E8F4C-35C8-6A48-B176-7EBD0B6C6C98}" type="datetimeFigureOut">
-              <a:t>7/14/20</a:t>
+              <a:t>7/15/2020</a:t>
             </a:fld>
             <a:endParaRPr lang="en-US"/>
           </a:p>
@@ -1594,7 +1603,7 @@
           <a:lstStyle/>
           <a:p>
             <a:fld id="{F33E8F4C-35C8-6A48-B176-7EBD0B6C6C98}" type="datetimeFigureOut">
-              <a:t>7/14/20</a:t>
+              <a:t>7/15/2020</a:t>
             </a:fld>
             <a:endParaRPr lang="en-US"/>
           </a:p>
@@ -1709,7 +1718,7 @@
           <a:lstStyle/>
           <a:p>
             <a:fld id="{F33E8F4C-35C8-6A48-B176-7EBD0B6C6C98}" type="datetimeFigureOut">
-              <a:t>7/14/20</a:t>
+              <a:t>7/15/2020</a:t>
             </a:fld>
             <a:endParaRPr lang="en-US"/>
           </a:p>
@@ -1802,7 +1811,7 @@
           <a:lstStyle/>
           <a:p>
             <a:fld id="{F33E8F4C-35C8-6A48-B176-7EBD0B6C6C98}" type="datetimeFigureOut">
-              <a:t>7/14/20</a:t>
+              <a:t>7/15/2020</a:t>
             </a:fld>
             <a:endParaRPr lang="en-US"/>
           </a:p>
@@ -2075,7 +2084,7 @@
           <a:lstStyle/>
           <a:p>
             <a:fld id="{F33E8F4C-35C8-6A48-B176-7EBD0B6C6C98}" type="datetimeFigureOut">
-              <a:t>7/14/20</a:t>
+              <a:t>7/15/2020</a:t>
             </a:fld>
             <a:endParaRPr lang="en-US"/>
           </a:p>
@@ -2325,7 +2334,7 @@
           <a:lstStyle/>
           <a:p>
             <a:fld id="{F33E8F4C-35C8-6A48-B176-7EBD0B6C6C98}" type="datetimeFigureOut">
-              <a:t>7/14/20</a:t>
+              <a:t>7/15/2020</a:t>
             </a:fld>
             <a:endParaRPr lang="en-US"/>
           </a:p>
@@ -2534,7 +2543,7 @@
           </a:lstStyle>
           <a:p>
             <a:fld id="{F33E8F4C-35C8-6A48-B176-7EBD0B6C6C98}" type="datetimeFigureOut">
-              <a:t>7/14/20</a:t>
+              <a:t>7/15/2020</a:t>
             </a:fld>
             <a:endParaRPr lang="en-US"/>
           </a:p>
@@ -3228,13 +3237,6 @@
   <p:clrMapOvr>
     <a:masterClrMapping/>
   </p:clrMapOvr>
-  <p:timing>
-    <p:tnLst>
-      <p:par>
-        <p:cTn id="1" dur="indefinite" restart="never" nodeType="tmRoot"/>
-      </p:par>
-    </p:tnLst>
-  </p:timing>
 </p:sld>
 </file>
 
@@ -3560,13 +3562,6 @@
   <p:clrMapOvr>
     <a:masterClrMapping/>
   </p:clrMapOvr>
-  <p:timing>
-    <p:tnLst>
-      <p:par>
-        <p:cTn id="1" dur="indefinite" restart="never" nodeType="tmRoot"/>
-      </p:par>
-    </p:tnLst>
-  </p:timing>
 </p:sld>
 </file>
 
@@ -3694,13 +3689,6 @@
   <p:clrMapOvr>
     <a:masterClrMapping/>
   </p:clrMapOvr>
-  <p:timing>
-    <p:tnLst>
-      <p:par>
-        <p:cTn id="1" dur="indefinite" restart="never" nodeType="tmRoot"/>
-      </p:par>
-    </p:tnLst>
-  </p:timing>
 </p:sld>
 </file>
 
@@ -3730,14 +3718,14 @@
           <p:nvPr>
             <p:extLst>
               <p:ext uri="{D42A27DB-BD31-4B8C-83A1-F6EECF244321}">
-                <p14:modId xmlns:p14="http://schemas.microsoft.com/office/powerpoint/2010/main" val="111013852"/>
+                <p14:modId xmlns:p14="http://schemas.microsoft.com/office/powerpoint/2010/main" val="299552809"/>
               </p:ext>
             </p:extLst>
           </p:nvPr>
         </p:nvGraphicFramePr>
         <p:xfrm>
           <a:off x="191867" y="3619557"/>
-          <a:ext cx="11796933" cy="2184390"/>
+          <a:ext cx="11034121" cy="2184390"/>
         </p:xfrm>
         <a:graphic>
           <a:graphicData uri="http://schemas.openxmlformats.org/drawingml/2006/table">
@@ -3746,8 +3734,20 @@
                 <a:tableStyleId>{5940675A-B579-460E-94D1-54222C63F5DA}</a:tableStyleId>
               </a:tblPr>
               <a:tblGrid>
-                <a:gridCol w="4779837"/>
-                <a:gridCol w="7017096"/>
+                <a:gridCol w="4766930">
+                  <a:extLst>
+                    <a:ext uri="{9D8B030D-6E8A-4147-A177-3AD203B41FA5}">
+                      <a16:colId xmlns:a16="http://schemas.microsoft.com/office/drawing/2014/main" val="20000"/>
+                    </a:ext>
+                  </a:extLst>
+                </a:gridCol>
+                <a:gridCol w="6267191">
+                  <a:extLst>
+                    <a:ext uri="{9D8B030D-6E8A-4147-A177-3AD203B41FA5}">
+                      <a16:colId xmlns:a16="http://schemas.microsoft.com/office/drawing/2014/main" val="20001"/>
+                    </a:ext>
+                  </a:extLst>
+                </a:gridCol>
               </a:tblGrid>
               <a:tr h="721450">
                 <a:tc>
@@ -3774,6 +3774,11 @@
                   </a:txBody>
                   <a:tcPr/>
                 </a:tc>
+                <a:extLst>
+                  <a:ext uri="{0D108BD9-81ED-4DB2-BD59-A6C34878D82A}">
+                    <a16:rowId xmlns:a16="http://schemas.microsoft.com/office/drawing/2014/main" val="10000"/>
+                  </a:ext>
+                </a:extLst>
               </a:tr>
               <a:tr h="731470">
                 <a:tc>
@@ -3800,6 +3805,11 @@
                   </a:txBody>
                   <a:tcPr/>
                 </a:tc>
+                <a:extLst>
+                  <a:ext uri="{0D108BD9-81ED-4DB2-BD59-A6C34878D82A}">
+                    <a16:rowId xmlns:a16="http://schemas.microsoft.com/office/drawing/2014/main" val="10001"/>
+                  </a:ext>
+                </a:extLst>
               </a:tr>
               <a:tr h="731470">
                 <a:tc>
@@ -3826,6 +3836,11 @@
                   </a:txBody>
                   <a:tcPr/>
                 </a:tc>
+                <a:extLst>
+                  <a:ext uri="{0D108BD9-81ED-4DB2-BD59-A6C34878D82A}">
+                    <a16:rowId xmlns:a16="http://schemas.microsoft.com/office/drawing/2014/main" val="10002"/>
+                  </a:ext>
+                </a:extLst>
               </a:tr>
             </a:tbl>
           </a:graphicData>
@@ -3853,7 +3868,7 @@
         </p:blipFill>
         <p:spPr>
           <a:xfrm>
-            <a:off x="8554352" y="4239970"/>
+            <a:off x="7996143" y="4266552"/>
             <a:ext cx="3116948" cy="757591"/>
           </a:xfrm>
           <a:prstGeom prst="rect">
@@ -3913,7 +3928,7 @@
         </p:blipFill>
         <p:spPr>
           <a:xfrm>
-            <a:off x="5130012" y="4966730"/>
+            <a:off x="5130012" y="5019893"/>
             <a:ext cx="1218536" cy="777342"/>
           </a:xfrm>
           <a:prstGeom prst="rect">
@@ -3942,7 +3957,7 @@
         </p:blipFill>
         <p:spPr>
           <a:xfrm>
-            <a:off x="8526379" y="5026606"/>
+            <a:off x="7932728" y="5035467"/>
             <a:ext cx="1359301" cy="777342"/>
           </a:xfrm>
           <a:prstGeom prst="rect">
@@ -4118,7 +4133,7 @@
         </p:blipFill>
         <p:spPr>
           <a:xfrm>
-            <a:off x="11023599" y="5003782"/>
+            <a:off x="10376785" y="5021503"/>
             <a:ext cx="730031" cy="751743"/>
           </a:xfrm>
           <a:prstGeom prst="rect">
@@ -4136,13 +4151,6 @@
   <p:clrMapOvr>
     <a:masterClrMapping/>
   </p:clrMapOvr>
-  <p:timing>
-    <p:tnLst>
-      <p:par>
-        <p:cTn id="1" dur="indefinite" restart="never" nodeType="tmRoot"/>
-      </p:par>
-    </p:tnLst>
-  </p:timing>
 </p:sld>
 </file>
 
@@ -5115,6 +5123,114 @@
           </a:p>
         </p:txBody>
       </p:sp>
+      <p:sp>
+        <p:nvSpPr>
+          <p:cNvPr id="2" name="Rectangle 1">
+            <a:extLst>
+              <a:ext uri="{FF2B5EF4-FFF2-40B4-BE49-F238E27FC236}">
+                <a16:creationId xmlns:a16="http://schemas.microsoft.com/office/drawing/2014/main" id="{2166CBD4-3C56-4238-B3A8-F371CBD89CD1}"/>
+              </a:ext>
+            </a:extLst>
+          </p:cNvPr>
+          <p:cNvSpPr/>
+          <p:nvPr/>
+        </p:nvSpPr>
+        <p:spPr>
+          <a:xfrm>
+            <a:off x="4667250" y="5172075"/>
+            <a:ext cx="442913" cy="161925"/>
+          </a:xfrm>
+          <a:prstGeom prst="rect">
+            <a:avLst/>
+          </a:prstGeom>
+          <a:solidFill>
+            <a:schemeClr val="bg1"/>
+          </a:solidFill>
+          <a:ln>
+            <a:noFill/>
+          </a:ln>
+        </p:spPr>
+        <p:style>
+          <a:lnRef idx="2">
+            <a:schemeClr val="accent1">
+              <a:shade val="50000"/>
+            </a:schemeClr>
+          </a:lnRef>
+          <a:fillRef idx="1">
+            <a:schemeClr val="accent1"/>
+          </a:fillRef>
+          <a:effectRef idx="0">
+            <a:schemeClr val="accent1"/>
+          </a:effectRef>
+          <a:fontRef idx="minor">
+            <a:schemeClr val="lt1"/>
+          </a:fontRef>
+        </p:style>
+        <p:txBody>
+          <a:bodyPr rtlCol="0" anchor="ctr"/>
+          <a:lstStyle/>
+          <a:p>
+            <a:pPr algn="ctr"/>
+            <a:endParaRPr lang="en-US" dirty="0">
+              <a:cs typeface="Calibri"/>
+            </a:endParaRPr>
+          </a:p>
+        </p:txBody>
+      </p:sp>
+      <p:sp>
+        <p:nvSpPr>
+          <p:cNvPr id="42" name="Rectangle 41">
+            <a:extLst>
+              <a:ext uri="{FF2B5EF4-FFF2-40B4-BE49-F238E27FC236}">
+                <a16:creationId xmlns:a16="http://schemas.microsoft.com/office/drawing/2014/main" id="{CB594831-46D9-4331-9096-137643A2B9C8}"/>
+              </a:ext>
+            </a:extLst>
+          </p:cNvPr>
+          <p:cNvSpPr/>
+          <p:nvPr/>
+        </p:nvSpPr>
+        <p:spPr>
+          <a:xfrm>
+            <a:off x="10239374" y="5195888"/>
+            <a:ext cx="442913" cy="161925"/>
+          </a:xfrm>
+          <a:prstGeom prst="rect">
+            <a:avLst/>
+          </a:prstGeom>
+          <a:solidFill>
+            <a:schemeClr val="bg1"/>
+          </a:solidFill>
+          <a:ln>
+            <a:noFill/>
+          </a:ln>
+        </p:spPr>
+        <p:style>
+          <a:lnRef idx="2">
+            <a:schemeClr val="accent1">
+              <a:shade val="50000"/>
+            </a:schemeClr>
+          </a:lnRef>
+          <a:fillRef idx="1">
+            <a:schemeClr val="accent1"/>
+          </a:fillRef>
+          <a:effectRef idx="0">
+            <a:schemeClr val="accent1"/>
+          </a:effectRef>
+          <a:fontRef idx="minor">
+            <a:schemeClr val="lt1"/>
+          </a:fontRef>
+        </p:style>
+        <p:txBody>
+          <a:bodyPr rtlCol="0" anchor="ctr"/>
+          <a:lstStyle/>
+          <a:p>
+            <a:pPr algn="ctr"/>
+            <a:endParaRPr lang="en-US" dirty="0">
+              <a:cs typeface="Calibri"/>
+            </a:endParaRPr>
+          </a:p>
+        </p:txBody>
+      </p:sp>
     </p:spTree>
     <p:extLst>
       <p:ext uri="{BB962C8B-B14F-4D97-AF65-F5344CB8AC3E}">
@@ -5125,13 +5241,6 @@
   <p:clrMapOvr>
     <a:masterClrMapping/>
   </p:clrMapOvr>
-  <p:timing>
-    <p:tnLst>
-      <p:par>
-        <p:cTn id="1" dur="indefinite" restart="never" nodeType="tmRoot"/>
-      </p:par>
-    </p:tnLst>
-  </p:timing>
 </p:sld>
 </file>
 
@@ -6044,6 +6153,114 @@
           </a:prstGeom>
         </p:spPr>
       </p:pic>
+      <p:sp>
+        <p:nvSpPr>
+          <p:cNvPr id="3" name="Rectangle 2">
+            <a:extLst>
+              <a:ext uri="{FF2B5EF4-FFF2-40B4-BE49-F238E27FC236}">
+                <a16:creationId xmlns:a16="http://schemas.microsoft.com/office/drawing/2014/main" id="{111CF192-83A9-4377-B54B-0278B2CCE201}"/>
+              </a:ext>
+            </a:extLst>
+          </p:cNvPr>
+          <p:cNvSpPr/>
+          <p:nvPr/>
+        </p:nvSpPr>
+        <p:spPr>
+          <a:xfrm>
+            <a:off x="4667250" y="5172075"/>
+            <a:ext cx="442913" cy="161925"/>
+          </a:xfrm>
+          <a:prstGeom prst="rect">
+            <a:avLst/>
+          </a:prstGeom>
+          <a:solidFill>
+            <a:schemeClr val="bg1"/>
+          </a:solidFill>
+          <a:ln>
+            <a:noFill/>
+          </a:ln>
+        </p:spPr>
+        <p:style>
+          <a:lnRef idx="2">
+            <a:schemeClr val="accent1">
+              <a:shade val="50000"/>
+            </a:schemeClr>
+          </a:lnRef>
+          <a:fillRef idx="1">
+            <a:schemeClr val="accent1"/>
+          </a:fillRef>
+          <a:effectRef idx="0">
+            <a:schemeClr val="accent1"/>
+          </a:effectRef>
+          <a:fontRef idx="minor">
+            <a:schemeClr val="lt1"/>
+          </a:fontRef>
+        </p:style>
+        <p:txBody>
+          <a:bodyPr rtlCol="0" anchor="ctr"/>
+          <a:lstStyle/>
+          <a:p>
+            <a:pPr algn="ctr"/>
+            <a:endParaRPr lang="en-US" dirty="0">
+              <a:cs typeface="Calibri"/>
+            </a:endParaRPr>
+          </a:p>
+        </p:txBody>
+      </p:sp>
+      <p:sp>
+        <p:nvSpPr>
+          <p:cNvPr id="18" name="Rectangle 17">
+            <a:extLst>
+              <a:ext uri="{FF2B5EF4-FFF2-40B4-BE49-F238E27FC236}">
+                <a16:creationId xmlns:a16="http://schemas.microsoft.com/office/drawing/2014/main" id="{AA8AE30E-F3B7-48A1-B790-684033D29069}"/>
+              </a:ext>
+            </a:extLst>
+          </p:cNvPr>
+          <p:cNvSpPr/>
+          <p:nvPr/>
+        </p:nvSpPr>
+        <p:spPr>
+          <a:xfrm>
+            <a:off x="10172700" y="5181600"/>
+            <a:ext cx="442913" cy="161925"/>
+          </a:xfrm>
+          <a:prstGeom prst="rect">
+            <a:avLst/>
+          </a:prstGeom>
+          <a:solidFill>
+            <a:schemeClr val="bg1"/>
+          </a:solidFill>
+          <a:ln>
+            <a:noFill/>
+          </a:ln>
+        </p:spPr>
+        <p:style>
+          <a:lnRef idx="2">
+            <a:schemeClr val="accent1">
+              <a:shade val="50000"/>
+            </a:schemeClr>
+          </a:lnRef>
+          <a:fillRef idx="1">
+            <a:schemeClr val="accent1"/>
+          </a:fillRef>
+          <a:effectRef idx="0">
+            <a:schemeClr val="accent1"/>
+          </a:effectRef>
+          <a:fontRef idx="minor">
+            <a:schemeClr val="lt1"/>
+          </a:fontRef>
+        </p:style>
+        <p:txBody>
+          <a:bodyPr rtlCol="0" anchor="ctr"/>
+          <a:lstStyle/>
+          <a:p>
+            <a:pPr algn="ctr"/>
+            <a:endParaRPr lang="en-US" dirty="0">
+              <a:cs typeface="Calibri"/>
+            </a:endParaRPr>
+          </a:p>
+        </p:txBody>
+      </p:sp>
     </p:spTree>
     <p:extLst>
       <p:ext uri="{BB962C8B-B14F-4D97-AF65-F5344CB8AC3E}">
@@ -6054,13 +6271,6 @@
   <p:clrMapOvr>
     <a:masterClrMapping/>
   </p:clrMapOvr>
-  <p:timing>
-    <p:tnLst>
-      <p:par>
-        <p:cTn id="1" dur="indefinite" restart="never" nodeType="tmRoot"/>
-      </p:par>
-    </p:tnLst>
-  </p:timing>
 </p:sld>
 </file>
 
@@ -6959,11 +7169,6 @@
               </a:rPr>
               <a:t> feasible region</a:t>
             </a:r>
-            <a:endParaRPr lang="en-US" sz="1400">
-              <a:solidFill>
-                <a:srgbClr val="3283BB"/>
-              </a:solidFill>
-            </a:endParaRPr>
           </a:p>
         </p:txBody>
       </p:sp>
@@ -7013,11 +7218,6 @@
               </a:rPr>
               <a:t>feasible region</a:t>
             </a:r>
-            <a:endParaRPr lang="en-US" sz="1400">
-              <a:solidFill>
-                <a:srgbClr val="4EAB4A"/>
-              </a:solidFill>
-            </a:endParaRPr>
           </a:p>
         </p:txBody>
       </p:sp>
@@ -7081,6 +7281,114 @@
           </a:prstGeom>
         </p:spPr>
       </p:pic>
+      <p:sp>
+        <p:nvSpPr>
+          <p:cNvPr id="2" name="Rectangle 1">
+            <a:extLst>
+              <a:ext uri="{FF2B5EF4-FFF2-40B4-BE49-F238E27FC236}">
+                <a16:creationId xmlns:a16="http://schemas.microsoft.com/office/drawing/2014/main" id="{782267D9-EFB9-45DA-8D1A-D02698429E7F}"/>
+              </a:ext>
+            </a:extLst>
+          </p:cNvPr>
+          <p:cNvSpPr/>
+          <p:nvPr/>
+        </p:nvSpPr>
+        <p:spPr>
+          <a:xfrm>
+            <a:off x="5772150" y="5238750"/>
+            <a:ext cx="442913" cy="161925"/>
+          </a:xfrm>
+          <a:prstGeom prst="rect">
+            <a:avLst/>
+          </a:prstGeom>
+          <a:solidFill>
+            <a:schemeClr val="bg1"/>
+          </a:solidFill>
+          <a:ln>
+            <a:noFill/>
+          </a:ln>
+        </p:spPr>
+        <p:style>
+          <a:lnRef idx="2">
+            <a:schemeClr val="accent1">
+              <a:shade val="50000"/>
+            </a:schemeClr>
+          </a:lnRef>
+          <a:fillRef idx="1">
+            <a:schemeClr val="accent1"/>
+          </a:fillRef>
+          <a:effectRef idx="0">
+            <a:schemeClr val="accent1"/>
+          </a:effectRef>
+          <a:fontRef idx="minor">
+            <a:schemeClr val="lt1"/>
+          </a:fontRef>
+        </p:style>
+        <p:txBody>
+          <a:bodyPr rtlCol="0" anchor="ctr"/>
+          <a:lstStyle/>
+          <a:p>
+            <a:pPr algn="ctr"/>
+            <a:endParaRPr lang="en-US" dirty="0">
+              <a:cs typeface="Calibri"/>
+            </a:endParaRPr>
+          </a:p>
+        </p:txBody>
+      </p:sp>
+      <p:sp>
+        <p:nvSpPr>
+          <p:cNvPr id="3" name="Rectangle 2">
+            <a:extLst>
+              <a:ext uri="{FF2B5EF4-FFF2-40B4-BE49-F238E27FC236}">
+                <a16:creationId xmlns:a16="http://schemas.microsoft.com/office/drawing/2014/main" id="{8F5809F8-96FA-4CCC-8E34-DF3F11F36BB1}"/>
+              </a:ext>
+            </a:extLst>
+          </p:cNvPr>
+          <p:cNvSpPr/>
+          <p:nvPr/>
+        </p:nvSpPr>
+        <p:spPr>
+          <a:xfrm>
+            <a:off x="11287125" y="5238750"/>
+            <a:ext cx="442913" cy="161925"/>
+          </a:xfrm>
+          <a:prstGeom prst="rect">
+            <a:avLst/>
+          </a:prstGeom>
+          <a:solidFill>
+            <a:schemeClr val="bg1"/>
+          </a:solidFill>
+          <a:ln>
+            <a:noFill/>
+          </a:ln>
+        </p:spPr>
+        <p:style>
+          <a:lnRef idx="2">
+            <a:schemeClr val="accent1">
+              <a:shade val="50000"/>
+            </a:schemeClr>
+          </a:lnRef>
+          <a:fillRef idx="1">
+            <a:schemeClr val="accent1"/>
+          </a:fillRef>
+          <a:effectRef idx="0">
+            <a:schemeClr val="accent1"/>
+          </a:effectRef>
+          <a:fontRef idx="minor">
+            <a:schemeClr val="lt1"/>
+          </a:fontRef>
+        </p:style>
+        <p:txBody>
+          <a:bodyPr rtlCol="0" anchor="ctr"/>
+          <a:lstStyle/>
+          <a:p>
+            <a:pPr algn="ctr"/>
+            <a:endParaRPr lang="en-US" dirty="0">
+              <a:cs typeface="Calibri"/>
+            </a:endParaRPr>
+          </a:p>
+        </p:txBody>
+      </p:sp>
     </p:spTree>
     <p:extLst>
       <p:ext uri="{BB962C8B-B14F-4D97-AF65-F5344CB8AC3E}">
@@ -7091,13 +7399,6 @@
   <p:clrMapOvr>
     <a:masterClrMapping/>
   </p:clrMapOvr>
-  <p:timing>
-    <p:tnLst>
-      <p:par>
-        <p:cTn id="1" dur="indefinite" restart="never" nodeType="tmRoot"/>
-      </p:par>
-    </p:tnLst>
-  </p:timing>
 </p:sld>
 </file>
 
@@ -7498,13 +7799,6 @@
   <p:clrMapOvr>
     <a:masterClrMapping/>
   </p:clrMapOvr>
-  <p:timing>
-    <p:tnLst>
-      <p:par>
-        <p:cTn id="1" dur="indefinite" restart="never" nodeType="tmRoot"/>
-      </p:par>
-    </p:tnLst>
-  </p:timing>
 </p:sld>
 </file>
 
@@ -8173,13 +8467,6 @@
   <p:clrMapOvr>
     <a:masterClrMapping/>
   </p:clrMapOvr>
-  <p:timing>
-    <p:tnLst>
-      <p:par>
-        <p:cTn id="1" dur="indefinite" restart="never" nodeType="tmRoot"/>
-      </p:par>
-    </p:tnLst>
-  </p:timing>
 </p:sld>
 </file>
 
@@ -8790,13 +9077,6 @@
   <p:clrMapOvr>
     <a:masterClrMapping/>
   </p:clrMapOvr>
-  <p:timing>
-    <p:tnLst>
-      <p:par>
-        <p:cTn id="1" dur="indefinite" restart="never" nodeType="tmRoot"/>
-      </p:par>
-    </p:tnLst>
-  </p:timing>
 </p:sld>
 </file>
 
@@ -9133,11 +9413,6 @@
               </a:rPr>
               <a:t> feasible region</a:t>
             </a:r>
-            <a:endParaRPr lang="en-US" sz="1400">
-              <a:solidFill>
-                <a:srgbClr val="26C0D0"/>
-              </a:solidFill>
-            </a:endParaRPr>
           </a:p>
         </p:txBody>
       </p:sp>
@@ -9187,11 +9462,6 @@
               </a:rPr>
               <a:t> feasible region</a:t>
             </a:r>
-            <a:endParaRPr lang="en-US" sz="1400">
-              <a:solidFill>
-                <a:srgbClr val="3283BB"/>
-              </a:solidFill>
-            </a:endParaRPr>
           </a:p>
         </p:txBody>
       </p:sp>
@@ -9205,13 +9475,6 @@
   <p:clrMapOvr>
     <a:masterClrMapping/>
   </p:clrMapOvr>
-  <p:timing>
-    <p:tnLst>
-      <p:par>
-        <p:cTn id="1" dur="indefinite" restart="never" nodeType="tmRoot"/>
-      </p:par>
-    </p:tnLst>
-  </p:timing>
 </p:sld>
 </file>
 
@@ -9338,13 +9601,6 @@
   <p:clrMapOvr>
     <a:masterClrMapping/>
   </p:clrMapOvr>
-  <p:timing>
-    <p:tnLst>
-      <p:par>
-        <p:cTn id="1" dur="indefinite" restart="never" nodeType="tmRoot"/>
-      </p:par>
-    </p:tnLst>
-  </p:timing>
 </p:sld>
 </file>
 
@@ -9613,14 +9869,6 @@
               </a:rPr>
               <a:t>maximize</a:t>
             </a:r>
-            <a:r>
-              <a:rPr lang="en-US">
-                <a:solidFill>
-                  <a:srgbClr val="287BB6"/>
-                </a:solidFill>
-              </a:rPr>
-              <a:t/>
-            </a:r>
             <a:br>
               <a:rPr lang="en-US">
                 <a:solidFill>
@@ -9649,13 +9897,6 @@
   <p:clrMapOvr>
     <a:masterClrMapping/>
   </p:clrMapOvr>
-  <p:timing>
-    <p:tnLst>
-      <p:par>
-        <p:cTn id="1" dur="indefinite" restart="never" nodeType="tmRoot"/>
-      </p:par>
-    </p:tnLst>
-  </p:timing>
 </p:sld>
 </file>
 
@@ -9791,8 +10032,20 @@
                 <a:tableStyleId>{5940675A-B579-460E-94D1-54222C63F5DA}</a:tableStyleId>
               </a:tblPr>
               <a:tblGrid>
-                <a:gridCol w="4965167"/>
-                <a:gridCol w="3519077"/>
+                <a:gridCol w="4965167">
+                  <a:extLst>
+                    <a:ext uri="{9D8B030D-6E8A-4147-A177-3AD203B41FA5}">
+                      <a16:colId xmlns:a16="http://schemas.microsoft.com/office/drawing/2014/main" val="20000"/>
+                    </a:ext>
+                  </a:extLst>
+                </a:gridCol>
+                <a:gridCol w="3519077">
+                  <a:extLst>
+                    <a:ext uri="{9D8B030D-6E8A-4147-A177-3AD203B41FA5}">
+                      <a16:colId xmlns:a16="http://schemas.microsoft.com/office/drawing/2014/main" val="20001"/>
+                    </a:ext>
+                  </a:extLst>
+                </a:gridCol>
               </a:tblGrid>
               <a:tr h="258243">
                 <a:tc>
@@ -9841,6 +10094,11 @@
                     </a:solidFill>
                   </a:tcPr>
                 </a:tc>
+                <a:extLst>
+                  <a:ext uri="{0D108BD9-81ED-4DB2-BD59-A6C34878D82A}">
+                    <a16:rowId xmlns:a16="http://schemas.microsoft.com/office/drawing/2014/main" val="10000"/>
+                  </a:ext>
+                </a:extLst>
               </a:tr>
               <a:tr h="1234205">
                 <a:tc>
@@ -9863,6 +10121,11 @@
                   </a:txBody>
                   <a:tcPr/>
                 </a:tc>
+                <a:extLst>
+                  <a:ext uri="{0D108BD9-81ED-4DB2-BD59-A6C34878D82A}">
+                    <a16:rowId xmlns:a16="http://schemas.microsoft.com/office/drawing/2014/main" val="10001"/>
+                  </a:ext>
+                </a:extLst>
               </a:tr>
               <a:tr h="856527">
                 <a:tc>
@@ -9885,6 +10148,11 @@
                   </a:txBody>
                   <a:tcPr/>
                 </a:tc>
+                <a:extLst>
+                  <a:ext uri="{0D108BD9-81ED-4DB2-BD59-A6C34878D82A}">
+                    <a16:rowId xmlns:a16="http://schemas.microsoft.com/office/drawing/2014/main" val="10002"/>
+                  </a:ext>
+                </a:extLst>
               </a:tr>
             </a:tbl>
           </a:graphicData>
@@ -10315,13 +10583,6 @@
   <p:clrMapOvr>
     <a:masterClrMapping/>
   </p:clrMapOvr>
-  <p:timing>
-    <p:tnLst>
-      <p:par>
-        <p:cTn id="1" dur="indefinite" restart="never" nodeType="tmRoot"/>
-      </p:par>
-    </p:tnLst>
-  </p:timing>
 </p:sld>
 </file>
 
@@ -10475,13 +10736,6 @@
   <p:clrMapOvr>
     <a:masterClrMapping/>
   </p:clrMapOvr>
-  <p:timing>
-    <p:tnLst>
-      <p:par>
-        <p:cTn id="1" dur="indefinite" restart="never" nodeType="tmRoot"/>
-      </p:par>
-    </p:tnLst>
-  </p:timing>
 </p:sld>
 </file>
 

--- a/ppt/medium.pptx
+++ b/ppt/medium.pptx
@@ -263,7 +263,7 @@
           <a:lstStyle/>
           <a:p>
             <a:fld id="{F33E8F4C-35C8-6A48-B176-7EBD0B6C6C98}" type="datetimeFigureOut">
-              <a:t>7/15/2020</a:t>
+              <a:t>7/16/20</a:t>
             </a:fld>
             <a:endParaRPr lang="en-US"/>
           </a:p>
@@ -429,7 +429,7 @@
           <a:lstStyle/>
           <a:p>
             <a:fld id="{F33E8F4C-35C8-6A48-B176-7EBD0B6C6C98}" type="datetimeFigureOut">
-              <a:t>7/15/2020</a:t>
+              <a:t>7/16/20</a:t>
             </a:fld>
             <a:endParaRPr lang="en-US"/>
           </a:p>
@@ -605,7 +605,7 @@
           <a:lstStyle/>
           <a:p>
             <a:fld id="{F33E8F4C-35C8-6A48-B176-7EBD0B6C6C98}" type="datetimeFigureOut">
-              <a:t>7/15/2020</a:t>
+              <a:t>7/16/20</a:t>
             </a:fld>
             <a:endParaRPr lang="en-US"/>
           </a:p>
@@ -771,7 +771,7 @@
           <a:lstStyle/>
           <a:p>
             <a:fld id="{F33E8F4C-35C8-6A48-B176-7EBD0B6C6C98}" type="datetimeFigureOut">
-              <a:t>7/15/2020</a:t>
+              <a:t>7/16/20</a:t>
             </a:fld>
             <a:endParaRPr lang="en-US"/>
           </a:p>
@@ -1014,7 +1014,7 @@
           <a:lstStyle/>
           <a:p>
             <a:fld id="{F33E8F4C-35C8-6A48-B176-7EBD0B6C6C98}" type="datetimeFigureOut">
-              <a:t>7/15/2020</a:t>
+              <a:t>7/16/20</a:t>
             </a:fld>
             <a:endParaRPr lang="en-US"/>
           </a:p>
@@ -1241,7 +1241,7 @@
           <a:lstStyle/>
           <a:p>
             <a:fld id="{F33E8F4C-35C8-6A48-B176-7EBD0B6C6C98}" type="datetimeFigureOut">
-              <a:t>7/15/2020</a:t>
+              <a:t>7/16/20</a:t>
             </a:fld>
             <a:endParaRPr lang="en-US"/>
           </a:p>
@@ -1603,7 +1603,7 @@
           <a:lstStyle/>
           <a:p>
             <a:fld id="{F33E8F4C-35C8-6A48-B176-7EBD0B6C6C98}" type="datetimeFigureOut">
-              <a:t>7/15/2020</a:t>
+              <a:t>7/16/20</a:t>
             </a:fld>
             <a:endParaRPr lang="en-US"/>
           </a:p>
@@ -1718,7 +1718,7 @@
           <a:lstStyle/>
           <a:p>
             <a:fld id="{F33E8F4C-35C8-6A48-B176-7EBD0B6C6C98}" type="datetimeFigureOut">
-              <a:t>7/15/2020</a:t>
+              <a:t>7/16/20</a:t>
             </a:fld>
             <a:endParaRPr lang="en-US"/>
           </a:p>
@@ -1811,7 +1811,7 @@
           <a:lstStyle/>
           <a:p>
             <a:fld id="{F33E8F4C-35C8-6A48-B176-7EBD0B6C6C98}" type="datetimeFigureOut">
-              <a:t>7/15/2020</a:t>
+              <a:t>7/16/20</a:t>
             </a:fld>
             <a:endParaRPr lang="en-US"/>
           </a:p>
@@ -2084,7 +2084,7 @@
           <a:lstStyle/>
           <a:p>
             <a:fld id="{F33E8F4C-35C8-6A48-B176-7EBD0B6C6C98}" type="datetimeFigureOut">
-              <a:t>7/15/2020</a:t>
+              <a:t>7/16/20</a:t>
             </a:fld>
             <a:endParaRPr lang="en-US"/>
           </a:p>
@@ -2334,7 +2334,7 @@
           <a:lstStyle/>
           <a:p>
             <a:fld id="{F33E8F4C-35C8-6A48-B176-7EBD0B6C6C98}" type="datetimeFigureOut">
-              <a:t>7/15/2020</a:t>
+              <a:t>7/16/20</a:t>
             </a:fld>
             <a:endParaRPr lang="en-US"/>
           </a:p>
@@ -2543,7 +2543,7 @@
           </a:lstStyle>
           <a:p>
             <a:fld id="{F33E8F4C-35C8-6A48-B176-7EBD0B6C6C98}" type="datetimeFigureOut">
-              <a:t>7/15/2020</a:t>
+              <a:t>7/16/20</a:t>
             </a:fld>
             <a:endParaRPr lang="en-US"/>
           </a:p>
@@ -3737,14 +3737,14 @@
                 <a:gridCol w="4766930">
                   <a:extLst>
                     <a:ext uri="{9D8B030D-6E8A-4147-A177-3AD203B41FA5}">
-                      <a16:colId xmlns:a16="http://schemas.microsoft.com/office/drawing/2014/main" val="20000"/>
+                      <a16:colId xmlns:a16="http://schemas.microsoft.com/office/drawing/2014/main" xmlns="" val="20000"/>
                     </a:ext>
                   </a:extLst>
                 </a:gridCol>
                 <a:gridCol w="6267191">
                   <a:extLst>
                     <a:ext uri="{9D8B030D-6E8A-4147-A177-3AD203B41FA5}">
-                      <a16:colId xmlns:a16="http://schemas.microsoft.com/office/drawing/2014/main" val="20001"/>
+                      <a16:colId xmlns:a16="http://schemas.microsoft.com/office/drawing/2014/main" xmlns="" val="20001"/>
                     </a:ext>
                   </a:extLst>
                 </a:gridCol>
@@ -3776,7 +3776,7 @@
                 </a:tc>
                 <a:extLst>
                   <a:ext uri="{0D108BD9-81ED-4DB2-BD59-A6C34878D82A}">
-                    <a16:rowId xmlns:a16="http://schemas.microsoft.com/office/drawing/2014/main" val="10000"/>
+                    <a16:rowId xmlns:a16="http://schemas.microsoft.com/office/drawing/2014/main" xmlns="" val="10000"/>
                   </a:ext>
                 </a:extLst>
               </a:tr>
@@ -3807,7 +3807,7 @@
                 </a:tc>
                 <a:extLst>
                   <a:ext uri="{0D108BD9-81ED-4DB2-BD59-A6C34878D82A}">
-                    <a16:rowId xmlns:a16="http://schemas.microsoft.com/office/drawing/2014/main" val="10001"/>
+                    <a16:rowId xmlns:a16="http://schemas.microsoft.com/office/drawing/2014/main" xmlns="" val="10001"/>
                   </a:ext>
                 </a:extLst>
               </a:tr>
@@ -3838,7 +3838,7 @@
                 </a:tc>
                 <a:extLst>
                   <a:ext uri="{0D108BD9-81ED-4DB2-BD59-A6C34878D82A}">
-                    <a16:rowId xmlns:a16="http://schemas.microsoft.com/office/drawing/2014/main" val="10002"/>
+                    <a16:rowId xmlns:a16="http://schemas.microsoft.com/office/drawing/2014/main" xmlns="" val="10002"/>
                   </a:ext>
                 </a:extLst>
               </a:tr>
@@ -5128,7 +5128,7 @@
           <p:cNvPr id="2" name="Rectangle 1">
             <a:extLst>
               <a:ext uri="{FF2B5EF4-FFF2-40B4-BE49-F238E27FC236}">
-                <a16:creationId xmlns:a16="http://schemas.microsoft.com/office/drawing/2014/main" id="{2166CBD4-3C56-4238-B3A8-F371CBD89CD1}"/>
+                <a16:creationId xmlns:a16="http://schemas.microsoft.com/office/drawing/2014/main" xmlns="" id="{2166CBD4-3C56-4238-B3A8-F371CBD89CD1}"/>
               </a:ext>
             </a:extLst>
           </p:cNvPr>
@@ -5182,7 +5182,7 @@
           <p:cNvPr id="42" name="Rectangle 41">
             <a:extLst>
               <a:ext uri="{FF2B5EF4-FFF2-40B4-BE49-F238E27FC236}">
-                <a16:creationId xmlns:a16="http://schemas.microsoft.com/office/drawing/2014/main" id="{CB594831-46D9-4331-9096-137643A2B9C8}"/>
+                <a16:creationId xmlns:a16="http://schemas.microsoft.com/office/drawing/2014/main" xmlns="" id="{CB594831-46D9-4331-9096-137643A2B9C8}"/>
               </a:ext>
             </a:extLst>
           </p:cNvPr>
@@ -6158,7 +6158,7 @@
           <p:cNvPr id="3" name="Rectangle 2">
             <a:extLst>
               <a:ext uri="{FF2B5EF4-FFF2-40B4-BE49-F238E27FC236}">
-                <a16:creationId xmlns:a16="http://schemas.microsoft.com/office/drawing/2014/main" id="{111CF192-83A9-4377-B54B-0278B2CCE201}"/>
+                <a16:creationId xmlns:a16="http://schemas.microsoft.com/office/drawing/2014/main" xmlns="" id="{111CF192-83A9-4377-B54B-0278B2CCE201}"/>
               </a:ext>
             </a:extLst>
           </p:cNvPr>
@@ -6212,7 +6212,7 @@
           <p:cNvPr id="18" name="Rectangle 17">
             <a:extLst>
               <a:ext uri="{FF2B5EF4-FFF2-40B4-BE49-F238E27FC236}">
-                <a16:creationId xmlns:a16="http://schemas.microsoft.com/office/drawing/2014/main" id="{AA8AE30E-F3B7-48A1-B790-684033D29069}"/>
+                <a16:creationId xmlns:a16="http://schemas.microsoft.com/office/drawing/2014/main" xmlns="" id="{AA8AE30E-F3B7-48A1-B790-684033D29069}"/>
               </a:ext>
             </a:extLst>
           </p:cNvPr>
@@ -7286,7 +7286,7 @@
           <p:cNvPr id="2" name="Rectangle 1">
             <a:extLst>
               <a:ext uri="{FF2B5EF4-FFF2-40B4-BE49-F238E27FC236}">
-                <a16:creationId xmlns:a16="http://schemas.microsoft.com/office/drawing/2014/main" id="{782267D9-EFB9-45DA-8D1A-D02698429E7F}"/>
+                <a16:creationId xmlns:a16="http://schemas.microsoft.com/office/drawing/2014/main" xmlns="" id="{782267D9-EFB9-45DA-8D1A-D02698429E7F}"/>
               </a:ext>
             </a:extLst>
           </p:cNvPr>
@@ -7340,7 +7340,7 @@
           <p:cNvPr id="3" name="Rectangle 2">
             <a:extLst>
               <a:ext uri="{FF2B5EF4-FFF2-40B4-BE49-F238E27FC236}">
-                <a16:creationId xmlns:a16="http://schemas.microsoft.com/office/drawing/2014/main" id="{8F5809F8-96FA-4CCC-8E34-DF3F11F36BB1}"/>
+                <a16:creationId xmlns:a16="http://schemas.microsoft.com/office/drawing/2014/main" xmlns="" id="{8F5809F8-96FA-4CCC-8E34-DF3F11F36BB1}"/>
               </a:ext>
             </a:extLst>
           </p:cNvPr>
@@ -9794,7 +9794,7 @@
         <p:spPr>
           <a:xfrm>
             <a:off x="4316627" y="1854198"/>
-            <a:ext cx="2677298" cy="923330"/>
+            <a:ext cx="2677298" cy="1200329"/>
           </a:xfrm>
           <a:prstGeom prst="rect">
             <a:avLst/>
@@ -9806,6 +9806,16 @@
             <a:spAutoFit/>
           </a:bodyPr>
           <a:lstStyle/>
+          <a:p>
+            <a:r>
+              <a:rPr lang="en-US" u="sng">
+                <a:solidFill>
+                  <a:srgbClr val="4EAB4A"/>
+                </a:solidFill>
+              </a:rPr>
+              <a:t>Dual form</a:t>
+            </a:r>
+          </a:p>
           <a:p>
             <a:r>
               <a:rPr lang="en-US" b="1">
@@ -9846,8 +9856,8 @@
         </p:nvSpPr>
         <p:spPr>
           <a:xfrm>
-            <a:off x="4951998" y="4354037"/>
-            <a:ext cx="2677298" cy="646331"/>
+            <a:off x="4951203" y="4077038"/>
+            <a:ext cx="2677298" cy="923330"/>
           </a:xfrm>
           <a:prstGeom prst="rect">
             <a:avLst/>
@@ -9859,6 +9869,17 @@
             <a:spAutoFit/>
           </a:bodyPr>
           <a:lstStyle/>
+          <a:p>
+            <a:pPr algn="r"/>
+            <a:r>
+              <a:rPr lang="en-US" u="sng">
+                <a:solidFill>
+                  <a:srgbClr val="287BB6"/>
+                </a:solidFill>
+              </a:rPr>
+              <a:t>Primal form</a:t>
+            </a:r>
+          </a:p>
           <a:p>
             <a:pPr algn="r"/>
             <a:r>
@@ -9868,6 +9889,14 @@
                 </a:solidFill>
               </a:rPr>
               <a:t>maximize</a:t>
+            </a:r>
+            <a:r>
+              <a:rPr lang="en-US">
+                <a:solidFill>
+                  <a:srgbClr val="287BB6"/>
+                </a:solidFill>
+              </a:rPr>
+              <a:t/>
             </a:r>
             <a:br>
               <a:rPr lang="en-US">
@@ -10035,14 +10064,14 @@
                 <a:gridCol w="4965167">
                   <a:extLst>
                     <a:ext uri="{9D8B030D-6E8A-4147-A177-3AD203B41FA5}">
-                      <a16:colId xmlns:a16="http://schemas.microsoft.com/office/drawing/2014/main" val="20000"/>
+                      <a16:colId xmlns:a16="http://schemas.microsoft.com/office/drawing/2014/main" xmlns="" val="20000"/>
                     </a:ext>
                   </a:extLst>
                 </a:gridCol>
                 <a:gridCol w="3519077">
                   <a:extLst>
                     <a:ext uri="{9D8B030D-6E8A-4147-A177-3AD203B41FA5}">
-                      <a16:colId xmlns:a16="http://schemas.microsoft.com/office/drawing/2014/main" val="20001"/>
+                      <a16:colId xmlns:a16="http://schemas.microsoft.com/office/drawing/2014/main" xmlns="" val="20001"/>
                     </a:ext>
                   </a:extLst>
                 </a:gridCol>
@@ -10096,7 +10125,7 @@
                 </a:tc>
                 <a:extLst>
                   <a:ext uri="{0D108BD9-81ED-4DB2-BD59-A6C34878D82A}">
-                    <a16:rowId xmlns:a16="http://schemas.microsoft.com/office/drawing/2014/main" val="10000"/>
+                    <a16:rowId xmlns:a16="http://schemas.microsoft.com/office/drawing/2014/main" xmlns="" val="10000"/>
                   </a:ext>
                 </a:extLst>
               </a:tr>
@@ -10123,7 +10152,7 @@
                 </a:tc>
                 <a:extLst>
                   <a:ext uri="{0D108BD9-81ED-4DB2-BD59-A6C34878D82A}">
-                    <a16:rowId xmlns:a16="http://schemas.microsoft.com/office/drawing/2014/main" val="10001"/>
+                    <a16:rowId xmlns:a16="http://schemas.microsoft.com/office/drawing/2014/main" xmlns="" val="10001"/>
                   </a:ext>
                 </a:extLst>
               </a:tr>
@@ -10150,7 +10179,7 @@
                 </a:tc>
                 <a:extLst>
                   <a:ext uri="{0D108BD9-81ED-4DB2-BD59-A6C34878D82A}">
-                    <a16:rowId xmlns:a16="http://schemas.microsoft.com/office/drawing/2014/main" val="10002"/>
+                    <a16:rowId xmlns:a16="http://schemas.microsoft.com/office/drawing/2014/main" xmlns="" val="10002"/>
                   </a:ext>
                 </a:extLst>
               </a:tr>
